--- a/CheatSheetCSharp/CheatSheetCSharp/wwwroot/references/routing.pptx
+++ b/CheatSheetCSharp/CheatSheetCSharp/wwwroot/references/routing.pptx
@@ -5,31 +5,28 @@
     <p:sldMasterId id="2147483669" r:id="rId1"/>
   </p:sldMasterIdLst>
   <p:notesMasterIdLst>
-    <p:notesMasterId r:id="rId21"/>
+    <p:notesMasterId r:id="rId18"/>
   </p:notesMasterIdLst>
   <p:handoutMasterIdLst>
-    <p:handoutMasterId r:id="rId22"/>
+    <p:handoutMasterId r:id="rId19"/>
   </p:handoutMasterIdLst>
   <p:sldIdLst>
     <p:sldId id="302" r:id="rId2"/>
     <p:sldId id="303" r:id="rId3"/>
     <p:sldId id="301" r:id="rId4"/>
     <p:sldId id="260" r:id="rId5"/>
-    <p:sldId id="262" r:id="rId6"/>
-    <p:sldId id="264" r:id="rId7"/>
-    <p:sldId id="265" r:id="rId8"/>
-    <p:sldId id="271" r:id="rId9"/>
-    <p:sldId id="300" r:id="rId10"/>
-    <p:sldId id="274" r:id="rId11"/>
-    <p:sldId id="289" r:id="rId12"/>
-    <p:sldId id="290" r:id="rId13"/>
-    <p:sldId id="291" r:id="rId14"/>
-    <p:sldId id="294" r:id="rId15"/>
-    <p:sldId id="295" r:id="rId16"/>
-    <p:sldId id="296" r:id="rId17"/>
-    <p:sldId id="297" r:id="rId18"/>
-    <p:sldId id="298" r:id="rId19"/>
-    <p:sldId id="299" r:id="rId20"/>
+    <p:sldId id="264" r:id="rId6"/>
+    <p:sldId id="265" r:id="rId7"/>
+    <p:sldId id="274" r:id="rId8"/>
+    <p:sldId id="289" r:id="rId9"/>
+    <p:sldId id="290" r:id="rId10"/>
+    <p:sldId id="291" r:id="rId11"/>
+    <p:sldId id="294" r:id="rId12"/>
+    <p:sldId id="295" r:id="rId13"/>
+    <p:sldId id="296" r:id="rId14"/>
+    <p:sldId id="297" r:id="rId15"/>
+    <p:sldId id="298" r:id="rId16"/>
+    <p:sldId id="299" r:id="rId17"/>
   </p:sldIdLst>
   <p:sldSz cx="9144000" cy="6858000" type="screen4x3"/>
   <p:notesSz cx="7010400" cy="9296400"/>
@@ -348,7 +345,7 @@
               <a:pPr>
                 <a:defRPr/>
               </a:pPr>
-              <a:t>10/18/2021</a:t>
+              <a:t>10/19/2021</a:t>
             </a:fld>
             <a:endParaRPr lang="en-US"/>
           </a:p>
@@ -5886,1407 +5883,6 @@
           <p:cNvPr id="2" name="Title 1">
             <a:extLst>
               <a:ext uri="{FF2B5EF4-FFF2-40B4-BE49-F238E27FC236}">
-                <a16:creationId xmlns:a16="http://schemas.microsoft.com/office/drawing/2014/main" id="{D35DA4DA-B580-430D-B649-6950D8CFBCA5}"/>
-              </a:ext>
-            </a:extLst>
-          </p:cNvPr>
-          <p:cNvSpPr>
-            <a:spLocks noGrp="1"/>
-          </p:cNvSpPr>
-          <p:nvPr>
-            <p:ph type="title"/>
-          </p:nvPr>
-        </p:nvSpPr>
-        <p:spPr>
-          <a:xfrm>
-            <a:off x="914400" y="624989"/>
-            <a:ext cx="7315200" cy="369332"/>
-          </a:xfrm>
-        </p:spPr>
-        <p:txBody>
-          <a:bodyPr/>
-          <a:lstStyle/>
-          <a:p>
-            <a:r>
-              <a:rPr lang="en-US" dirty="0"/>
-              <a:t>Three routing patterns mapped to controllers</a:t>
-            </a:r>
-          </a:p>
-        </p:txBody>
-      </p:sp>
-      <p:sp>
-        <p:nvSpPr>
-          <p:cNvPr id="3" name="Text Placeholder 2">
-            <a:extLst>
-              <a:ext uri="{FF2B5EF4-FFF2-40B4-BE49-F238E27FC236}">
-                <a16:creationId xmlns:a16="http://schemas.microsoft.com/office/drawing/2014/main" id="{D3ABA0F2-5536-4700-B1FC-E1C61AD03202}"/>
-              </a:ext>
-            </a:extLst>
-          </p:cNvPr>
-          <p:cNvSpPr>
-            <a:spLocks noGrp="1"/>
-          </p:cNvSpPr>
-          <p:nvPr>
-            <p:ph type="body" sz="quarter" idx="13"/>
-          </p:nvPr>
-        </p:nvSpPr>
-        <p:spPr>
-          <a:xfrm>
-            <a:off x="0" y="1066800"/>
-            <a:ext cx="9144000" cy="4876800"/>
-          </a:xfrm>
-        </p:spPr>
-        <p:txBody>
-          <a:bodyPr/>
-          <a:lstStyle/>
-          <a:p>
-            <a:pPr marL="347345" marR="0">
-              <a:spcBef>
-                <a:spcPts val="0"/>
-              </a:spcBef>
-              <a:spcAft>
-                <a:spcPts val="0"/>
-              </a:spcAft>
-              <a:tabLst>
-                <a:tab pos="1371600" algn="l"/>
-              </a:tabLst>
-            </a:pPr>
-            <a:r>
-              <a:rPr lang="en-US" sz="1600" b="1" dirty="0">
-                <a:latin typeface="Courier New" panose="02070309020205020404" pitchFamily="49" charset="0"/>
-                <a:ea typeface="Times New Roman" panose="02020603050405020304" pitchFamily="18" charset="0"/>
-                <a:cs typeface="Times New Roman" panose="02020603050405020304" pitchFamily="18" charset="0"/>
-              </a:rPr>
-              <a:t>app.UseEndpoints(endpoints =&gt;</a:t>
-            </a:r>
-          </a:p>
-          <a:p>
-            <a:pPr marL="347345" marR="0">
-              <a:spcBef>
-                <a:spcPts val="0"/>
-              </a:spcBef>
-              <a:spcAft>
-                <a:spcPts val="0"/>
-              </a:spcAft>
-              <a:tabLst>
-                <a:tab pos="1371600" algn="l"/>
-              </a:tabLst>
-            </a:pPr>
-            <a:r>
-              <a:rPr lang="en-US" sz="1600" b="1" dirty="0">
-                <a:latin typeface="Courier New" panose="02070309020205020404" pitchFamily="49" charset="0"/>
-                <a:ea typeface="Times New Roman" panose="02020603050405020304" pitchFamily="18" charset="0"/>
-                <a:cs typeface="Times New Roman" panose="02020603050405020304" pitchFamily="18" charset="0"/>
-              </a:rPr>
-              <a:t>{</a:t>
-            </a:r>
-          </a:p>
-          <a:p>
-            <a:pPr marL="347345" marR="0">
-              <a:spcBef>
-                <a:spcPts val="0"/>
-              </a:spcBef>
-              <a:spcAft>
-                <a:spcPts val="0"/>
-              </a:spcAft>
-              <a:tabLst>
-                <a:tab pos="1371600" algn="l"/>
-              </a:tabLst>
-            </a:pPr>
-            <a:r>
-              <a:rPr lang="en-US" sz="1600" b="1" dirty="0">
-                <a:latin typeface="Courier New" panose="02070309020205020404" pitchFamily="49" charset="0"/>
-                <a:ea typeface="Times New Roman" panose="02020603050405020304" pitchFamily="18" charset="0"/>
-                <a:cs typeface="Times New Roman" panose="02020603050405020304" pitchFamily="18" charset="0"/>
-              </a:rPr>
-              <a:t>    // most specific route – 5 required segments</a:t>
-            </a:r>
-          </a:p>
-          <a:p>
-            <a:pPr marL="347345" marR="0">
-              <a:spcBef>
-                <a:spcPts val="0"/>
-              </a:spcBef>
-              <a:spcAft>
-                <a:spcPts val="0"/>
-              </a:spcAft>
-              <a:tabLst>
-                <a:tab pos="1371600" algn="l"/>
-              </a:tabLst>
-            </a:pPr>
-            <a:r>
-              <a:rPr lang="en-US" sz="1600" b="1" dirty="0">
-                <a:latin typeface="Courier New" panose="02070309020205020404" pitchFamily="49" charset="0"/>
-                <a:ea typeface="Times New Roman" panose="02020603050405020304" pitchFamily="18" charset="0"/>
-                <a:cs typeface="Times New Roman" panose="02020603050405020304" pitchFamily="18" charset="0"/>
-              </a:rPr>
-              <a:t>    </a:t>
-            </a:r>
-            <a:r>
-              <a:rPr lang="en-US" sz="1600" b="1" dirty="0" err="1">
-                <a:latin typeface="Courier New" panose="02070309020205020404" pitchFamily="49" charset="0"/>
-                <a:ea typeface="Times New Roman" panose="02020603050405020304" pitchFamily="18" charset="0"/>
-                <a:cs typeface="Times New Roman" panose="02020603050405020304" pitchFamily="18" charset="0"/>
-              </a:rPr>
-              <a:t>endpoints.MapControllerRoute</a:t>
-            </a:r>
-            <a:r>
-              <a:rPr lang="en-US" sz="1600" b="1" dirty="0">
-                <a:latin typeface="Courier New" panose="02070309020205020404" pitchFamily="49" charset="0"/>
-                <a:ea typeface="Times New Roman" panose="02020603050405020304" pitchFamily="18" charset="0"/>
-                <a:cs typeface="Times New Roman" panose="02020603050405020304" pitchFamily="18" charset="0"/>
-              </a:rPr>
-              <a:t>(</a:t>
-            </a:r>
-          </a:p>
-          <a:p>
-            <a:pPr marL="347345" marR="0">
-              <a:spcBef>
-                <a:spcPts val="0"/>
-              </a:spcBef>
-              <a:spcAft>
-                <a:spcPts val="0"/>
-              </a:spcAft>
-              <a:tabLst>
-                <a:tab pos="1371600" algn="l"/>
-              </a:tabLst>
-            </a:pPr>
-            <a:r>
-              <a:rPr lang="en-US" sz="1600" b="1" dirty="0">
-                <a:latin typeface="Courier New" panose="02070309020205020404" pitchFamily="49" charset="0"/>
-                <a:ea typeface="Times New Roman" panose="02020603050405020304" pitchFamily="18" charset="0"/>
-                <a:cs typeface="Times New Roman" panose="02020603050405020304" pitchFamily="18" charset="0"/>
-              </a:rPr>
-              <a:t>        name: "</a:t>
-            </a:r>
-            <a:r>
-              <a:rPr lang="en-US" sz="1600" b="1" dirty="0" err="1">
-                <a:latin typeface="Courier New" panose="02070309020205020404" pitchFamily="49" charset="0"/>
-                <a:ea typeface="Times New Roman" panose="02020603050405020304" pitchFamily="18" charset="0"/>
-                <a:cs typeface="Times New Roman" panose="02020603050405020304" pitchFamily="18" charset="0"/>
-              </a:rPr>
-              <a:t>paging_and_sorting</a:t>
-            </a:r>
-            <a:r>
-              <a:rPr lang="en-US" sz="1600" b="1" dirty="0">
-                <a:latin typeface="Courier New" panose="02070309020205020404" pitchFamily="49" charset="0"/>
-                <a:ea typeface="Times New Roman" panose="02020603050405020304" pitchFamily="18" charset="0"/>
-                <a:cs typeface="Times New Roman" panose="02020603050405020304" pitchFamily="18" charset="0"/>
-              </a:rPr>
-              <a:t>",</a:t>
-            </a:r>
-          </a:p>
-          <a:p>
-            <a:pPr marL="347345" marR="0">
-              <a:spcBef>
-                <a:spcPts val="0"/>
-              </a:spcBef>
-              <a:spcAft>
-                <a:spcPts val="0"/>
-              </a:spcAft>
-              <a:tabLst>
-                <a:tab pos="1371600" algn="l"/>
-              </a:tabLst>
-            </a:pPr>
-            <a:r>
-              <a:rPr lang="en-US" sz="1600" b="1" dirty="0">
-                <a:latin typeface="Courier New" panose="02070309020205020404" pitchFamily="49" charset="0"/>
-                <a:ea typeface="Times New Roman" panose="02020603050405020304" pitchFamily="18" charset="0"/>
-                <a:cs typeface="Times New Roman" panose="02020603050405020304" pitchFamily="18" charset="0"/>
-              </a:rPr>
-              <a:t>        pattern: "{controller}/{action}/{id}/page{page}/sort-by-{</a:t>
-            </a:r>
-            <a:r>
-              <a:rPr lang="en-US" sz="1600" b="1" dirty="0" err="1">
-                <a:latin typeface="Courier New" panose="02070309020205020404" pitchFamily="49" charset="0"/>
-                <a:ea typeface="Times New Roman" panose="02020603050405020304" pitchFamily="18" charset="0"/>
-                <a:cs typeface="Times New Roman" panose="02020603050405020304" pitchFamily="18" charset="0"/>
-              </a:rPr>
-              <a:t>sortby</a:t>
-            </a:r>
-            <a:r>
-              <a:rPr lang="en-US" sz="1600" b="1" dirty="0">
-                <a:latin typeface="Courier New" panose="02070309020205020404" pitchFamily="49" charset="0"/>
-                <a:ea typeface="Times New Roman" panose="02020603050405020304" pitchFamily="18" charset="0"/>
-                <a:cs typeface="Times New Roman" panose="02020603050405020304" pitchFamily="18" charset="0"/>
-              </a:rPr>
-              <a:t>}");</a:t>
-            </a:r>
-          </a:p>
-          <a:p>
-            <a:pPr marL="347345" marR="0">
-              <a:spcBef>
-                <a:spcPts val="0"/>
-              </a:spcBef>
-              <a:spcAft>
-                <a:spcPts val="0"/>
-              </a:spcAft>
-              <a:tabLst>
-                <a:tab pos="1371600" algn="l"/>
-              </a:tabLst>
-            </a:pPr>
-            <a:r>
-              <a:rPr lang="en-US" sz="1600" b="1" dirty="0">
-                <a:latin typeface="Courier New" panose="02070309020205020404" pitchFamily="49" charset="0"/>
-                <a:ea typeface="Times New Roman" panose="02020603050405020304" pitchFamily="18" charset="0"/>
-                <a:cs typeface="Times New Roman" panose="02020603050405020304" pitchFamily="18" charset="0"/>
-              </a:rPr>
-              <a:t> </a:t>
-            </a:r>
-          </a:p>
-          <a:p>
-            <a:pPr marL="347345" marR="0">
-              <a:spcBef>
-                <a:spcPts val="0"/>
-              </a:spcBef>
-              <a:spcAft>
-                <a:spcPts val="0"/>
-              </a:spcAft>
-              <a:tabLst>
-                <a:tab pos="1371600" algn="l"/>
-              </a:tabLst>
-            </a:pPr>
-            <a:r>
-              <a:rPr lang="en-US" sz="1600" b="1" dirty="0">
-                <a:latin typeface="Courier New" panose="02070309020205020404" pitchFamily="49" charset="0"/>
-                <a:ea typeface="Times New Roman" panose="02020603050405020304" pitchFamily="18" charset="0"/>
-                <a:cs typeface="Times New Roman" panose="02020603050405020304" pitchFamily="18" charset="0"/>
-              </a:rPr>
-              <a:t>    // specific route – 4 required segments</a:t>
-            </a:r>
-          </a:p>
-          <a:p>
-            <a:pPr marL="347345" marR="0">
-              <a:spcBef>
-                <a:spcPts val="0"/>
-              </a:spcBef>
-              <a:spcAft>
-                <a:spcPts val="0"/>
-              </a:spcAft>
-              <a:tabLst>
-                <a:tab pos="1371600" algn="l"/>
-              </a:tabLst>
-            </a:pPr>
-            <a:r>
-              <a:rPr lang="en-US" sz="1600" b="1" dirty="0">
-                <a:latin typeface="Courier New" panose="02070309020205020404" pitchFamily="49" charset="0"/>
-                <a:ea typeface="Times New Roman" panose="02020603050405020304" pitchFamily="18" charset="0"/>
-                <a:cs typeface="Times New Roman" panose="02020603050405020304" pitchFamily="18" charset="0"/>
-              </a:rPr>
-              <a:t>    </a:t>
-            </a:r>
-            <a:r>
-              <a:rPr lang="en-US" sz="1600" b="1" dirty="0" err="1">
-                <a:latin typeface="Courier New" panose="02070309020205020404" pitchFamily="49" charset="0"/>
-                <a:ea typeface="Times New Roman" panose="02020603050405020304" pitchFamily="18" charset="0"/>
-                <a:cs typeface="Times New Roman" panose="02020603050405020304" pitchFamily="18" charset="0"/>
-              </a:rPr>
-              <a:t>endpoints.MapControllerRoute</a:t>
-            </a:r>
-            <a:r>
-              <a:rPr lang="en-US" sz="1600" b="1" dirty="0">
-                <a:latin typeface="Courier New" panose="02070309020205020404" pitchFamily="49" charset="0"/>
-                <a:ea typeface="Times New Roman" panose="02020603050405020304" pitchFamily="18" charset="0"/>
-                <a:cs typeface="Times New Roman" panose="02020603050405020304" pitchFamily="18" charset="0"/>
-              </a:rPr>
-              <a:t>(</a:t>
-            </a:r>
-          </a:p>
-          <a:p>
-            <a:pPr marL="347345" marR="0">
-              <a:spcBef>
-                <a:spcPts val="0"/>
-              </a:spcBef>
-              <a:spcAft>
-                <a:spcPts val="0"/>
-              </a:spcAft>
-              <a:tabLst>
-                <a:tab pos="1371600" algn="l"/>
-              </a:tabLst>
-            </a:pPr>
-            <a:r>
-              <a:rPr lang="en-US" sz="1600" b="1" dirty="0">
-                <a:latin typeface="Courier New" panose="02070309020205020404" pitchFamily="49" charset="0"/>
-                <a:ea typeface="Times New Roman" panose="02020603050405020304" pitchFamily="18" charset="0"/>
-                <a:cs typeface="Times New Roman" panose="02020603050405020304" pitchFamily="18" charset="0"/>
-              </a:rPr>
-              <a:t>        name: "paging",</a:t>
-            </a:r>
-          </a:p>
-          <a:p>
-            <a:pPr marL="347345" marR="0">
-              <a:spcBef>
-                <a:spcPts val="0"/>
-              </a:spcBef>
-              <a:spcAft>
-                <a:spcPts val="0"/>
-              </a:spcAft>
-              <a:tabLst>
-                <a:tab pos="1371600" algn="l"/>
-              </a:tabLst>
-            </a:pPr>
-            <a:r>
-              <a:rPr lang="en-US" sz="1600" b="1" dirty="0">
-                <a:latin typeface="Courier New" panose="02070309020205020404" pitchFamily="49" charset="0"/>
-                <a:ea typeface="Times New Roman" panose="02020603050405020304" pitchFamily="18" charset="0"/>
-                <a:cs typeface="Times New Roman" panose="02020603050405020304" pitchFamily="18" charset="0"/>
-              </a:rPr>
-              <a:t>        pattern: "{controller}/{action}/{id}/page{page}");</a:t>
-            </a:r>
-          </a:p>
-          <a:p>
-            <a:pPr marL="347345" marR="0">
-              <a:spcBef>
-                <a:spcPts val="0"/>
-              </a:spcBef>
-              <a:spcAft>
-                <a:spcPts val="0"/>
-              </a:spcAft>
-              <a:tabLst>
-                <a:tab pos="1371600" algn="l"/>
-              </a:tabLst>
-            </a:pPr>
-            <a:r>
-              <a:rPr lang="en-US" sz="1600" b="1" dirty="0">
-                <a:latin typeface="Courier New" panose="02070309020205020404" pitchFamily="49" charset="0"/>
-                <a:ea typeface="Times New Roman" panose="02020603050405020304" pitchFamily="18" charset="0"/>
-                <a:cs typeface="Times New Roman" panose="02020603050405020304" pitchFamily="18" charset="0"/>
-              </a:rPr>
-              <a:t> </a:t>
-            </a:r>
-          </a:p>
-          <a:p>
-            <a:pPr marL="347345" marR="0">
-              <a:spcBef>
-                <a:spcPts val="0"/>
-              </a:spcBef>
-              <a:spcAft>
-                <a:spcPts val="0"/>
-              </a:spcAft>
-              <a:tabLst>
-                <a:tab pos="1371600" algn="l"/>
-              </a:tabLst>
-            </a:pPr>
-            <a:r>
-              <a:rPr lang="en-US" sz="1600" b="1" dirty="0">
-                <a:latin typeface="Courier New" panose="02070309020205020404" pitchFamily="49" charset="0"/>
-                <a:ea typeface="Times New Roman" panose="02020603050405020304" pitchFamily="18" charset="0"/>
-                <a:cs typeface="Times New Roman" panose="02020603050405020304" pitchFamily="18" charset="0"/>
-              </a:rPr>
-              <a:t>    // least specific route – 0 required segments</a:t>
-            </a:r>
-          </a:p>
-          <a:p>
-            <a:pPr marL="347345" marR="0">
-              <a:spcBef>
-                <a:spcPts val="0"/>
-              </a:spcBef>
-              <a:spcAft>
-                <a:spcPts val="0"/>
-              </a:spcAft>
-              <a:tabLst>
-                <a:tab pos="1371600" algn="l"/>
-              </a:tabLst>
-            </a:pPr>
-            <a:r>
-              <a:rPr lang="en-US" sz="1600" b="1" dirty="0">
-                <a:latin typeface="Courier New" panose="02070309020205020404" pitchFamily="49" charset="0"/>
-                <a:ea typeface="Times New Roman" panose="02020603050405020304" pitchFamily="18" charset="0"/>
-                <a:cs typeface="Times New Roman" panose="02020603050405020304" pitchFamily="18" charset="0"/>
-              </a:rPr>
-              <a:t>    </a:t>
-            </a:r>
-            <a:r>
-              <a:rPr lang="en-US" sz="1600" b="1" dirty="0" err="1">
-                <a:latin typeface="Courier New" panose="02070309020205020404" pitchFamily="49" charset="0"/>
-                <a:ea typeface="Times New Roman" panose="02020603050405020304" pitchFamily="18" charset="0"/>
-                <a:cs typeface="Times New Roman" panose="02020603050405020304" pitchFamily="18" charset="0"/>
-              </a:rPr>
-              <a:t>endpoints.MapControllerRoute</a:t>
-            </a:r>
-            <a:r>
-              <a:rPr lang="en-US" sz="1600" b="1" dirty="0">
-                <a:latin typeface="Courier New" panose="02070309020205020404" pitchFamily="49" charset="0"/>
-                <a:ea typeface="Times New Roman" panose="02020603050405020304" pitchFamily="18" charset="0"/>
-                <a:cs typeface="Times New Roman" panose="02020603050405020304" pitchFamily="18" charset="0"/>
-              </a:rPr>
-              <a:t>(</a:t>
-            </a:r>
-          </a:p>
-          <a:p>
-            <a:pPr marL="347345" marR="0">
-              <a:spcBef>
-                <a:spcPts val="0"/>
-              </a:spcBef>
-              <a:spcAft>
-                <a:spcPts val="0"/>
-              </a:spcAft>
-              <a:tabLst>
-                <a:tab pos="1371600" algn="l"/>
-              </a:tabLst>
-            </a:pPr>
-            <a:r>
-              <a:rPr lang="en-US" sz="1600" b="1" dirty="0">
-                <a:latin typeface="Courier New" panose="02070309020205020404" pitchFamily="49" charset="0"/>
-                <a:ea typeface="Times New Roman" panose="02020603050405020304" pitchFamily="18" charset="0"/>
-                <a:cs typeface="Times New Roman" panose="02020603050405020304" pitchFamily="18" charset="0"/>
-              </a:rPr>
-              <a:t>        name: "default",</a:t>
-            </a:r>
-          </a:p>
-          <a:p>
-            <a:pPr marL="347345" marR="0">
-              <a:spcBef>
-                <a:spcPts val="0"/>
-              </a:spcBef>
-              <a:spcAft>
-                <a:spcPts val="0"/>
-              </a:spcAft>
-              <a:tabLst>
-                <a:tab pos="1371600" algn="l"/>
-              </a:tabLst>
-            </a:pPr>
-            <a:r>
-              <a:rPr lang="en-US" sz="1600" b="1" dirty="0">
-                <a:latin typeface="Courier New" panose="02070309020205020404" pitchFamily="49" charset="0"/>
-                <a:ea typeface="Times New Roman" panose="02020603050405020304" pitchFamily="18" charset="0"/>
-                <a:cs typeface="Times New Roman" panose="02020603050405020304" pitchFamily="18" charset="0"/>
-              </a:rPr>
-              <a:t>        pattern: "{controller=Home}/{action=Index}/{id?}");</a:t>
-            </a:r>
-          </a:p>
-          <a:p>
-            <a:pPr marL="347345" marR="0">
-              <a:spcBef>
-                <a:spcPts val="0"/>
-              </a:spcBef>
-              <a:spcAft>
-                <a:spcPts val="0"/>
-              </a:spcAft>
-              <a:tabLst>
-                <a:tab pos="1371600" algn="l"/>
-              </a:tabLst>
-            </a:pPr>
-            <a:r>
-              <a:rPr lang="en-US" sz="1600" b="1" dirty="0">
-                <a:latin typeface="Courier New" panose="02070309020205020404" pitchFamily="49" charset="0"/>
-                <a:ea typeface="Times New Roman" panose="02020603050405020304" pitchFamily="18" charset="0"/>
-                <a:cs typeface="Times New Roman" panose="02020603050405020304" pitchFamily="18" charset="0"/>
-              </a:rPr>
-              <a:t>});</a:t>
-            </a:r>
-          </a:p>
-          <a:p>
-            <a:endParaRPr lang="en-US" sz="1200" dirty="0"/>
-          </a:p>
-        </p:txBody>
-      </p:sp>
-      <p:sp>
-        <p:nvSpPr>
-          <p:cNvPr id="4" name="Date Placeholder 3">
-            <a:extLst>
-              <a:ext uri="{FF2B5EF4-FFF2-40B4-BE49-F238E27FC236}">
-                <a16:creationId xmlns:a16="http://schemas.microsoft.com/office/drawing/2014/main" id="{021F03FE-DDB3-40BB-BCEA-5152E3356A89}"/>
-              </a:ext>
-            </a:extLst>
-          </p:cNvPr>
-          <p:cNvSpPr>
-            <a:spLocks noGrp="1"/>
-          </p:cNvSpPr>
-          <p:nvPr>
-            <p:ph type="dt" sz="half" idx="10"/>
-          </p:nvPr>
-        </p:nvSpPr>
-        <p:spPr/>
-        <p:txBody>
-          <a:bodyPr/>
-          <a:lstStyle/>
-          <a:p>
-            <a:pPr>
-              <a:defRPr/>
-            </a:pPr>
-            <a:r>
-              <a:rPr lang="en-US"/>
-              <a:t>Murach's ASP.NET Core MVC</a:t>
-            </a:r>
-            <a:endParaRPr lang="en-US" dirty="0"/>
-          </a:p>
-        </p:txBody>
-      </p:sp>
-      <p:sp>
-        <p:nvSpPr>
-          <p:cNvPr id="5" name="Footer Placeholder 4">
-            <a:extLst>
-              <a:ext uri="{FF2B5EF4-FFF2-40B4-BE49-F238E27FC236}">
-                <a16:creationId xmlns:a16="http://schemas.microsoft.com/office/drawing/2014/main" id="{E326E6D7-5026-470D-A3C5-24F0D256BB29}"/>
-              </a:ext>
-            </a:extLst>
-          </p:cNvPr>
-          <p:cNvSpPr>
-            <a:spLocks noGrp="1"/>
-          </p:cNvSpPr>
-          <p:nvPr>
-            <p:ph type="ftr" sz="quarter" idx="11"/>
-          </p:nvPr>
-        </p:nvSpPr>
-        <p:spPr/>
-        <p:txBody>
-          <a:bodyPr/>
-          <a:lstStyle/>
-          <a:p>
-            <a:pPr>
-              <a:defRPr/>
-            </a:pPr>
-            <a:r>
-              <a:rPr lang="en-US"/>
-              <a:t>© 2020, Mike Murach &amp; Associates, Inc.</a:t>
-            </a:r>
-            <a:endParaRPr lang="en-US" dirty="0"/>
-          </a:p>
-        </p:txBody>
-      </p:sp>
-      <p:sp>
-        <p:nvSpPr>
-          <p:cNvPr id="6" name="Slide Number Placeholder 5">
-            <a:extLst>
-              <a:ext uri="{FF2B5EF4-FFF2-40B4-BE49-F238E27FC236}">
-                <a16:creationId xmlns:a16="http://schemas.microsoft.com/office/drawing/2014/main" id="{1882DABF-6E31-41E3-AE74-AA25789536CC}"/>
-              </a:ext>
-            </a:extLst>
-          </p:cNvPr>
-          <p:cNvSpPr>
-            <a:spLocks noGrp="1"/>
-          </p:cNvSpPr>
-          <p:nvPr>
-            <p:ph type="sldNum" sz="quarter" idx="12"/>
-          </p:nvPr>
-        </p:nvSpPr>
-        <p:spPr/>
-        <p:txBody>
-          <a:bodyPr/>
-          <a:lstStyle/>
-          <a:p>
-            <a:pPr algn="l">
-              <a:defRPr/>
-            </a:pPr>
-            <a:endParaRPr lang="en-US" sz="1400">
-              <a:latin typeface="Times New Roman"/>
-            </a:endParaRPr>
-          </a:p>
-          <a:p>
-            <a:pPr>
-              <a:defRPr/>
-            </a:pPr>
-            <a:r>
-              <a:rPr lang="en-US">
-                <a:solidFill>
-                  <a:schemeClr val="bg1"/>
-                </a:solidFill>
-              </a:rPr>
-              <a:t>C6, Slide </a:t>
-            </a:r>
-            <a:fld id="{BF5C1183-B085-4070-A402-C03A3F977D3D}" type="slidenum">
-              <a:rPr lang="en-US" smtClean="0">
-                <a:solidFill>
-                  <a:schemeClr val="bg1"/>
-                </a:solidFill>
-              </a:rPr>
-              <a:pPr>
-                <a:defRPr/>
-              </a:pPr>
-              <a:t>10</a:t>
-            </a:fld>
-            <a:endParaRPr lang="en-US" dirty="0">
-              <a:solidFill>
-                <a:schemeClr val="bg1"/>
-              </a:solidFill>
-            </a:endParaRPr>
-          </a:p>
-        </p:txBody>
-      </p:sp>
-    </p:spTree>
-    <p:extLst>
-      <p:ext uri="{BB962C8B-B14F-4D97-AF65-F5344CB8AC3E}">
-        <p14:creationId xmlns:p14="http://schemas.microsoft.com/office/powerpoint/2010/main" val="1580342230"/>
-      </p:ext>
-    </p:extLst>
-  </p:cSld>
-  <p:clrMapOvr>
-    <a:masterClrMapping/>
-  </p:clrMapOvr>
-</p:sld>
-</file>
-
-<file path=ppt/slides/slide11.xml><?xml version="1.0" encoding="utf-8"?>
-<p:sld xmlns:a="http://schemas.openxmlformats.org/drawingml/2006/main" xmlns:r="http://schemas.openxmlformats.org/officeDocument/2006/relationships" xmlns:p="http://schemas.openxmlformats.org/presentationml/2006/main">
-  <p:cSld>
-    <p:spTree>
-      <p:nvGrpSpPr>
-        <p:cNvPr id="1" name=""/>
-        <p:cNvGrpSpPr/>
-        <p:nvPr/>
-      </p:nvGrpSpPr>
-      <p:grpSpPr>
-        <a:xfrm>
-          <a:off x="0" y="0"/>
-          <a:ext cx="0" cy="0"/>
-          <a:chOff x="0" y="0"/>
-          <a:chExt cx="0" cy="0"/>
-        </a:xfrm>
-      </p:grpSpPr>
-      <p:sp>
-        <p:nvSpPr>
-          <p:cNvPr id="2" name="Title 1">
-            <a:extLst>
-              <a:ext uri="{FF2B5EF4-FFF2-40B4-BE49-F238E27FC236}">
-                <a16:creationId xmlns:a16="http://schemas.microsoft.com/office/drawing/2014/main" id="{1644CFE4-8D26-4B9B-8943-35C02B715C1F}"/>
-              </a:ext>
-            </a:extLst>
-          </p:cNvPr>
-          <p:cNvSpPr>
-            <a:spLocks noGrp="1"/>
-          </p:cNvSpPr>
-          <p:nvPr>
-            <p:ph type="title"/>
-          </p:nvPr>
-        </p:nvSpPr>
-        <p:spPr>
-          <a:xfrm>
-            <a:off x="914400" y="624989"/>
-            <a:ext cx="7315200" cy="369332"/>
-          </a:xfrm>
-        </p:spPr>
-        <p:txBody>
-          <a:bodyPr/>
-          <a:lstStyle/>
-          <a:p>
-            <a:r>
-              <a:rPr lang="en-US" dirty="0"/>
-              <a:t>Best practices for URLs</a:t>
-            </a:r>
-          </a:p>
-        </p:txBody>
-      </p:sp>
-      <p:sp>
-        <p:nvSpPr>
-          <p:cNvPr id="3" name="Text Placeholder 2">
-            <a:extLst>
-              <a:ext uri="{FF2B5EF4-FFF2-40B4-BE49-F238E27FC236}">
-                <a16:creationId xmlns:a16="http://schemas.microsoft.com/office/drawing/2014/main" id="{40853155-6BE0-4133-8E67-4F73A50DD886}"/>
-              </a:ext>
-            </a:extLst>
-          </p:cNvPr>
-          <p:cNvSpPr>
-            <a:spLocks noGrp="1"/>
-          </p:cNvSpPr>
-          <p:nvPr>
-            <p:ph type="body" sz="quarter" idx="13"/>
-          </p:nvPr>
-        </p:nvSpPr>
-        <p:spPr/>
-        <p:txBody>
-          <a:bodyPr/>
-          <a:lstStyle/>
-          <a:p>
-            <a:pPr marL="342900" marR="274320" lvl="0" indent="-342900">
-              <a:spcBef>
-                <a:spcPts val="0"/>
-              </a:spcBef>
-              <a:spcAft>
-                <a:spcPts val="600"/>
-              </a:spcAft>
-              <a:buFont typeface="Symbol" panose="05050102010706020507" pitchFamily="18" charset="2"/>
-              <a:buChar char=""/>
-            </a:pPr>
-            <a:r>
-              <a:rPr lang="en-US" spc="-10" dirty="0">
-                <a:latin typeface="Times New Roman" panose="02020603050405020304" pitchFamily="18" charset="0"/>
-                <a:ea typeface="Times New Roman" panose="02020603050405020304" pitchFamily="18" charset="0"/>
-              </a:rPr>
-              <a:t>Keep the URL as short as possible while still being descriptive and user-friendly.</a:t>
-            </a:r>
-          </a:p>
-          <a:p>
-            <a:pPr marL="342900" marR="274320" lvl="0" indent="-342900">
-              <a:spcBef>
-                <a:spcPts val="0"/>
-              </a:spcBef>
-              <a:spcAft>
-                <a:spcPts val="600"/>
-              </a:spcAft>
-              <a:buFont typeface="Symbol" panose="05050102010706020507" pitchFamily="18" charset="2"/>
-              <a:buChar char=""/>
-            </a:pPr>
-            <a:r>
-              <a:rPr lang="en-US" spc="-10" dirty="0">
-                <a:latin typeface="Times New Roman" panose="02020603050405020304" pitchFamily="18" charset="0"/>
-                <a:ea typeface="Times New Roman" panose="02020603050405020304" pitchFamily="18" charset="0"/>
-              </a:rPr>
-              <a:t>Use keywords to describe the content of a page, not implementation details.</a:t>
-            </a:r>
-          </a:p>
-          <a:p>
-            <a:pPr marL="342900" marR="274320" lvl="0" indent="-342900">
-              <a:spcBef>
-                <a:spcPts val="0"/>
-              </a:spcBef>
-              <a:spcAft>
-                <a:spcPts val="600"/>
-              </a:spcAft>
-              <a:buFont typeface="Symbol" panose="05050102010706020507" pitchFamily="18" charset="2"/>
-              <a:buChar char=""/>
-            </a:pPr>
-            <a:r>
-              <a:rPr lang="en-US" spc="-10" dirty="0">
-                <a:latin typeface="Times New Roman" panose="02020603050405020304" pitchFamily="18" charset="0"/>
-                <a:ea typeface="Times New Roman" panose="02020603050405020304" pitchFamily="18" charset="0"/>
-              </a:rPr>
-              <a:t>Make your URLs easy for humans to understand and type.</a:t>
-            </a:r>
-          </a:p>
-          <a:p>
-            <a:pPr marL="342900" marR="274320" lvl="0" indent="-342900">
-              <a:spcBef>
-                <a:spcPts val="0"/>
-              </a:spcBef>
-              <a:spcAft>
-                <a:spcPts val="600"/>
-              </a:spcAft>
-              <a:buFont typeface="Symbol" panose="05050102010706020507" pitchFamily="18" charset="2"/>
-              <a:buChar char=""/>
-            </a:pPr>
-            <a:r>
-              <a:rPr lang="en-US" spc="-10" dirty="0">
-                <a:latin typeface="Times New Roman" panose="02020603050405020304" pitchFamily="18" charset="0"/>
-                <a:ea typeface="Times New Roman" panose="02020603050405020304" pitchFamily="18" charset="0"/>
-              </a:rPr>
-              <a:t>Use hyphens to separate words, not other characters, especially spaces.</a:t>
-            </a:r>
-          </a:p>
-          <a:p>
-            <a:pPr marL="342900" marR="274320" lvl="0" indent="-342900">
-              <a:spcBef>
-                <a:spcPts val="0"/>
-              </a:spcBef>
-              <a:spcAft>
-                <a:spcPts val="600"/>
-              </a:spcAft>
-              <a:buFont typeface="Symbol" panose="05050102010706020507" pitchFamily="18" charset="2"/>
-              <a:buChar char=""/>
-            </a:pPr>
-            <a:r>
-              <a:rPr lang="en-US" spc="-10" dirty="0">
-                <a:latin typeface="Times New Roman" panose="02020603050405020304" pitchFamily="18" charset="0"/>
-                <a:ea typeface="Times New Roman" panose="02020603050405020304" pitchFamily="18" charset="0"/>
-              </a:rPr>
-              <a:t>Prefer names as identifiers over numbers.</a:t>
-            </a:r>
-          </a:p>
-          <a:p>
-            <a:pPr marL="342900" marR="274320" lvl="0" indent="-342900">
-              <a:spcBef>
-                <a:spcPts val="0"/>
-              </a:spcBef>
-              <a:spcAft>
-                <a:spcPts val="600"/>
-              </a:spcAft>
-              <a:buFont typeface="Symbol" panose="05050102010706020507" pitchFamily="18" charset="2"/>
-              <a:buChar char=""/>
-            </a:pPr>
-            <a:r>
-              <a:rPr lang="en-US" spc="-10" dirty="0">
-                <a:latin typeface="Times New Roman" panose="02020603050405020304" pitchFamily="18" charset="0"/>
-                <a:ea typeface="Times New Roman" panose="02020603050405020304" pitchFamily="18" charset="0"/>
-              </a:rPr>
-              <a:t>Create an intuitive hierarchy.</a:t>
-            </a:r>
-          </a:p>
-          <a:p>
-            <a:pPr marL="342900" marR="274320" lvl="0" indent="-342900">
-              <a:spcBef>
-                <a:spcPts val="0"/>
-              </a:spcBef>
-              <a:spcAft>
-                <a:spcPts val="600"/>
-              </a:spcAft>
-              <a:buFont typeface="Symbol" panose="05050102010706020507" pitchFamily="18" charset="2"/>
-              <a:buChar char=""/>
-            </a:pPr>
-            <a:r>
-              <a:rPr lang="en-US" spc="-10" dirty="0">
-                <a:latin typeface="Times New Roman" panose="02020603050405020304" pitchFamily="18" charset="0"/>
-                <a:ea typeface="Times New Roman" panose="02020603050405020304" pitchFamily="18" charset="0"/>
-              </a:rPr>
-              <a:t>Be consistent.</a:t>
-            </a:r>
-          </a:p>
-          <a:p>
-            <a:pPr marL="342900" marR="274320" lvl="0" indent="-342900">
-              <a:spcBef>
-                <a:spcPts val="0"/>
-              </a:spcBef>
-              <a:spcAft>
-                <a:spcPts val="600"/>
-              </a:spcAft>
-              <a:buFont typeface="Symbol" panose="05050102010706020507" pitchFamily="18" charset="2"/>
-              <a:buChar char=""/>
-            </a:pPr>
-            <a:r>
-              <a:rPr lang="en-US" spc="-10" dirty="0">
-                <a:latin typeface="Times New Roman" panose="02020603050405020304" pitchFamily="18" charset="0"/>
-                <a:ea typeface="Times New Roman" panose="02020603050405020304" pitchFamily="18" charset="0"/>
-              </a:rPr>
-              <a:t>Avoid the use of query string parameters if possible.</a:t>
-            </a:r>
-          </a:p>
-          <a:p>
-            <a:endParaRPr lang="en-US" dirty="0"/>
-          </a:p>
-        </p:txBody>
-      </p:sp>
-      <p:sp>
-        <p:nvSpPr>
-          <p:cNvPr id="4" name="Date Placeholder 3">
-            <a:extLst>
-              <a:ext uri="{FF2B5EF4-FFF2-40B4-BE49-F238E27FC236}">
-                <a16:creationId xmlns:a16="http://schemas.microsoft.com/office/drawing/2014/main" id="{1590B421-7F1F-4A7D-B190-2509AD5E67B4}"/>
-              </a:ext>
-            </a:extLst>
-          </p:cNvPr>
-          <p:cNvSpPr>
-            <a:spLocks noGrp="1"/>
-          </p:cNvSpPr>
-          <p:nvPr>
-            <p:ph type="dt" sz="half" idx="10"/>
-          </p:nvPr>
-        </p:nvSpPr>
-        <p:spPr/>
-        <p:txBody>
-          <a:bodyPr/>
-          <a:lstStyle/>
-          <a:p>
-            <a:pPr>
-              <a:defRPr/>
-            </a:pPr>
-            <a:r>
-              <a:rPr lang="en-US"/>
-              <a:t>Murach's ASP.NET Core MVC</a:t>
-            </a:r>
-            <a:endParaRPr lang="en-US" dirty="0"/>
-          </a:p>
-        </p:txBody>
-      </p:sp>
-      <p:sp>
-        <p:nvSpPr>
-          <p:cNvPr id="5" name="Footer Placeholder 4">
-            <a:extLst>
-              <a:ext uri="{FF2B5EF4-FFF2-40B4-BE49-F238E27FC236}">
-                <a16:creationId xmlns:a16="http://schemas.microsoft.com/office/drawing/2014/main" id="{2D8217B0-A086-4B7D-8579-F7C12D3C22F3}"/>
-              </a:ext>
-            </a:extLst>
-          </p:cNvPr>
-          <p:cNvSpPr>
-            <a:spLocks noGrp="1"/>
-          </p:cNvSpPr>
-          <p:nvPr>
-            <p:ph type="ftr" sz="quarter" idx="11"/>
-          </p:nvPr>
-        </p:nvSpPr>
-        <p:spPr/>
-        <p:txBody>
-          <a:bodyPr/>
-          <a:lstStyle/>
-          <a:p>
-            <a:pPr>
-              <a:defRPr/>
-            </a:pPr>
-            <a:r>
-              <a:rPr lang="en-US"/>
-              <a:t>© 2020, Mike Murach &amp; Associates, Inc.</a:t>
-            </a:r>
-            <a:endParaRPr lang="en-US" dirty="0"/>
-          </a:p>
-        </p:txBody>
-      </p:sp>
-      <p:sp>
-        <p:nvSpPr>
-          <p:cNvPr id="6" name="Slide Number Placeholder 5">
-            <a:extLst>
-              <a:ext uri="{FF2B5EF4-FFF2-40B4-BE49-F238E27FC236}">
-                <a16:creationId xmlns:a16="http://schemas.microsoft.com/office/drawing/2014/main" id="{2741211B-FDF3-4041-9328-8AAA92FF3BA7}"/>
-              </a:ext>
-            </a:extLst>
-          </p:cNvPr>
-          <p:cNvSpPr>
-            <a:spLocks noGrp="1"/>
-          </p:cNvSpPr>
-          <p:nvPr>
-            <p:ph type="sldNum" sz="quarter" idx="12"/>
-          </p:nvPr>
-        </p:nvSpPr>
-        <p:spPr/>
-        <p:txBody>
-          <a:bodyPr/>
-          <a:lstStyle/>
-          <a:p>
-            <a:pPr algn="l">
-              <a:defRPr/>
-            </a:pPr>
-            <a:endParaRPr lang="en-US" sz="1400">
-              <a:latin typeface="Times New Roman"/>
-            </a:endParaRPr>
-          </a:p>
-          <a:p>
-            <a:pPr>
-              <a:defRPr/>
-            </a:pPr>
-            <a:r>
-              <a:rPr lang="en-US">
-                <a:solidFill>
-                  <a:schemeClr val="bg1"/>
-                </a:solidFill>
-              </a:rPr>
-              <a:t>C6, Slide </a:t>
-            </a:r>
-            <a:fld id="{BF5C1183-B085-4070-A402-C03A3F977D3D}" type="slidenum">
-              <a:rPr lang="en-US" smtClean="0">
-                <a:solidFill>
-                  <a:schemeClr val="bg1"/>
-                </a:solidFill>
-              </a:rPr>
-              <a:pPr>
-                <a:defRPr/>
-              </a:pPr>
-              <a:t>11</a:t>
-            </a:fld>
-            <a:endParaRPr lang="en-US" dirty="0">
-              <a:solidFill>
-                <a:schemeClr val="bg1"/>
-              </a:solidFill>
-            </a:endParaRPr>
-          </a:p>
-        </p:txBody>
-      </p:sp>
-    </p:spTree>
-    <p:extLst>
-      <p:ext uri="{BB962C8B-B14F-4D97-AF65-F5344CB8AC3E}">
-        <p14:creationId xmlns:p14="http://schemas.microsoft.com/office/powerpoint/2010/main" val="299918377"/>
-      </p:ext>
-    </p:extLst>
-  </p:cSld>
-  <p:clrMapOvr>
-    <a:masterClrMapping/>
-  </p:clrMapOvr>
-</p:sld>
-</file>
-
-<file path=ppt/slides/slide12.xml><?xml version="1.0" encoding="utf-8"?>
-<p:sld xmlns:a="http://schemas.openxmlformats.org/drawingml/2006/main" xmlns:r="http://schemas.openxmlformats.org/officeDocument/2006/relationships" xmlns:p="http://schemas.openxmlformats.org/presentationml/2006/main">
-  <p:cSld>
-    <p:spTree>
-      <p:nvGrpSpPr>
-        <p:cNvPr id="1" name=""/>
-        <p:cNvGrpSpPr/>
-        <p:nvPr/>
-      </p:nvGrpSpPr>
-      <p:grpSpPr>
-        <a:xfrm>
-          <a:off x="0" y="0"/>
-          <a:ext cx="0" cy="0"/>
-          <a:chOff x="0" y="0"/>
-          <a:chExt cx="0" cy="0"/>
-        </a:xfrm>
-      </p:grpSpPr>
-      <p:sp>
-        <p:nvSpPr>
-          <p:cNvPr id="2" name="Title 1">
-            <a:extLst>
-              <a:ext uri="{FF2B5EF4-FFF2-40B4-BE49-F238E27FC236}">
-                <a16:creationId xmlns:a16="http://schemas.microsoft.com/office/drawing/2014/main" id="{6A3964D9-518A-4693-A8A7-A05267255759}"/>
-              </a:ext>
-            </a:extLst>
-          </p:cNvPr>
-          <p:cNvSpPr>
-            <a:spLocks noGrp="1"/>
-          </p:cNvSpPr>
-          <p:nvPr>
-            <p:ph type="title"/>
-          </p:nvPr>
-        </p:nvSpPr>
-        <p:spPr>
-          <a:xfrm>
-            <a:off x="914400" y="624989"/>
-            <a:ext cx="7315200" cy="369332"/>
-          </a:xfrm>
-        </p:spPr>
-        <p:txBody>
-          <a:bodyPr/>
-          <a:lstStyle/>
-          <a:p>
-            <a:r>
-              <a:rPr lang="en-US" dirty="0"/>
-              <a:t>A URL that identifies a product…</a:t>
-            </a:r>
-          </a:p>
-        </p:txBody>
-      </p:sp>
-      <p:sp>
-        <p:nvSpPr>
-          <p:cNvPr id="3" name="Text Placeholder 2">
-            <a:extLst>
-              <a:ext uri="{FF2B5EF4-FFF2-40B4-BE49-F238E27FC236}">
-                <a16:creationId xmlns:a16="http://schemas.microsoft.com/office/drawing/2014/main" id="{6F212949-E9AA-4AA4-8C8B-507FA45BD603}"/>
-              </a:ext>
-            </a:extLst>
-          </p:cNvPr>
-          <p:cNvSpPr>
-            <a:spLocks noGrp="1"/>
-          </p:cNvSpPr>
-          <p:nvPr>
-            <p:ph type="body" sz="quarter" idx="13"/>
-          </p:nvPr>
-        </p:nvSpPr>
-        <p:spPr/>
-        <p:txBody>
-          <a:bodyPr/>
-          <a:lstStyle/>
-          <a:p>
-            <a:pPr marL="347345" marR="0">
-              <a:spcBef>
-                <a:spcPts val="900"/>
-              </a:spcBef>
-              <a:spcAft>
-                <a:spcPts val="600"/>
-              </a:spcAft>
-              <a:tabLst>
-                <a:tab pos="1371600" algn="l"/>
-                <a:tab pos="2743200" algn="l"/>
-              </a:tabLst>
-            </a:pPr>
-            <a:r>
-              <a:rPr lang="en-US" b="1" spc="-10" dirty="0">
-                <a:solidFill>
-                  <a:srgbClr val="000099"/>
-                </a:solidFill>
-                <a:latin typeface="Arial" panose="020B0604020202020204" pitchFamily="34" charset="0"/>
-                <a:ea typeface="Times New Roman" panose="02020603050405020304" pitchFamily="18" charset="0"/>
-                <a:cs typeface="Times New Roman" panose="02020603050405020304" pitchFamily="18" charset="0"/>
-              </a:rPr>
-              <a:t>With a number</a:t>
-            </a:r>
-          </a:p>
-          <a:p>
-            <a:pPr marL="347345" marR="0">
-              <a:spcBef>
-                <a:spcPts val="0"/>
-              </a:spcBef>
-              <a:spcAft>
-                <a:spcPts val="0"/>
-              </a:spcAft>
-              <a:tabLst>
-                <a:tab pos="1371600" algn="l"/>
-              </a:tabLst>
-            </a:pPr>
-            <a:r>
-              <a:rPr lang="en-US" sz="1600" b="1" dirty="0">
-                <a:latin typeface="Courier New" panose="02070309020205020404" pitchFamily="49" charset="0"/>
-                <a:ea typeface="Times New Roman" panose="02020603050405020304" pitchFamily="18" charset="0"/>
-                <a:cs typeface="Courier New" panose="02070309020205020404" pitchFamily="49" charset="0"/>
-              </a:rPr>
-              <a:t>https://www.domain.com/product/1307</a:t>
-            </a:r>
-            <a:endParaRPr lang="en-US" sz="1600" b="1" dirty="0">
-              <a:latin typeface="Courier New" panose="02070309020205020404" pitchFamily="49" charset="0"/>
-              <a:ea typeface="Times New Roman" panose="02020603050405020304" pitchFamily="18" charset="0"/>
-              <a:cs typeface="Times New Roman" panose="02020603050405020304" pitchFamily="18" charset="0"/>
-            </a:endParaRPr>
-          </a:p>
-          <a:p>
-            <a:pPr marL="347345" marR="0">
-              <a:spcBef>
-                <a:spcPts val="900"/>
-              </a:spcBef>
-              <a:spcAft>
-                <a:spcPts val="600"/>
-              </a:spcAft>
-              <a:tabLst>
-                <a:tab pos="1371600" algn="l"/>
-                <a:tab pos="2743200" algn="l"/>
-              </a:tabLst>
-            </a:pPr>
-            <a:r>
-              <a:rPr lang="en-US" b="1" spc="-10" dirty="0">
-                <a:solidFill>
-                  <a:srgbClr val="000099"/>
-                </a:solidFill>
-                <a:latin typeface="Arial" panose="020B0604020202020204" pitchFamily="34" charset="0"/>
-                <a:ea typeface="Times New Roman" panose="02020603050405020304" pitchFamily="18" charset="0"/>
-                <a:cs typeface="Times New Roman" panose="02020603050405020304" pitchFamily="18" charset="0"/>
-              </a:rPr>
-              <a:t>With a name</a:t>
-            </a:r>
-          </a:p>
-          <a:p>
-            <a:pPr marL="347345" marR="0">
-              <a:spcBef>
-                <a:spcPts val="0"/>
-              </a:spcBef>
-              <a:spcAft>
-                <a:spcPts val="0"/>
-              </a:spcAft>
-              <a:tabLst>
-                <a:tab pos="1371600" algn="l"/>
-              </a:tabLst>
-            </a:pPr>
-            <a:r>
-              <a:rPr lang="en-US" sz="1600" b="1" dirty="0">
-                <a:latin typeface="Courier New" panose="02070309020205020404" pitchFamily="49" charset="0"/>
-                <a:ea typeface="Times New Roman" panose="02020603050405020304" pitchFamily="18" charset="0"/>
-                <a:cs typeface="Courier New" panose="02070309020205020404" pitchFamily="49" charset="0"/>
-              </a:rPr>
-              <a:t>https://www.domain.com/product/fender-special-edition-standard-stratocaster</a:t>
-            </a:r>
-            <a:endParaRPr lang="en-US" sz="1600" b="1" dirty="0">
-              <a:latin typeface="Courier New" panose="02070309020205020404" pitchFamily="49" charset="0"/>
-              <a:ea typeface="Times New Roman" panose="02020603050405020304" pitchFamily="18" charset="0"/>
-              <a:cs typeface="Times New Roman" panose="02020603050405020304" pitchFamily="18" charset="0"/>
-            </a:endParaRPr>
-          </a:p>
-          <a:p>
-            <a:pPr marL="347345" marR="0">
-              <a:spcBef>
-                <a:spcPts val="900"/>
-              </a:spcBef>
-              <a:spcAft>
-                <a:spcPts val="600"/>
-              </a:spcAft>
-              <a:tabLst>
-                <a:tab pos="1371600" algn="l"/>
-                <a:tab pos="2743200" algn="l"/>
-              </a:tabLst>
-            </a:pPr>
-            <a:r>
-              <a:rPr lang="en-US" b="1" spc="-10" dirty="0">
-                <a:solidFill>
-                  <a:srgbClr val="000099"/>
-                </a:solidFill>
-                <a:latin typeface="Arial" panose="020B0604020202020204" pitchFamily="34" charset="0"/>
-                <a:ea typeface="Times New Roman" panose="02020603050405020304" pitchFamily="18" charset="0"/>
-                <a:cs typeface="Times New Roman" panose="02020603050405020304" pitchFamily="18" charset="0"/>
-              </a:rPr>
-              <a:t>With a number and name </a:t>
-            </a:r>
-            <a:br>
-              <a:rPr lang="en-US" b="1" spc="-10" dirty="0">
-                <a:solidFill>
-                  <a:srgbClr val="000099"/>
-                </a:solidFill>
-                <a:latin typeface="Arial" panose="020B0604020202020204" pitchFamily="34" charset="0"/>
-                <a:ea typeface="Times New Roman" panose="02020603050405020304" pitchFamily="18" charset="0"/>
-                <a:cs typeface="Times New Roman" panose="02020603050405020304" pitchFamily="18" charset="0"/>
-              </a:rPr>
-            </a:br>
-            <a:r>
-              <a:rPr lang="en-US" b="1" spc="-10" dirty="0">
-                <a:solidFill>
-                  <a:srgbClr val="000099"/>
-                </a:solidFill>
-                <a:latin typeface="Arial" panose="020B0604020202020204" pitchFamily="34" charset="0"/>
-                <a:ea typeface="Times New Roman" panose="02020603050405020304" pitchFamily="18" charset="0"/>
-                <a:cs typeface="Times New Roman" panose="02020603050405020304" pitchFamily="18" charset="0"/>
-              </a:rPr>
-              <a:t>(to keep it descriptive but short)</a:t>
-            </a:r>
-          </a:p>
-          <a:p>
-            <a:pPr marL="347345" marR="0">
-              <a:spcBef>
-                <a:spcPts val="0"/>
-              </a:spcBef>
-              <a:spcAft>
-                <a:spcPts val="0"/>
-              </a:spcAft>
-              <a:tabLst>
-                <a:tab pos="1371600" algn="l"/>
-              </a:tabLst>
-            </a:pPr>
-            <a:r>
-              <a:rPr lang="en-US" sz="1600" b="1" dirty="0">
-                <a:latin typeface="Courier New" panose="02070309020205020404" pitchFamily="49" charset="0"/>
-                <a:ea typeface="Times New Roman" panose="02020603050405020304" pitchFamily="18" charset="0"/>
-                <a:cs typeface="Courier New" panose="02070309020205020404" pitchFamily="49" charset="0"/>
-              </a:rPr>
-              <a:t>https://www.domain.com/product/1307/fender-special</a:t>
-            </a:r>
-            <a:endParaRPr lang="en-US" sz="1600" b="1" dirty="0">
-              <a:latin typeface="Courier New" panose="02070309020205020404" pitchFamily="49" charset="0"/>
-              <a:ea typeface="Times New Roman" panose="02020603050405020304" pitchFamily="18" charset="0"/>
-              <a:cs typeface="Times New Roman" panose="02020603050405020304" pitchFamily="18" charset="0"/>
-            </a:endParaRPr>
-          </a:p>
-          <a:p>
-            <a:endParaRPr lang="en-US" sz="1600" dirty="0"/>
-          </a:p>
-        </p:txBody>
-      </p:sp>
-      <p:sp>
-        <p:nvSpPr>
-          <p:cNvPr id="4" name="Date Placeholder 3">
-            <a:extLst>
-              <a:ext uri="{FF2B5EF4-FFF2-40B4-BE49-F238E27FC236}">
-                <a16:creationId xmlns:a16="http://schemas.microsoft.com/office/drawing/2014/main" id="{ED684477-B616-450E-8D98-B6BB6F43DCC0}"/>
-              </a:ext>
-            </a:extLst>
-          </p:cNvPr>
-          <p:cNvSpPr>
-            <a:spLocks noGrp="1"/>
-          </p:cNvSpPr>
-          <p:nvPr>
-            <p:ph type="dt" sz="half" idx="10"/>
-          </p:nvPr>
-        </p:nvSpPr>
-        <p:spPr/>
-        <p:txBody>
-          <a:bodyPr/>
-          <a:lstStyle/>
-          <a:p>
-            <a:pPr>
-              <a:defRPr/>
-            </a:pPr>
-            <a:r>
-              <a:rPr lang="en-US"/>
-              <a:t>Murach's ASP.NET Core MVC</a:t>
-            </a:r>
-            <a:endParaRPr lang="en-US" dirty="0"/>
-          </a:p>
-        </p:txBody>
-      </p:sp>
-      <p:sp>
-        <p:nvSpPr>
-          <p:cNvPr id="5" name="Footer Placeholder 4">
-            <a:extLst>
-              <a:ext uri="{FF2B5EF4-FFF2-40B4-BE49-F238E27FC236}">
-                <a16:creationId xmlns:a16="http://schemas.microsoft.com/office/drawing/2014/main" id="{C287A17A-B33D-422C-8E77-E271284FE54D}"/>
-              </a:ext>
-            </a:extLst>
-          </p:cNvPr>
-          <p:cNvSpPr>
-            <a:spLocks noGrp="1"/>
-          </p:cNvSpPr>
-          <p:nvPr>
-            <p:ph type="ftr" sz="quarter" idx="11"/>
-          </p:nvPr>
-        </p:nvSpPr>
-        <p:spPr/>
-        <p:txBody>
-          <a:bodyPr/>
-          <a:lstStyle/>
-          <a:p>
-            <a:pPr>
-              <a:defRPr/>
-            </a:pPr>
-            <a:r>
-              <a:rPr lang="en-US"/>
-              <a:t>© 2020, Mike Murach &amp; Associates, Inc.</a:t>
-            </a:r>
-            <a:endParaRPr lang="en-US" dirty="0"/>
-          </a:p>
-        </p:txBody>
-      </p:sp>
-      <p:sp>
-        <p:nvSpPr>
-          <p:cNvPr id="6" name="Slide Number Placeholder 5">
-            <a:extLst>
-              <a:ext uri="{FF2B5EF4-FFF2-40B4-BE49-F238E27FC236}">
-                <a16:creationId xmlns:a16="http://schemas.microsoft.com/office/drawing/2014/main" id="{14E344AD-F8E2-40CF-9884-70FEF97565E9}"/>
-              </a:ext>
-            </a:extLst>
-          </p:cNvPr>
-          <p:cNvSpPr>
-            <a:spLocks noGrp="1"/>
-          </p:cNvSpPr>
-          <p:nvPr>
-            <p:ph type="sldNum" sz="quarter" idx="12"/>
-          </p:nvPr>
-        </p:nvSpPr>
-        <p:spPr/>
-        <p:txBody>
-          <a:bodyPr/>
-          <a:lstStyle/>
-          <a:p>
-            <a:pPr algn="l">
-              <a:defRPr/>
-            </a:pPr>
-            <a:endParaRPr lang="en-US" sz="1400">
-              <a:latin typeface="Times New Roman"/>
-            </a:endParaRPr>
-          </a:p>
-          <a:p>
-            <a:pPr>
-              <a:defRPr/>
-            </a:pPr>
-            <a:r>
-              <a:rPr lang="en-US">
-                <a:solidFill>
-                  <a:schemeClr val="bg1"/>
-                </a:solidFill>
-              </a:rPr>
-              <a:t>C6, Slide </a:t>
-            </a:r>
-            <a:fld id="{BF5C1183-B085-4070-A402-C03A3F977D3D}" type="slidenum">
-              <a:rPr lang="en-US" smtClean="0">
-                <a:solidFill>
-                  <a:schemeClr val="bg1"/>
-                </a:solidFill>
-              </a:rPr>
-              <a:pPr>
-                <a:defRPr/>
-              </a:pPr>
-              <a:t>12</a:t>
-            </a:fld>
-            <a:endParaRPr lang="en-US" dirty="0">
-              <a:solidFill>
-                <a:schemeClr val="bg1"/>
-              </a:solidFill>
-            </a:endParaRPr>
-          </a:p>
-        </p:txBody>
-      </p:sp>
-    </p:spTree>
-    <p:extLst>
-      <p:ext uri="{BB962C8B-B14F-4D97-AF65-F5344CB8AC3E}">
-        <p14:creationId xmlns:p14="http://schemas.microsoft.com/office/powerpoint/2010/main" val="2740653339"/>
-      </p:ext>
-    </p:extLst>
-  </p:cSld>
-  <p:clrMapOvr>
-    <a:masterClrMapping/>
-  </p:clrMapOvr>
-</p:sld>
-</file>
-
-<file path=ppt/slides/slide13.xml><?xml version="1.0" encoding="utf-8"?>
-<p:sld xmlns:a="http://schemas.openxmlformats.org/drawingml/2006/main" xmlns:r="http://schemas.openxmlformats.org/officeDocument/2006/relationships" xmlns:p="http://schemas.openxmlformats.org/presentationml/2006/main">
-  <p:cSld>
-    <p:spTree>
-      <p:nvGrpSpPr>
-        <p:cNvPr id="1" name=""/>
-        <p:cNvGrpSpPr/>
-        <p:nvPr/>
-      </p:nvGrpSpPr>
-      <p:grpSpPr>
-        <a:xfrm>
-          <a:off x="0" y="0"/>
-          <a:ext cx="0" cy="0"/>
-          <a:chOff x="0" y="0"/>
-          <a:chExt cx="0" cy="0"/>
-        </a:xfrm>
-      </p:grpSpPr>
-      <p:sp>
-        <p:nvSpPr>
-          <p:cNvPr id="2" name="Title 1">
-            <a:extLst>
-              <a:ext uri="{FF2B5EF4-FFF2-40B4-BE49-F238E27FC236}">
                 <a16:creationId xmlns:a16="http://schemas.microsoft.com/office/drawing/2014/main" id="{8BF32650-804C-4F38-90AC-C76C96BA248D}"/>
               </a:ext>
             </a:extLst>
@@ -7590,7 +6186,7 @@
               <a:pPr>
                 <a:defRPr/>
               </a:pPr>
-              <a:t>13</a:t>
+              <a:t>10</a:t>
             </a:fld>
             <a:endParaRPr lang="en-US" dirty="0">
               <a:solidFill>
@@ -8365,7 +6961,7 @@
 </p:sld>
 </file>
 
-<file path=ppt/slides/slide14.xml><?xml version="1.0" encoding="utf-8"?>
+<file path=ppt/slides/slide11.xml><?xml version="1.0" encoding="utf-8"?>
 <p:sld xmlns:a="http://schemas.openxmlformats.org/drawingml/2006/main" xmlns:r="http://schemas.openxmlformats.org/officeDocument/2006/relationships" xmlns:p="http://schemas.openxmlformats.org/presentationml/2006/main">
   <p:cSld>
     <p:spTree>
@@ -9272,7 +7868,7 @@
               <a:pPr>
                 <a:defRPr/>
               </a:pPr>
-              <a:t>14</a:t>
+              <a:t>11</a:t>
             </a:fld>
             <a:endParaRPr lang="en-US" dirty="0">
               <a:solidFill>
@@ -9295,7 +7891,7 @@
 </p:sld>
 </file>
 
-<file path=ppt/slides/slide15.xml><?xml version="1.0" encoding="utf-8"?>
+<file path=ppt/slides/slide12.xml><?xml version="1.0" encoding="utf-8"?>
 <p:sld xmlns:a="http://schemas.openxmlformats.org/drawingml/2006/main" xmlns:r="http://schemas.openxmlformats.org/officeDocument/2006/relationships" xmlns:p="http://schemas.openxmlformats.org/presentationml/2006/main">
   <p:cSld>
     <p:spTree>
@@ -10063,7 +8659,7 @@
               <a:pPr>
                 <a:defRPr/>
               </a:pPr>
-              <a:t>15</a:t>
+              <a:t>12</a:t>
             </a:fld>
             <a:endParaRPr lang="en-US" dirty="0">
               <a:solidFill>
@@ -10086,7 +8682,7 @@
 </p:sld>
 </file>
 
-<file path=ppt/slides/slide16.xml><?xml version="1.0" encoding="utf-8"?>
+<file path=ppt/slides/slide13.xml><?xml version="1.0" encoding="utf-8"?>
 <p:sld xmlns:a="http://schemas.openxmlformats.org/drawingml/2006/main" xmlns:r="http://schemas.openxmlformats.org/officeDocument/2006/relationships" xmlns:p="http://schemas.openxmlformats.org/presentationml/2006/main">
   <p:cSld>
     <p:spTree>
@@ -10583,7 +9179,7 @@
               <a:pPr>
                 <a:defRPr/>
               </a:pPr>
-              <a:t>16</a:t>
+              <a:t>13</a:t>
             </a:fld>
             <a:endParaRPr lang="en-US" dirty="0">
               <a:solidFill>
@@ -10606,7 +9202,7 @@
 </p:sld>
 </file>
 
-<file path=ppt/slides/slide17.xml><?xml version="1.0" encoding="utf-8"?>
+<file path=ppt/slides/slide14.xml><?xml version="1.0" encoding="utf-8"?>
 <p:sld xmlns:a="http://schemas.openxmlformats.org/drawingml/2006/main" xmlns:r="http://schemas.openxmlformats.org/officeDocument/2006/relationships" xmlns:p="http://schemas.openxmlformats.org/presentationml/2006/main">
   <p:cSld>
     <p:spTree>
@@ -11120,7 +9716,7 @@
               <a:pPr>
                 <a:defRPr/>
               </a:pPr>
-              <a:t>17</a:t>
+              <a:t>14</a:t>
             </a:fld>
             <a:endParaRPr lang="en-US" dirty="0">
               <a:solidFill>
@@ -11143,7 +9739,7 @@
 </p:sld>
 </file>
 
-<file path=ppt/slides/slide18.xml><?xml version="1.0" encoding="utf-8"?>
+<file path=ppt/slides/slide15.xml><?xml version="1.0" encoding="utf-8"?>
 <p:sld xmlns:a="http://schemas.openxmlformats.org/drawingml/2006/main" xmlns:r="http://schemas.openxmlformats.org/officeDocument/2006/relationships" xmlns:p="http://schemas.openxmlformats.org/presentationml/2006/main">
   <p:cSld>
     <p:spTree>
@@ -11777,7 +10373,7 @@
               <a:pPr>
                 <a:defRPr/>
               </a:pPr>
-              <a:t>18</a:t>
+              <a:t>15</a:t>
             </a:fld>
             <a:endParaRPr lang="en-US" dirty="0">
               <a:solidFill>
@@ -11800,7 +10396,7 @@
 </p:sld>
 </file>
 
-<file path=ppt/slides/slide19.xml><?xml version="1.0" encoding="utf-8"?>
+<file path=ppt/slides/slide16.xml><?xml version="1.0" encoding="utf-8"?>
 <p:sld xmlns:a="http://schemas.openxmlformats.org/drawingml/2006/main" xmlns:r="http://schemas.openxmlformats.org/officeDocument/2006/relationships" xmlns:p="http://schemas.openxmlformats.org/presentationml/2006/main">
   <p:cSld>
     <p:spTree>
@@ -12161,7 +10757,7 @@
               <a:pPr>
                 <a:defRPr/>
               </a:pPr>
-              <a:t>19</a:t>
+              <a:t>16</a:t>
             </a:fld>
             <a:endParaRPr lang="en-US" dirty="0">
               <a:solidFill>
@@ -12428,174 +11024,6 @@
       </p:sp>
       <p:sp>
         <p:nvSpPr>
-          <p:cNvPr id="3" name="Text Placeholder 2">
-            <a:extLst>
-              <a:ext uri="{FF2B5EF4-FFF2-40B4-BE49-F238E27FC236}">
-                <a16:creationId xmlns:a16="http://schemas.microsoft.com/office/drawing/2014/main" id="{431A2D62-DBA7-49EE-B5F3-94FC80326BFB}"/>
-              </a:ext>
-            </a:extLst>
-          </p:cNvPr>
-          <p:cNvSpPr>
-            <a:spLocks noGrp="1"/>
-          </p:cNvSpPr>
-          <p:nvPr>
-            <p:ph type="body" sz="quarter" idx="15"/>
-          </p:nvPr>
-        </p:nvSpPr>
-        <p:spPr>
-          <a:xfrm>
-            <a:off x="914400" y="1219200"/>
-            <a:ext cx="7620000" cy="1600200"/>
-          </a:xfrm>
-          <a:ln cmpd="sng"/>
-        </p:spPr>
-        <p:txBody>
-          <a:bodyPr/>
-          <a:lstStyle/>
-          <a:p>
-            <a:pPr>
-              <a:spcBef>
-                <a:spcPts val="1500"/>
-              </a:spcBef>
-              <a:spcAft>
-                <a:spcPts val="600"/>
-              </a:spcAft>
-              <a:tabLst>
-                <a:tab pos="1371600" algn="l"/>
-                <a:tab pos="3314700" algn="l"/>
-              </a:tabLst>
-            </a:pPr>
-            <a:r>
-              <a:rPr lang="en-US" sz="2400" b="1" dirty="0">
-                <a:latin typeface="Arial" panose="020B0604020202020204" pitchFamily="34" charset="0"/>
-                <a:ea typeface="Times New Roman" panose="02020603050405020304" pitchFamily="18" charset="0"/>
-                <a:cs typeface="Times New Roman" panose="02020603050405020304" pitchFamily="18" charset="0"/>
-              </a:rPr>
-              <a:t>Method			Available with</a:t>
-            </a:r>
-            <a:endParaRPr lang="en-US" sz="2800" b="1" dirty="0">
-              <a:latin typeface="Arial" panose="020B0604020202020204" pitchFamily="34" charset="0"/>
-              <a:ea typeface="Times New Roman" panose="02020603050405020304" pitchFamily="18" charset="0"/>
-              <a:cs typeface="Times New Roman" panose="02020603050405020304" pitchFamily="18" charset="0"/>
-            </a:endParaRPr>
-          </a:p>
-          <a:p>
-            <a:pPr indent="4445">
-              <a:spcBef>
-                <a:spcPts val="600"/>
-              </a:spcBef>
-              <a:spcAft>
-                <a:spcPts val="600"/>
-              </a:spcAft>
-              <a:tabLst>
-                <a:tab pos="800100" algn="l"/>
-                <a:tab pos="2514600" algn="l"/>
-                <a:tab pos="800100" algn="l"/>
-                <a:tab pos="3314700" algn="l"/>
-              </a:tabLst>
-            </a:pPr>
-            <a:r>
-              <a:rPr lang="en-US" sz="1800" b="1" dirty="0" err="1">
-                <a:latin typeface="Courier New" panose="02070309020205020404" pitchFamily="49" charset="0"/>
-                <a:ea typeface="Times New Roman" panose="02020603050405020304" pitchFamily="18" charset="0"/>
-              </a:rPr>
-              <a:t>AddControllersWithViews</a:t>
-            </a:r>
-            <a:r>
-              <a:rPr lang="en-US" sz="1800" b="1" dirty="0">
-                <a:latin typeface="Courier New" panose="02070309020205020404" pitchFamily="49" charset="0"/>
-                <a:ea typeface="Times New Roman" panose="02020603050405020304" pitchFamily="18" charset="0"/>
-              </a:rPr>
-              <a:t>()</a:t>
-            </a:r>
-            <a:r>
-              <a:rPr lang="en-US" sz="2400" dirty="0">
-                <a:latin typeface="Times New Roman" panose="02020603050405020304" pitchFamily="18" charset="0"/>
-                <a:ea typeface="Times New Roman" panose="02020603050405020304" pitchFamily="18" charset="0"/>
-              </a:rPr>
-              <a:t>	</a:t>
-            </a:r>
-            <a:r>
-              <a:rPr lang="en-US" dirty="0">
-                <a:latin typeface="Times New Roman" panose="02020603050405020304" pitchFamily="18" charset="0"/>
-                <a:ea typeface="Times New Roman" panose="02020603050405020304" pitchFamily="18" charset="0"/>
-              </a:rPr>
-              <a:t>ASP.NET Core 2.2 and later</a:t>
-            </a:r>
-            <a:endParaRPr lang="en-US" sz="2400" dirty="0">
-              <a:latin typeface="Times New Roman" panose="02020603050405020304" pitchFamily="18" charset="0"/>
-              <a:ea typeface="Times New Roman" panose="02020603050405020304" pitchFamily="18" charset="0"/>
-            </a:endParaRPr>
-          </a:p>
-          <a:p>
-            <a:pPr indent="4445">
-              <a:spcBef>
-                <a:spcPts val="600"/>
-              </a:spcBef>
-              <a:spcAft>
-                <a:spcPts val="600"/>
-              </a:spcAft>
-              <a:tabLst>
-                <a:tab pos="800100" algn="l"/>
-                <a:tab pos="2514600" algn="l"/>
-                <a:tab pos="800100" algn="l"/>
-                <a:tab pos="3314700" algn="l"/>
-              </a:tabLst>
-            </a:pPr>
-            <a:r>
-              <a:rPr lang="en-US" sz="1800" b="1" dirty="0" err="1">
-                <a:latin typeface="Courier New" panose="02070309020205020404" pitchFamily="49" charset="0"/>
-                <a:ea typeface="Times New Roman" panose="02020603050405020304" pitchFamily="18" charset="0"/>
-              </a:rPr>
-              <a:t>AddMvc</a:t>
-            </a:r>
-            <a:r>
-              <a:rPr lang="en-US" sz="1800" b="1" dirty="0">
-                <a:latin typeface="Courier New" panose="02070309020205020404" pitchFamily="49" charset="0"/>
-                <a:ea typeface="Times New Roman" panose="02020603050405020304" pitchFamily="18" charset="0"/>
-              </a:rPr>
-              <a:t>()</a:t>
-            </a:r>
-            <a:r>
-              <a:rPr lang="en-US" sz="2400" dirty="0">
-                <a:latin typeface="Times New Roman" panose="02020603050405020304" pitchFamily="18" charset="0"/>
-                <a:ea typeface="Times New Roman" panose="02020603050405020304" pitchFamily="18" charset="0"/>
-              </a:rPr>
-              <a:t>				</a:t>
-            </a:r>
-            <a:r>
-              <a:rPr lang="en-US" dirty="0">
-                <a:latin typeface="Times New Roman" panose="02020603050405020304" pitchFamily="18" charset="0"/>
-                <a:ea typeface="Times New Roman" panose="02020603050405020304" pitchFamily="18" charset="0"/>
-              </a:rPr>
-              <a:t>Versions prior to </a:t>
-            </a:r>
-            <a:r>
-              <a:rPr lang="en-US" dirty="0" err="1">
-                <a:latin typeface="Times New Roman" panose="02020603050405020304" pitchFamily="18" charset="0"/>
-                <a:ea typeface="Times New Roman" panose="02020603050405020304" pitchFamily="18" charset="0"/>
-              </a:rPr>
-              <a:t>ASP.NET.Core</a:t>
-            </a:r>
-            <a:r>
-              <a:rPr lang="en-US" dirty="0">
-                <a:latin typeface="Times New Roman" panose="02020603050405020304" pitchFamily="18" charset="0"/>
-                <a:ea typeface="Times New Roman" panose="02020603050405020304" pitchFamily="18" charset="0"/>
-              </a:rPr>
-              <a:t> 2.2</a:t>
-            </a:r>
-            <a:endParaRPr lang="en-US" sz="2400" dirty="0">
-              <a:latin typeface="Times New Roman" panose="02020603050405020304" pitchFamily="18" charset="0"/>
-              <a:ea typeface="Times New Roman" panose="02020603050405020304" pitchFamily="18" charset="0"/>
-            </a:endParaRPr>
-          </a:p>
-          <a:p>
-            <a:endParaRPr lang="en-US" dirty="0"/>
-          </a:p>
-        </p:txBody>
-      </p:sp>
-      <p:sp>
-        <p:nvSpPr>
           <p:cNvPr id="4" name="Date Placeholder 3">
             <a:extLst>
               <a:ext uri="{FF2B5EF4-FFF2-40B4-BE49-F238E27FC236}">
@@ -12902,10 +11330,9 @@
           </a:lstStyle>
           <a:p>
             <a:r>
-              <a:rPr lang="en-US" kern="0"/>
+              <a:rPr lang="en-US" kern="0" dirty="0"/>
               <a:t>Two methods for enabling and configuring routing</a:t>
             </a:r>
-            <a:endParaRPr lang="en-US" kern="0" dirty="0"/>
           </a:p>
         </p:txBody>
       </p:sp>
@@ -13086,12 +11513,20 @@
               </a:tabLst>
             </a:pPr>
             <a:r>
-              <a:rPr lang="en-US" sz="1600" b="1" kern="0">
-                <a:latin typeface="Courier New" panose="02070309020205020404" pitchFamily="49" charset="0"/>
-                <a:ea typeface="Times New Roman" panose="02020603050405020304" pitchFamily="18" charset="0"/>
-                <a:cs typeface="Times New Roman" panose="02020603050405020304" pitchFamily="18" charset="0"/>
-              </a:rPr>
-              <a:t>UseRouting()</a:t>
+              <a:rPr lang="en-US" sz="1600" b="1" kern="0" dirty="0" err="1">
+                <a:latin typeface="Courier New" panose="02070309020205020404" pitchFamily="49" charset="0"/>
+                <a:ea typeface="Times New Roman" panose="02020603050405020304" pitchFamily="18" charset="0"/>
+                <a:cs typeface="Times New Roman" panose="02020603050405020304" pitchFamily="18" charset="0"/>
+              </a:rPr>
+              <a:t>UseRouting</a:t>
+            </a:r>
+            <a:r>
+              <a:rPr lang="en-US" sz="1600" b="1" kern="0" dirty="0">
+                <a:latin typeface="Courier New" panose="02070309020205020404" pitchFamily="49" charset="0"/>
+                <a:ea typeface="Times New Roman" panose="02020603050405020304" pitchFamily="18" charset="0"/>
+                <a:cs typeface="Times New Roman" panose="02020603050405020304" pitchFamily="18" charset="0"/>
+              </a:rPr>
+              <a:t>()</a:t>
             </a:r>
           </a:p>
           <a:p>
@@ -13107,15 +11542,23 @@
               </a:tabLst>
             </a:pPr>
             <a:r>
-              <a:rPr lang="en-US" sz="1600" b="1" kern="0">
-                <a:latin typeface="Courier New" panose="02070309020205020404" pitchFamily="49" charset="0"/>
-                <a:ea typeface="Times New Roman" panose="02020603050405020304" pitchFamily="18" charset="0"/>
-                <a:cs typeface="Times New Roman" panose="02020603050405020304" pitchFamily="18" charset="0"/>
-              </a:rPr>
-              <a:t>UseEndpoints(</a:t>
-            </a:r>
-            <a:r>
-              <a:rPr lang="en-US" sz="1600" kern="0">
+              <a:rPr lang="en-US" sz="1600" b="1" kern="0" dirty="0" err="1">
+                <a:latin typeface="Courier New" panose="02070309020205020404" pitchFamily="49" charset="0"/>
+                <a:ea typeface="Times New Roman" panose="02020603050405020304" pitchFamily="18" charset="0"/>
+                <a:cs typeface="Times New Roman" panose="02020603050405020304" pitchFamily="18" charset="0"/>
+              </a:rPr>
+              <a:t>UseEndpoints</a:t>
+            </a:r>
+            <a:r>
+              <a:rPr lang="en-US" sz="1600" b="1" kern="0" dirty="0">
+                <a:latin typeface="Courier New" panose="02070309020205020404" pitchFamily="49" charset="0"/>
+                <a:ea typeface="Times New Roman" panose="02020603050405020304" pitchFamily="18" charset="0"/>
+                <a:cs typeface="Times New Roman" panose="02020603050405020304" pitchFamily="18" charset="0"/>
+              </a:rPr>
+              <a:t>(</a:t>
+            </a:r>
+            <a:r>
+              <a:rPr lang="en-US" sz="1600" kern="0" dirty="0">
                 <a:latin typeface="Courier New" panose="02070309020205020404" pitchFamily="49" charset="0"/>
                 <a:ea typeface="Times New Roman" panose="02020603050405020304" pitchFamily="18" charset="0"/>
                 <a:cs typeface="Times New Roman" panose="02020603050405020304" pitchFamily="18" charset="0"/>
@@ -13123,7 +11566,7 @@
               <a:t>endpoints</a:t>
             </a:r>
             <a:r>
-              <a:rPr lang="en-US" sz="1600" b="1" kern="0">
+              <a:rPr lang="en-US" sz="1600" b="1" kern="0" dirty="0">
                 <a:latin typeface="Courier New" panose="02070309020205020404" pitchFamily="49" charset="0"/>
                 <a:ea typeface="Times New Roman" panose="02020603050405020304" pitchFamily="18" charset="0"/>
                 <a:cs typeface="Times New Roman" panose="02020603050405020304" pitchFamily="18" charset="0"/>
@@ -13133,6 +11576,283 @@
           </a:p>
           <a:p>
             <a:endParaRPr lang="en-US" kern="0" dirty="0"/>
+          </a:p>
+        </p:txBody>
+      </p:sp>
+      <p:sp>
+        <p:nvSpPr>
+          <p:cNvPr id="12" name="TextBox 11">
+            <a:extLst>
+              <a:ext uri="{FF2B5EF4-FFF2-40B4-BE49-F238E27FC236}">
+                <a16:creationId xmlns:a16="http://schemas.microsoft.com/office/drawing/2014/main" id="{2A92FBDD-7D46-4937-A5E7-C03F37D4C7A2}"/>
+              </a:ext>
+            </a:extLst>
+          </p:cNvPr>
+          <p:cNvSpPr txBox="1"/>
+          <p:nvPr/>
+        </p:nvSpPr>
+        <p:spPr>
+          <a:xfrm>
+            <a:off x="0" y="1119187"/>
+            <a:ext cx="9144000" cy="1569660"/>
+          </a:xfrm>
+          <a:prstGeom prst="rect">
+            <a:avLst/>
+          </a:prstGeom>
+          <a:solidFill>
+            <a:schemeClr val="accent3"/>
+          </a:solidFill>
+          <a:ln>
+            <a:solidFill>
+              <a:schemeClr val="accent1"/>
+            </a:solidFill>
+          </a:ln>
+        </p:spPr>
+        <p:txBody>
+          <a:bodyPr wrap="square">
+            <a:spAutoFit/>
+          </a:bodyPr>
+          <a:lstStyle/>
+          <a:p>
+            <a:r>
+              <a:rPr lang="en-US" sz="1600" dirty="0">
+                <a:solidFill>
+                  <a:srgbClr val="000000"/>
+                </a:solidFill>
+                <a:latin typeface="Consolas" panose="020B0609020204030204" pitchFamily="49" charset="0"/>
+              </a:rPr>
+              <a:t> </a:t>
+            </a:r>
+            <a:r>
+              <a:rPr lang="en-US" sz="1600" dirty="0">
+                <a:solidFill>
+                  <a:srgbClr val="0000FF"/>
+                </a:solidFill>
+                <a:latin typeface="Consolas" panose="020B0609020204030204" pitchFamily="49" charset="0"/>
+              </a:rPr>
+              <a:t>public</a:t>
+            </a:r>
+            <a:r>
+              <a:rPr lang="en-US" sz="1600" dirty="0">
+                <a:solidFill>
+                  <a:srgbClr val="000000"/>
+                </a:solidFill>
+                <a:latin typeface="Consolas" panose="020B0609020204030204" pitchFamily="49" charset="0"/>
+              </a:rPr>
+              <a:t> </a:t>
+            </a:r>
+            <a:r>
+              <a:rPr lang="en-US" sz="1600" dirty="0">
+                <a:solidFill>
+                  <a:srgbClr val="0000FF"/>
+                </a:solidFill>
+                <a:latin typeface="Consolas" panose="020B0609020204030204" pitchFamily="49" charset="0"/>
+              </a:rPr>
+              <a:t>void</a:t>
+            </a:r>
+            <a:r>
+              <a:rPr lang="en-US" sz="1600" dirty="0">
+                <a:solidFill>
+                  <a:srgbClr val="000000"/>
+                </a:solidFill>
+                <a:latin typeface="Consolas" panose="020B0609020204030204" pitchFamily="49" charset="0"/>
+              </a:rPr>
+              <a:t> </a:t>
+            </a:r>
+            <a:r>
+              <a:rPr lang="en-US" sz="1600" dirty="0" err="1">
+                <a:solidFill>
+                  <a:srgbClr val="000000"/>
+                </a:solidFill>
+                <a:latin typeface="Consolas" panose="020B0609020204030204" pitchFamily="49" charset="0"/>
+              </a:rPr>
+              <a:t>ConfigureServices</a:t>
+            </a:r>
+            <a:r>
+              <a:rPr lang="en-US" sz="1600" dirty="0">
+                <a:solidFill>
+                  <a:srgbClr val="9ACD32"/>
+                </a:solidFill>
+                <a:latin typeface="Consolas" panose="020B0609020204030204" pitchFamily="49" charset="0"/>
+              </a:rPr>
+              <a:t>(</a:t>
+            </a:r>
+            <a:r>
+              <a:rPr lang="en-US" sz="1600" dirty="0" err="1">
+                <a:solidFill>
+                  <a:srgbClr val="000000"/>
+                </a:solidFill>
+                <a:latin typeface="Consolas" panose="020B0609020204030204" pitchFamily="49" charset="0"/>
+              </a:rPr>
+              <a:t>IServiceCollection</a:t>
+            </a:r>
+            <a:r>
+              <a:rPr lang="en-US" sz="1600" dirty="0">
+                <a:solidFill>
+                  <a:srgbClr val="000000"/>
+                </a:solidFill>
+                <a:latin typeface="Consolas" panose="020B0609020204030204" pitchFamily="49" charset="0"/>
+              </a:rPr>
+              <a:t> services</a:t>
+            </a:r>
+            <a:r>
+              <a:rPr lang="en-US" sz="1600" dirty="0">
+                <a:solidFill>
+                  <a:srgbClr val="9ACD32"/>
+                </a:solidFill>
+                <a:latin typeface="Consolas" panose="020B0609020204030204" pitchFamily="49" charset="0"/>
+              </a:rPr>
+              <a:t>)</a:t>
+            </a:r>
+            <a:endParaRPr lang="en-US" sz="1600" dirty="0">
+              <a:solidFill>
+                <a:srgbClr val="000000"/>
+              </a:solidFill>
+              <a:latin typeface="Consolas" panose="020B0609020204030204" pitchFamily="49" charset="0"/>
+            </a:endParaRPr>
+          </a:p>
+          <a:p>
+            <a:r>
+              <a:rPr lang="en-US" sz="1600" dirty="0">
+                <a:solidFill>
+                  <a:srgbClr val="9ACD32"/>
+                </a:solidFill>
+                <a:latin typeface="Consolas" panose="020B0609020204030204" pitchFamily="49" charset="0"/>
+              </a:rPr>
+              <a:t>{</a:t>
+            </a:r>
+            <a:endParaRPr lang="en-US" sz="1600" dirty="0">
+              <a:solidFill>
+                <a:srgbClr val="000000"/>
+              </a:solidFill>
+              <a:latin typeface="Consolas" panose="020B0609020204030204" pitchFamily="49" charset="0"/>
+            </a:endParaRPr>
+          </a:p>
+          <a:p>
+            <a:r>
+              <a:rPr lang="en-US" sz="1600" dirty="0">
+                <a:solidFill>
+                  <a:srgbClr val="000000"/>
+                </a:solidFill>
+                <a:latin typeface="Consolas" panose="020B0609020204030204" pitchFamily="49" charset="0"/>
+              </a:rPr>
+              <a:t>    </a:t>
+            </a:r>
+            <a:r>
+              <a:rPr lang="en-US" sz="1600" dirty="0" err="1">
+                <a:solidFill>
+                  <a:srgbClr val="000000"/>
+                </a:solidFill>
+                <a:latin typeface="Consolas" panose="020B0609020204030204" pitchFamily="49" charset="0"/>
+              </a:rPr>
+              <a:t>services.AddControllersWithViews</a:t>
+            </a:r>
+            <a:r>
+              <a:rPr lang="en-US" sz="1600" dirty="0">
+                <a:solidFill>
+                  <a:srgbClr val="9400D3"/>
+                </a:solidFill>
+                <a:latin typeface="Consolas" panose="020B0609020204030204" pitchFamily="49" charset="0"/>
+              </a:rPr>
+              <a:t>()</a:t>
+            </a:r>
+            <a:r>
+              <a:rPr lang="en-US" sz="1600" dirty="0">
+                <a:solidFill>
+                  <a:srgbClr val="000000"/>
+                </a:solidFill>
+                <a:latin typeface="Consolas" panose="020B0609020204030204" pitchFamily="49" charset="0"/>
+              </a:rPr>
+              <a:t>;  </a:t>
+            </a:r>
+            <a:r>
+              <a:rPr lang="en-US" sz="1600" dirty="0">
+                <a:solidFill>
+                  <a:srgbClr val="008000"/>
+                </a:solidFill>
+                <a:latin typeface="Consolas" panose="020B0609020204030204" pitchFamily="49" charset="0"/>
+              </a:rPr>
+              <a:t>// ASP.NET Core 2.2 and later</a:t>
+            </a:r>
+            <a:endParaRPr lang="en-US" sz="1600" dirty="0">
+              <a:solidFill>
+                <a:srgbClr val="000000"/>
+              </a:solidFill>
+              <a:latin typeface="Consolas" panose="020B0609020204030204" pitchFamily="49" charset="0"/>
+            </a:endParaRPr>
+          </a:p>
+          <a:p>
+            <a:r>
+              <a:rPr lang="en-US" sz="1600" dirty="0">
+                <a:solidFill>
+                  <a:srgbClr val="000000"/>
+                </a:solidFill>
+                <a:latin typeface="Consolas" panose="020B0609020204030204" pitchFamily="49" charset="0"/>
+              </a:rPr>
+              <a:t>    </a:t>
+            </a:r>
+            <a:r>
+              <a:rPr lang="en-US" sz="1600" dirty="0" err="1">
+                <a:solidFill>
+                  <a:srgbClr val="000000"/>
+                </a:solidFill>
+                <a:latin typeface="Consolas" panose="020B0609020204030204" pitchFamily="49" charset="0"/>
+              </a:rPr>
+              <a:t>services.AddMvc</a:t>
+            </a:r>
+            <a:r>
+              <a:rPr lang="en-US" sz="1600" dirty="0">
+                <a:solidFill>
+                  <a:srgbClr val="9400D3"/>
+                </a:solidFill>
+                <a:latin typeface="Consolas" panose="020B0609020204030204" pitchFamily="49" charset="0"/>
+              </a:rPr>
+              <a:t>()</a:t>
+            </a:r>
+            <a:r>
+              <a:rPr lang="en-US" sz="1600" dirty="0">
+                <a:solidFill>
+                  <a:srgbClr val="000000"/>
+                </a:solidFill>
+                <a:latin typeface="Consolas" panose="020B0609020204030204" pitchFamily="49" charset="0"/>
+              </a:rPr>
+              <a:t>;  </a:t>
+            </a:r>
+            <a:r>
+              <a:rPr lang="en-US" sz="1600" dirty="0">
+                <a:solidFill>
+                  <a:srgbClr val="008000"/>
+                </a:solidFill>
+                <a:latin typeface="Consolas" panose="020B0609020204030204" pitchFamily="49" charset="0"/>
+              </a:rPr>
+              <a:t>// Versions prior to 2.2(includes unnecessary services)</a:t>
+            </a:r>
+            <a:endParaRPr lang="en-US" sz="1600" dirty="0">
+              <a:solidFill>
+                <a:srgbClr val="000000"/>
+              </a:solidFill>
+              <a:latin typeface="Consolas" panose="020B0609020204030204" pitchFamily="49" charset="0"/>
+            </a:endParaRPr>
+          </a:p>
+          <a:p>
+            <a:endParaRPr lang="en-US" sz="1600" dirty="0">
+              <a:solidFill>
+                <a:srgbClr val="000000"/>
+              </a:solidFill>
+              <a:latin typeface="Consolas" panose="020B0609020204030204" pitchFamily="49" charset="0"/>
+            </a:endParaRPr>
+          </a:p>
+          <a:p>
+            <a:r>
+              <a:rPr lang="en-US" sz="1600" dirty="0">
+                <a:solidFill>
+                  <a:srgbClr val="9ACD32"/>
+                </a:solidFill>
+                <a:latin typeface="Consolas" panose="020B0609020204030204" pitchFamily="49" charset="0"/>
+              </a:rPr>
+              <a:t>}</a:t>
+            </a:r>
+            <a:endParaRPr lang="en-US" sz="1600" dirty="0"/>
           </a:p>
         </p:txBody>
       </p:sp>
@@ -14317,245 +13037,6 @@
           <p:cNvPr id="2" name="Title 1">
             <a:extLst>
               <a:ext uri="{FF2B5EF4-FFF2-40B4-BE49-F238E27FC236}">
-                <a16:creationId xmlns:a16="http://schemas.microsoft.com/office/drawing/2014/main" id="{A98F57C5-D42E-4A31-BB53-8BBB88AED5AC}"/>
-              </a:ext>
-            </a:extLst>
-          </p:cNvPr>
-          <p:cNvSpPr>
-            <a:spLocks noGrp="1"/>
-          </p:cNvSpPr>
-          <p:nvPr>
-            <p:ph type="title"/>
-          </p:nvPr>
-        </p:nvSpPr>
-        <p:spPr>
-          <a:xfrm>
-            <a:off x="914400" y="625989"/>
-            <a:ext cx="7315200" cy="738664"/>
-          </a:xfrm>
-        </p:spPr>
-        <p:txBody>
-          <a:bodyPr/>
-          <a:lstStyle/>
-          <a:p>
-            <a:r>
-              <a:rPr lang="en-US" dirty="0"/>
-              <a:t>Another way to map a controller </a:t>
-            </a:r>
-            <a:br>
-              <a:rPr lang="en-US" dirty="0"/>
-            </a:br>
-            <a:r>
-              <a:rPr lang="en-US" dirty="0"/>
-              <a:t>to the default route</a:t>
-            </a:r>
-          </a:p>
-        </p:txBody>
-      </p:sp>
-      <p:sp>
-        <p:nvSpPr>
-          <p:cNvPr id="3" name="Text Placeholder 2">
-            <a:extLst>
-              <a:ext uri="{FF2B5EF4-FFF2-40B4-BE49-F238E27FC236}">
-                <a16:creationId xmlns:a16="http://schemas.microsoft.com/office/drawing/2014/main" id="{FF505C96-5627-43C0-A8ED-17CAFCC164EC}"/>
-              </a:ext>
-            </a:extLst>
-          </p:cNvPr>
-          <p:cNvSpPr>
-            <a:spLocks noGrp="1"/>
-          </p:cNvSpPr>
-          <p:nvPr>
-            <p:ph type="body" sz="quarter" idx="13"/>
-          </p:nvPr>
-        </p:nvSpPr>
-        <p:spPr/>
-        <p:txBody>
-          <a:bodyPr/>
-          <a:lstStyle/>
-          <a:p>
-            <a:pPr marL="347345" marR="0">
-              <a:spcBef>
-                <a:spcPts val="0"/>
-              </a:spcBef>
-              <a:spcAft>
-                <a:spcPts val="0"/>
-              </a:spcAft>
-              <a:tabLst>
-                <a:tab pos="1371600" algn="l"/>
-              </a:tabLst>
-            </a:pPr>
-            <a:r>
-              <a:rPr lang="en-US" sz="1600" b="1" dirty="0">
-                <a:latin typeface="Courier New" panose="02070309020205020404" pitchFamily="49" charset="0"/>
-                <a:ea typeface="Times New Roman" panose="02020603050405020304" pitchFamily="18" charset="0"/>
-                <a:cs typeface="Times New Roman" panose="02020603050405020304" pitchFamily="18" charset="0"/>
-              </a:rPr>
-              <a:t>endpoints.MapDefaultControllerRoute();</a:t>
-            </a:r>
-          </a:p>
-          <a:p>
-            <a:endParaRPr lang="en-US" sz="1600" dirty="0"/>
-          </a:p>
-        </p:txBody>
-      </p:sp>
-      <p:sp>
-        <p:nvSpPr>
-          <p:cNvPr id="4" name="Date Placeholder 3">
-            <a:extLst>
-              <a:ext uri="{FF2B5EF4-FFF2-40B4-BE49-F238E27FC236}">
-                <a16:creationId xmlns:a16="http://schemas.microsoft.com/office/drawing/2014/main" id="{06A89A42-5383-4A9E-9985-1DBB34BFE7B9}"/>
-              </a:ext>
-            </a:extLst>
-          </p:cNvPr>
-          <p:cNvSpPr>
-            <a:spLocks noGrp="1"/>
-          </p:cNvSpPr>
-          <p:nvPr>
-            <p:ph type="dt" sz="half" idx="10"/>
-          </p:nvPr>
-        </p:nvSpPr>
-        <p:spPr/>
-        <p:txBody>
-          <a:bodyPr/>
-          <a:lstStyle/>
-          <a:p>
-            <a:pPr>
-              <a:defRPr/>
-            </a:pPr>
-            <a:r>
-              <a:rPr lang="en-US"/>
-              <a:t>Murach's ASP.NET Core MVC</a:t>
-            </a:r>
-            <a:endParaRPr lang="en-US" dirty="0"/>
-          </a:p>
-        </p:txBody>
-      </p:sp>
-      <p:sp>
-        <p:nvSpPr>
-          <p:cNvPr id="5" name="Footer Placeholder 4">
-            <a:extLst>
-              <a:ext uri="{FF2B5EF4-FFF2-40B4-BE49-F238E27FC236}">
-                <a16:creationId xmlns:a16="http://schemas.microsoft.com/office/drawing/2014/main" id="{AA2A431A-6293-4C26-A1CE-6E4D599ADE52}"/>
-              </a:ext>
-            </a:extLst>
-          </p:cNvPr>
-          <p:cNvSpPr>
-            <a:spLocks noGrp="1"/>
-          </p:cNvSpPr>
-          <p:nvPr>
-            <p:ph type="ftr" sz="quarter" idx="11"/>
-          </p:nvPr>
-        </p:nvSpPr>
-        <p:spPr/>
-        <p:txBody>
-          <a:bodyPr/>
-          <a:lstStyle/>
-          <a:p>
-            <a:pPr>
-              <a:defRPr/>
-            </a:pPr>
-            <a:r>
-              <a:rPr lang="en-US"/>
-              <a:t>© 2020, Mike Murach &amp; Associates, Inc.</a:t>
-            </a:r>
-            <a:endParaRPr lang="en-US" dirty="0"/>
-          </a:p>
-        </p:txBody>
-      </p:sp>
-      <p:sp>
-        <p:nvSpPr>
-          <p:cNvPr id="6" name="Slide Number Placeholder 5">
-            <a:extLst>
-              <a:ext uri="{FF2B5EF4-FFF2-40B4-BE49-F238E27FC236}">
-                <a16:creationId xmlns:a16="http://schemas.microsoft.com/office/drawing/2014/main" id="{3038AE33-6C28-47BD-826E-596CD87201B6}"/>
-              </a:ext>
-            </a:extLst>
-          </p:cNvPr>
-          <p:cNvSpPr>
-            <a:spLocks noGrp="1"/>
-          </p:cNvSpPr>
-          <p:nvPr>
-            <p:ph type="sldNum" sz="quarter" idx="12"/>
-          </p:nvPr>
-        </p:nvSpPr>
-        <p:spPr/>
-        <p:txBody>
-          <a:bodyPr/>
-          <a:lstStyle/>
-          <a:p>
-            <a:pPr algn="l">
-              <a:defRPr/>
-            </a:pPr>
-            <a:endParaRPr lang="en-US" sz="1400">
-              <a:latin typeface="Times New Roman"/>
-            </a:endParaRPr>
-          </a:p>
-          <a:p>
-            <a:pPr>
-              <a:defRPr/>
-            </a:pPr>
-            <a:r>
-              <a:rPr lang="en-US">
-                <a:solidFill>
-                  <a:schemeClr val="bg1"/>
-                </a:solidFill>
-              </a:rPr>
-              <a:t>C6, Slide </a:t>
-            </a:r>
-            <a:fld id="{BF5C1183-B085-4070-A402-C03A3F977D3D}" type="slidenum">
-              <a:rPr lang="en-US" smtClean="0">
-                <a:solidFill>
-                  <a:schemeClr val="bg1"/>
-                </a:solidFill>
-              </a:rPr>
-              <a:pPr>
-                <a:defRPr/>
-              </a:pPr>
-              <a:t>5</a:t>
-            </a:fld>
-            <a:endParaRPr lang="en-US" dirty="0">
-              <a:solidFill>
-                <a:schemeClr val="bg1"/>
-              </a:solidFill>
-            </a:endParaRPr>
-          </a:p>
-        </p:txBody>
-      </p:sp>
-    </p:spTree>
-    <p:extLst>
-      <p:ext uri="{BB962C8B-B14F-4D97-AF65-F5344CB8AC3E}">
-        <p14:creationId xmlns:p14="http://schemas.microsoft.com/office/powerpoint/2010/main" val="209730513"/>
-      </p:ext>
-    </p:extLst>
-  </p:cSld>
-  <p:clrMapOvr>
-    <a:masterClrMapping/>
-  </p:clrMapOvr>
-</p:sld>
-</file>
-
-<file path=ppt/slides/slide6.xml><?xml version="1.0" encoding="utf-8"?>
-<p:sld xmlns:a="http://schemas.openxmlformats.org/drawingml/2006/main" xmlns:r="http://schemas.openxmlformats.org/officeDocument/2006/relationships" xmlns:p="http://schemas.openxmlformats.org/presentationml/2006/main">
-  <p:cSld>
-    <p:spTree>
-      <p:nvGrpSpPr>
-        <p:cNvPr id="1" name=""/>
-        <p:cNvGrpSpPr/>
-        <p:nvPr/>
-      </p:nvGrpSpPr>
-      <p:grpSpPr>
-        <a:xfrm>
-          <a:off x="0" y="0"/>
-          <a:ext cx="0" cy="0"/>
-          <a:chOff x="0" y="0"/>
-          <a:chExt cx="0" cy="0"/>
-        </a:xfrm>
-      </p:grpSpPr>
-      <p:sp>
-        <p:nvSpPr>
-          <p:cNvPr id="2" name="Title 1">
-            <a:extLst>
-              <a:ext uri="{FF2B5EF4-FFF2-40B4-BE49-F238E27FC236}">
                 <a16:creationId xmlns:a16="http://schemas.microsoft.com/office/drawing/2014/main" id="{099C83C6-F762-4CB2-B7D2-94B938D73281}"/>
               </a:ext>
             </a:extLst>
@@ -14976,7 +13457,7 @@
 </p:sld>
 </file>
 
-<file path=ppt/slides/slide7.xml><?xml version="1.0" encoding="utf-8"?>
+<file path=ppt/slides/slide6.xml><?xml version="1.0" encoding="utf-8"?>
 <p:sld xmlns:a="http://schemas.openxmlformats.org/drawingml/2006/main" xmlns:r="http://schemas.openxmlformats.org/officeDocument/2006/relationships" xmlns:p="http://schemas.openxmlformats.org/presentationml/2006/main">
   <p:cSld>
     <p:spTree>
@@ -15530,6 +14011,659 @@
               <a:pPr>
                 <a:defRPr/>
               </a:pPr>
+              <a:t>6</a:t>
+            </a:fld>
+            <a:endParaRPr lang="en-US" dirty="0">
+              <a:solidFill>
+                <a:schemeClr val="bg1"/>
+              </a:solidFill>
+            </a:endParaRPr>
+          </a:p>
+        </p:txBody>
+      </p:sp>
+    </p:spTree>
+    <p:extLst>
+      <p:ext uri="{BB962C8B-B14F-4D97-AF65-F5344CB8AC3E}">
+        <p14:creationId xmlns:p14="http://schemas.microsoft.com/office/powerpoint/2010/main" val="745298376"/>
+      </p:ext>
+    </p:extLst>
+  </p:cSld>
+  <p:clrMapOvr>
+    <a:masterClrMapping/>
+  </p:clrMapOvr>
+</p:sld>
+</file>
+
+<file path=ppt/slides/slide7.xml><?xml version="1.0" encoding="utf-8"?>
+<p:sld xmlns:a="http://schemas.openxmlformats.org/drawingml/2006/main" xmlns:r="http://schemas.openxmlformats.org/officeDocument/2006/relationships" xmlns:p="http://schemas.openxmlformats.org/presentationml/2006/main">
+  <p:cSld>
+    <p:spTree>
+      <p:nvGrpSpPr>
+        <p:cNvPr id="1" name=""/>
+        <p:cNvGrpSpPr/>
+        <p:nvPr/>
+      </p:nvGrpSpPr>
+      <p:grpSpPr>
+        <a:xfrm>
+          <a:off x="0" y="0"/>
+          <a:ext cx="0" cy="0"/>
+          <a:chOff x="0" y="0"/>
+          <a:chExt cx="0" cy="0"/>
+        </a:xfrm>
+      </p:grpSpPr>
+      <p:sp>
+        <p:nvSpPr>
+          <p:cNvPr id="2" name="Title 1">
+            <a:extLst>
+              <a:ext uri="{FF2B5EF4-FFF2-40B4-BE49-F238E27FC236}">
+                <a16:creationId xmlns:a16="http://schemas.microsoft.com/office/drawing/2014/main" id="{D35DA4DA-B580-430D-B649-6950D8CFBCA5}"/>
+              </a:ext>
+            </a:extLst>
+          </p:cNvPr>
+          <p:cNvSpPr>
+            <a:spLocks noGrp="1"/>
+          </p:cNvSpPr>
+          <p:nvPr>
+            <p:ph type="title"/>
+          </p:nvPr>
+        </p:nvSpPr>
+        <p:spPr>
+          <a:xfrm>
+            <a:off x="914400" y="624989"/>
+            <a:ext cx="7315200" cy="369332"/>
+          </a:xfrm>
+        </p:spPr>
+        <p:txBody>
+          <a:bodyPr/>
+          <a:lstStyle/>
+          <a:p>
+            <a:r>
+              <a:rPr lang="en-US" dirty="0"/>
+              <a:t>Three routing patterns mapped to controllers</a:t>
+            </a:r>
+          </a:p>
+        </p:txBody>
+      </p:sp>
+      <p:sp>
+        <p:nvSpPr>
+          <p:cNvPr id="3" name="Text Placeholder 2">
+            <a:extLst>
+              <a:ext uri="{FF2B5EF4-FFF2-40B4-BE49-F238E27FC236}">
+                <a16:creationId xmlns:a16="http://schemas.microsoft.com/office/drawing/2014/main" id="{D3ABA0F2-5536-4700-B1FC-E1C61AD03202}"/>
+              </a:ext>
+            </a:extLst>
+          </p:cNvPr>
+          <p:cNvSpPr>
+            <a:spLocks noGrp="1"/>
+          </p:cNvSpPr>
+          <p:nvPr>
+            <p:ph type="body" sz="quarter" idx="13"/>
+          </p:nvPr>
+        </p:nvSpPr>
+        <p:spPr>
+          <a:xfrm>
+            <a:off x="0" y="1066800"/>
+            <a:ext cx="9144000" cy="4876800"/>
+          </a:xfrm>
+        </p:spPr>
+        <p:txBody>
+          <a:bodyPr/>
+          <a:lstStyle/>
+          <a:p>
+            <a:pPr marL="347345" marR="0">
+              <a:spcBef>
+                <a:spcPts val="0"/>
+              </a:spcBef>
+              <a:spcAft>
+                <a:spcPts val="0"/>
+              </a:spcAft>
+              <a:tabLst>
+                <a:tab pos="1371600" algn="l"/>
+              </a:tabLst>
+            </a:pPr>
+            <a:r>
+              <a:rPr lang="en-US" sz="1600" b="1" dirty="0">
+                <a:latin typeface="Courier New" panose="02070309020205020404" pitchFamily="49" charset="0"/>
+                <a:ea typeface="Times New Roman" panose="02020603050405020304" pitchFamily="18" charset="0"/>
+                <a:cs typeface="Times New Roman" panose="02020603050405020304" pitchFamily="18" charset="0"/>
+              </a:rPr>
+              <a:t>app.UseEndpoints(endpoints =&gt;</a:t>
+            </a:r>
+          </a:p>
+          <a:p>
+            <a:pPr marL="347345" marR="0">
+              <a:spcBef>
+                <a:spcPts val="0"/>
+              </a:spcBef>
+              <a:spcAft>
+                <a:spcPts val="0"/>
+              </a:spcAft>
+              <a:tabLst>
+                <a:tab pos="1371600" algn="l"/>
+              </a:tabLst>
+            </a:pPr>
+            <a:r>
+              <a:rPr lang="en-US" sz="1600" b="1" dirty="0">
+                <a:latin typeface="Courier New" panose="02070309020205020404" pitchFamily="49" charset="0"/>
+                <a:ea typeface="Times New Roman" panose="02020603050405020304" pitchFamily="18" charset="0"/>
+                <a:cs typeface="Times New Roman" panose="02020603050405020304" pitchFamily="18" charset="0"/>
+              </a:rPr>
+              <a:t>{</a:t>
+            </a:r>
+          </a:p>
+          <a:p>
+            <a:pPr marL="347345" marR="0">
+              <a:spcBef>
+                <a:spcPts val="0"/>
+              </a:spcBef>
+              <a:spcAft>
+                <a:spcPts val="0"/>
+              </a:spcAft>
+              <a:tabLst>
+                <a:tab pos="1371600" algn="l"/>
+              </a:tabLst>
+            </a:pPr>
+            <a:r>
+              <a:rPr lang="en-US" sz="1600" b="1" dirty="0">
+                <a:latin typeface="Courier New" panose="02070309020205020404" pitchFamily="49" charset="0"/>
+                <a:ea typeface="Times New Roman" panose="02020603050405020304" pitchFamily="18" charset="0"/>
+                <a:cs typeface="Times New Roman" panose="02020603050405020304" pitchFamily="18" charset="0"/>
+              </a:rPr>
+              <a:t>    // most specific route – 5 required segments</a:t>
+            </a:r>
+          </a:p>
+          <a:p>
+            <a:pPr marL="347345" marR="0">
+              <a:spcBef>
+                <a:spcPts val="0"/>
+              </a:spcBef>
+              <a:spcAft>
+                <a:spcPts val="0"/>
+              </a:spcAft>
+              <a:tabLst>
+                <a:tab pos="1371600" algn="l"/>
+              </a:tabLst>
+            </a:pPr>
+            <a:r>
+              <a:rPr lang="en-US" sz="1600" b="1" dirty="0">
+                <a:latin typeface="Courier New" panose="02070309020205020404" pitchFamily="49" charset="0"/>
+                <a:ea typeface="Times New Roman" panose="02020603050405020304" pitchFamily="18" charset="0"/>
+                <a:cs typeface="Times New Roman" panose="02020603050405020304" pitchFamily="18" charset="0"/>
+              </a:rPr>
+              <a:t>    </a:t>
+            </a:r>
+            <a:r>
+              <a:rPr lang="en-US" sz="1600" b="1" dirty="0" err="1">
+                <a:latin typeface="Courier New" panose="02070309020205020404" pitchFamily="49" charset="0"/>
+                <a:ea typeface="Times New Roman" panose="02020603050405020304" pitchFamily="18" charset="0"/>
+                <a:cs typeface="Times New Roman" panose="02020603050405020304" pitchFamily="18" charset="0"/>
+              </a:rPr>
+              <a:t>endpoints.MapControllerRoute</a:t>
+            </a:r>
+            <a:r>
+              <a:rPr lang="en-US" sz="1600" b="1" dirty="0">
+                <a:latin typeface="Courier New" panose="02070309020205020404" pitchFamily="49" charset="0"/>
+                <a:ea typeface="Times New Roman" panose="02020603050405020304" pitchFamily="18" charset="0"/>
+                <a:cs typeface="Times New Roman" panose="02020603050405020304" pitchFamily="18" charset="0"/>
+              </a:rPr>
+              <a:t>(</a:t>
+            </a:r>
+          </a:p>
+          <a:p>
+            <a:pPr marL="347345" marR="0">
+              <a:spcBef>
+                <a:spcPts val="0"/>
+              </a:spcBef>
+              <a:spcAft>
+                <a:spcPts val="0"/>
+              </a:spcAft>
+              <a:tabLst>
+                <a:tab pos="1371600" algn="l"/>
+              </a:tabLst>
+            </a:pPr>
+            <a:r>
+              <a:rPr lang="en-US" sz="1600" b="1" dirty="0">
+                <a:latin typeface="Courier New" panose="02070309020205020404" pitchFamily="49" charset="0"/>
+                <a:ea typeface="Times New Roman" panose="02020603050405020304" pitchFamily="18" charset="0"/>
+                <a:cs typeface="Times New Roman" panose="02020603050405020304" pitchFamily="18" charset="0"/>
+              </a:rPr>
+              <a:t>        name: "</a:t>
+            </a:r>
+            <a:r>
+              <a:rPr lang="en-US" sz="1600" b="1" dirty="0" err="1">
+                <a:latin typeface="Courier New" panose="02070309020205020404" pitchFamily="49" charset="0"/>
+                <a:ea typeface="Times New Roman" panose="02020603050405020304" pitchFamily="18" charset="0"/>
+                <a:cs typeface="Times New Roman" panose="02020603050405020304" pitchFamily="18" charset="0"/>
+              </a:rPr>
+              <a:t>paging_and_sorting</a:t>
+            </a:r>
+            <a:r>
+              <a:rPr lang="en-US" sz="1600" b="1" dirty="0">
+                <a:latin typeface="Courier New" panose="02070309020205020404" pitchFamily="49" charset="0"/>
+                <a:ea typeface="Times New Roman" panose="02020603050405020304" pitchFamily="18" charset="0"/>
+                <a:cs typeface="Times New Roman" panose="02020603050405020304" pitchFamily="18" charset="0"/>
+              </a:rPr>
+              <a:t>",</a:t>
+            </a:r>
+          </a:p>
+          <a:p>
+            <a:pPr marL="347345" marR="0">
+              <a:spcBef>
+                <a:spcPts val="0"/>
+              </a:spcBef>
+              <a:spcAft>
+                <a:spcPts val="0"/>
+              </a:spcAft>
+              <a:tabLst>
+                <a:tab pos="1371600" algn="l"/>
+              </a:tabLst>
+            </a:pPr>
+            <a:r>
+              <a:rPr lang="en-US" sz="1600" b="1" dirty="0">
+                <a:latin typeface="Courier New" panose="02070309020205020404" pitchFamily="49" charset="0"/>
+                <a:ea typeface="Times New Roman" panose="02020603050405020304" pitchFamily="18" charset="0"/>
+                <a:cs typeface="Times New Roman" panose="02020603050405020304" pitchFamily="18" charset="0"/>
+              </a:rPr>
+              <a:t>        pattern: "{controller}/{action}/{id}/page{page}/sort-by-{</a:t>
+            </a:r>
+            <a:r>
+              <a:rPr lang="en-US" sz="1600" b="1" dirty="0" err="1">
+                <a:latin typeface="Courier New" panose="02070309020205020404" pitchFamily="49" charset="0"/>
+                <a:ea typeface="Times New Roman" panose="02020603050405020304" pitchFamily="18" charset="0"/>
+                <a:cs typeface="Times New Roman" panose="02020603050405020304" pitchFamily="18" charset="0"/>
+              </a:rPr>
+              <a:t>sortby</a:t>
+            </a:r>
+            <a:r>
+              <a:rPr lang="en-US" sz="1600" b="1" dirty="0">
+                <a:latin typeface="Courier New" panose="02070309020205020404" pitchFamily="49" charset="0"/>
+                <a:ea typeface="Times New Roman" panose="02020603050405020304" pitchFamily="18" charset="0"/>
+                <a:cs typeface="Times New Roman" panose="02020603050405020304" pitchFamily="18" charset="0"/>
+              </a:rPr>
+              <a:t>}");</a:t>
+            </a:r>
+          </a:p>
+          <a:p>
+            <a:pPr marL="347345" marR="0">
+              <a:spcBef>
+                <a:spcPts val="0"/>
+              </a:spcBef>
+              <a:spcAft>
+                <a:spcPts val="0"/>
+              </a:spcAft>
+              <a:tabLst>
+                <a:tab pos="1371600" algn="l"/>
+              </a:tabLst>
+            </a:pPr>
+            <a:r>
+              <a:rPr lang="en-US" sz="1600" b="1" dirty="0">
+                <a:latin typeface="Courier New" panose="02070309020205020404" pitchFamily="49" charset="0"/>
+                <a:ea typeface="Times New Roman" panose="02020603050405020304" pitchFamily="18" charset="0"/>
+                <a:cs typeface="Times New Roman" panose="02020603050405020304" pitchFamily="18" charset="0"/>
+              </a:rPr>
+              <a:t> </a:t>
+            </a:r>
+          </a:p>
+          <a:p>
+            <a:pPr marL="347345" marR="0">
+              <a:spcBef>
+                <a:spcPts val="0"/>
+              </a:spcBef>
+              <a:spcAft>
+                <a:spcPts val="0"/>
+              </a:spcAft>
+              <a:tabLst>
+                <a:tab pos="1371600" algn="l"/>
+              </a:tabLst>
+            </a:pPr>
+            <a:r>
+              <a:rPr lang="en-US" sz="1600" b="1" dirty="0">
+                <a:latin typeface="Courier New" panose="02070309020205020404" pitchFamily="49" charset="0"/>
+                <a:ea typeface="Times New Roman" panose="02020603050405020304" pitchFamily="18" charset="0"/>
+                <a:cs typeface="Times New Roman" panose="02020603050405020304" pitchFamily="18" charset="0"/>
+              </a:rPr>
+              <a:t>    // specific route – 4 required segments</a:t>
+            </a:r>
+          </a:p>
+          <a:p>
+            <a:pPr marL="347345" marR="0">
+              <a:spcBef>
+                <a:spcPts val="0"/>
+              </a:spcBef>
+              <a:spcAft>
+                <a:spcPts val="0"/>
+              </a:spcAft>
+              <a:tabLst>
+                <a:tab pos="1371600" algn="l"/>
+              </a:tabLst>
+            </a:pPr>
+            <a:r>
+              <a:rPr lang="en-US" sz="1600" b="1" dirty="0">
+                <a:latin typeface="Courier New" panose="02070309020205020404" pitchFamily="49" charset="0"/>
+                <a:ea typeface="Times New Roman" panose="02020603050405020304" pitchFamily="18" charset="0"/>
+                <a:cs typeface="Times New Roman" panose="02020603050405020304" pitchFamily="18" charset="0"/>
+              </a:rPr>
+              <a:t>    </a:t>
+            </a:r>
+            <a:r>
+              <a:rPr lang="en-US" sz="1600" b="1" dirty="0" err="1">
+                <a:latin typeface="Courier New" panose="02070309020205020404" pitchFamily="49" charset="0"/>
+                <a:ea typeface="Times New Roman" panose="02020603050405020304" pitchFamily="18" charset="0"/>
+                <a:cs typeface="Times New Roman" panose="02020603050405020304" pitchFamily="18" charset="0"/>
+              </a:rPr>
+              <a:t>endpoints.MapControllerRoute</a:t>
+            </a:r>
+            <a:r>
+              <a:rPr lang="en-US" sz="1600" b="1" dirty="0">
+                <a:latin typeface="Courier New" panose="02070309020205020404" pitchFamily="49" charset="0"/>
+                <a:ea typeface="Times New Roman" panose="02020603050405020304" pitchFamily="18" charset="0"/>
+                <a:cs typeface="Times New Roman" panose="02020603050405020304" pitchFamily="18" charset="0"/>
+              </a:rPr>
+              <a:t>(</a:t>
+            </a:r>
+          </a:p>
+          <a:p>
+            <a:pPr marL="347345" marR="0">
+              <a:spcBef>
+                <a:spcPts val="0"/>
+              </a:spcBef>
+              <a:spcAft>
+                <a:spcPts val="0"/>
+              </a:spcAft>
+              <a:tabLst>
+                <a:tab pos="1371600" algn="l"/>
+              </a:tabLst>
+            </a:pPr>
+            <a:r>
+              <a:rPr lang="en-US" sz="1600" b="1" dirty="0">
+                <a:latin typeface="Courier New" panose="02070309020205020404" pitchFamily="49" charset="0"/>
+                <a:ea typeface="Times New Roman" panose="02020603050405020304" pitchFamily="18" charset="0"/>
+                <a:cs typeface="Times New Roman" panose="02020603050405020304" pitchFamily="18" charset="0"/>
+              </a:rPr>
+              <a:t>        name: "paging",</a:t>
+            </a:r>
+          </a:p>
+          <a:p>
+            <a:pPr marL="347345" marR="0">
+              <a:spcBef>
+                <a:spcPts val="0"/>
+              </a:spcBef>
+              <a:spcAft>
+                <a:spcPts val="0"/>
+              </a:spcAft>
+              <a:tabLst>
+                <a:tab pos="1371600" algn="l"/>
+              </a:tabLst>
+            </a:pPr>
+            <a:r>
+              <a:rPr lang="en-US" sz="1600" b="1" dirty="0">
+                <a:latin typeface="Courier New" panose="02070309020205020404" pitchFamily="49" charset="0"/>
+                <a:ea typeface="Times New Roman" panose="02020603050405020304" pitchFamily="18" charset="0"/>
+                <a:cs typeface="Times New Roman" panose="02020603050405020304" pitchFamily="18" charset="0"/>
+              </a:rPr>
+              <a:t>        pattern: "{controller}/{action}/{id}/page{page}");</a:t>
+            </a:r>
+          </a:p>
+          <a:p>
+            <a:pPr marL="347345" marR="0">
+              <a:spcBef>
+                <a:spcPts val="0"/>
+              </a:spcBef>
+              <a:spcAft>
+                <a:spcPts val="0"/>
+              </a:spcAft>
+              <a:tabLst>
+                <a:tab pos="1371600" algn="l"/>
+              </a:tabLst>
+            </a:pPr>
+            <a:r>
+              <a:rPr lang="en-US" sz="1600" b="1" dirty="0">
+                <a:latin typeface="Courier New" panose="02070309020205020404" pitchFamily="49" charset="0"/>
+                <a:ea typeface="Times New Roman" panose="02020603050405020304" pitchFamily="18" charset="0"/>
+                <a:cs typeface="Times New Roman" panose="02020603050405020304" pitchFamily="18" charset="0"/>
+              </a:rPr>
+              <a:t> </a:t>
+            </a:r>
+          </a:p>
+          <a:p>
+            <a:pPr marL="347345" marR="0">
+              <a:spcBef>
+                <a:spcPts val="0"/>
+              </a:spcBef>
+              <a:spcAft>
+                <a:spcPts val="0"/>
+              </a:spcAft>
+              <a:tabLst>
+                <a:tab pos="1371600" algn="l"/>
+              </a:tabLst>
+            </a:pPr>
+            <a:r>
+              <a:rPr lang="en-US" sz="1600" b="1" dirty="0">
+                <a:latin typeface="Courier New" panose="02070309020205020404" pitchFamily="49" charset="0"/>
+                <a:ea typeface="Times New Roman" panose="02020603050405020304" pitchFamily="18" charset="0"/>
+                <a:cs typeface="Times New Roman" panose="02020603050405020304" pitchFamily="18" charset="0"/>
+              </a:rPr>
+              <a:t>    // least specific route – 0 required segments</a:t>
+            </a:r>
+          </a:p>
+          <a:p>
+            <a:pPr marL="347345" marR="0">
+              <a:spcBef>
+                <a:spcPts val="0"/>
+              </a:spcBef>
+              <a:spcAft>
+                <a:spcPts val="0"/>
+              </a:spcAft>
+              <a:tabLst>
+                <a:tab pos="1371600" algn="l"/>
+              </a:tabLst>
+            </a:pPr>
+            <a:r>
+              <a:rPr lang="en-US" sz="1600" b="1" dirty="0">
+                <a:latin typeface="Courier New" panose="02070309020205020404" pitchFamily="49" charset="0"/>
+                <a:ea typeface="Times New Roman" panose="02020603050405020304" pitchFamily="18" charset="0"/>
+                <a:cs typeface="Times New Roman" panose="02020603050405020304" pitchFamily="18" charset="0"/>
+              </a:rPr>
+              <a:t>    </a:t>
+            </a:r>
+            <a:r>
+              <a:rPr lang="en-US" sz="1600" b="1" dirty="0" err="1">
+                <a:latin typeface="Courier New" panose="02070309020205020404" pitchFamily="49" charset="0"/>
+                <a:ea typeface="Times New Roman" panose="02020603050405020304" pitchFamily="18" charset="0"/>
+                <a:cs typeface="Times New Roman" panose="02020603050405020304" pitchFamily="18" charset="0"/>
+              </a:rPr>
+              <a:t>endpoints.MapControllerRoute</a:t>
+            </a:r>
+            <a:r>
+              <a:rPr lang="en-US" sz="1600" b="1" dirty="0">
+                <a:latin typeface="Courier New" panose="02070309020205020404" pitchFamily="49" charset="0"/>
+                <a:ea typeface="Times New Roman" panose="02020603050405020304" pitchFamily="18" charset="0"/>
+                <a:cs typeface="Times New Roman" panose="02020603050405020304" pitchFamily="18" charset="0"/>
+              </a:rPr>
+              <a:t>(</a:t>
+            </a:r>
+          </a:p>
+          <a:p>
+            <a:pPr marL="347345" marR="0">
+              <a:spcBef>
+                <a:spcPts val="0"/>
+              </a:spcBef>
+              <a:spcAft>
+                <a:spcPts val="0"/>
+              </a:spcAft>
+              <a:tabLst>
+                <a:tab pos="1371600" algn="l"/>
+              </a:tabLst>
+            </a:pPr>
+            <a:r>
+              <a:rPr lang="en-US" sz="1600" b="1" dirty="0">
+                <a:latin typeface="Courier New" panose="02070309020205020404" pitchFamily="49" charset="0"/>
+                <a:ea typeface="Times New Roman" panose="02020603050405020304" pitchFamily="18" charset="0"/>
+                <a:cs typeface="Times New Roman" panose="02020603050405020304" pitchFamily="18" charset="0"/>
+              </a:rPr>
+              <a:t>        name: "default",</a:t>
+            </a:r>
+          </a:p>
+          <a:p>
+            <a:pPr marL="347345" marR="0">
+              <a:spcBef>
+                <a:spcPts val="0"/>
+              </a:spcBef>
+              <a:spcAft>
+                <a:spcPts val="0"/>
+              </a:spcAft>
+              <a:tabLst>
+                <a:tab pos="1371600" algn="l"/>
+              </a:tabLst>
+            </a:pPr>
+            <a:r>
+              <a:rPr lang="en-US" sz="1600" b="1" dirty="0">
+                <a:latin typeface="Courier New" panose="02070309020205020404" pitchFamily="49" charset="0"/>
+                <a:ea typeface="Times New Roman" panose="02020603050405020304" pitchFamily="18" charset="0"/>
+                <a:cs typeface="Times New Roman" panose="02020603050405020304" pitchFamily="18" charset="0"/>
+              </a:rPr>
+              <a:t>        pattern: "{controller=Home}/{action=Index}/{id?}");</a:t>
+            </a:r>
+          </a:p>
+          <a:p>
+            <a:pPr marL="347345" marR="0">
+              <a:spcBef>
+                <a:spcPts val="0"/>
+              </a:spcBef>
+              <a:spcAft>
+                <a:spcPts val="0"/>
+              </a:spcAft>
+              <a:tabLst>
+                <a:tab pos="1371600" algn="l"/>
+              </a:tabLst>
+            </a:pPr>
+            <a:r>
+              <a:rPr lang="en-US" sz="1600" b="1" dirty="0">
+                <a:latin typeface="Courier New" panose="02070309020205020404" pitchFamily="49" charset="0"/>
+                <a:ea typeface="Times New Roman" panose="02020603050405020304" pitchFamily="18" charset="0"/>
+                <a:cs typeface="Times New Roman" panose="02020603050405020304" pitchFamily="18" charset="0"/>
+              </a:rPr>
+              <a:t>});</a:t>
+            </a:r>
+          </a:p>
+          <a:p>
+            <a:endParaRPr lang="en-US" sz="1200" dirty="0"/>
+          </a:p>
+        </p:txBody>
+      </p:sp>
+      <p:sp>
+        <p:nvSpPr>
+          <p:cNvPr id="4" name="Date Placeholder 3">
+            <a:extLst>
+              <a:ext uri="{FF2B5EF4-FFF2-40B4-BE49-F238E27FC236}">
+                <a16:creationId xmlns:a16="http://schemas.microsoft.com/office/drawing/2014/main" id="{021F03FE-DDB3-40BB-BCEA-5152E3356A89}"/>
+              </a:ext>
+            </a:extLst>
+          </p:cNvPr>
+          <p:cNvSpPr>
+            <a:spLocks noGrp="1"/>
+          </p:cNvSpPr>
+          <p:nvPr>
+            <p:ph type="dt" sz="half" idx="10"/>
+          </p:nvPr>
+        </p:nvSpPr>
+        <p:spPr/>
+        <p:txBody>
+          <a:bodyPr/>
+          <a:lstStyle/>
+          <a:p>
+            <a:pPr>
+              <a:defRPr/>
+            </a:pPr>
+            <a:r>
+              <a:rPr lang="en-US"/>
+              <a:t>Murach's ASP.NET Core MVC</a:t>
+            </a:r>
+            <a:endParaRPr lang="en-US" dirty="0"/>
+          </a:p>
+        </p:txBody>
+      </p:sp>
+      <p:sp>
+        <p:nvSpPr>
+          <p:cNvPr id="5" name="Footer Placeholder 4">
+            <a:extLst>
+              <a:ext uri="{FF2B5EF4-FFF2-40B4-BE49-F238E27FC236}">
+                <a16:creationId xmlns:a16="http://schemas.microsoft.com/office/drawing/2014/main" id="{E326E6D7-5026-470D-A3C5-24F0D256BB29}"/>
+              </a:ext>
+            </a:extLst>
+          </p:cNvPr>
+          <p:cNvSpPr>
+            <a:spLocks noGrp="1"/>
+          </p:cNvSpPr>
+          <p:nvPr>
+            <p:ph type="ftr" sz="quarter" idx="11"/>
+          </p:nvPr>
+        </p:nvSpPr>
+        <p:spPr/>
+        <p:txBody>
+          <a:bodyPr/>
+          <a:lstStyle/>
+          <a:p>
+            <a:pPr>
+              <a:defRPr/>
+            </a:pPr>
+            <a:r>
+              <a:rPr lang="en-US"/>
+              <a:t>© 2020, Mike Murach &amp; Associates, Inc.</a:t>
+            </a:r>
+            <a:endParaRPr lang="en-US" dirty="0"/>
+          </a:p>
+        </p:txBody>
+      </p:sp>
+      <p:sp>
+        <p:nvSpPr>
+          <p:cNvPr id="6" name="Slide Number Placeholder 5">
+            <a:extLst>
+              <a:ext uri="{FF2B5EF4-FFF2-40B4-BE49-F238E27FC236}">
+                <a16:creationId xmlns:a16="http://schemas.microsoft.com/office/drawing/2014/main" id="{1882DABF-6E31-41E3-AE74-AA25789536CC}"/>
+              </a:ext>
+            </a:extLst>
+          </p:cNvPr>
+          <p:cNvSpPr>
+            <a:spLocks noGrp="1"/>
+          </p:cNvSpPr>
+          <p:nvPr>
+            <p:ph type="sldNum" sz="quarter" idx="12"/>
+          </p:nvPr>
+        </p:nvSpPr>
+        <p:spPr/>
+        <p:txBody>
+          <a:bodyPr/>
+          <a:lstStyle/>
+          <a:p>
+            <a:pPr algn="l">
+              <a:defRPr/>
+            </a:pPr>
+            <a:endParaRPr lang="en-US" sz="1400">
+              <a:latin typeface="Times New Roman"/>
+            </a:endParaRPr>
+          </a:p>
+          <a:p>
+            <a:pPr>
+              <a:defRPr/>
+            </a:pPr>
+            <a:r>
+              <a:rPr lang="en-US">
+                <a:solidFill>
+                  <a:schemeClr val="bg1"/>
+                </a:solidFill>
+              </a:rPr>
+              <a:t>C6, Slide </a:t>
+            </a:r>
+            <a:fld id="{BF5C1183-B085-4070-A402-C03A3F977D3D}" type="slidenum">
+              <a:rPr lang="en-US" smtClean="0">
+                <a:solidFill>
+                  <a:schemeClr val="bg1"/>
+                </a:solidFill>
+              </a:rPr>
+              <a:pPr>
+                <a:defRPr/>
+              </a:pPr>
               <a:t>7</a:t>
             </a:fld>
             <a:endParaRPr lang="en-US" dirty="0">
@@ -15543,7 +14677,7 @@
     </p:spTree>
     <p:extLst>
       <p:ext uri="{BB962C8B-B14F-4D97-AF65-F5344CB8AC3E}">
-        <p14:creationId xmlns:p14="http://schemas.microsoft.com/office/powerpoint/2010/main" val="745298376"/>
+        <p14:creationId xmlns:p14="http://schemas.microsoft.com/office/powerpoint/2010/main" val="1580342230"/>
       </p:ext>
     </p:extLst>
   </p:cSld>
@@ -15575,7 +14709,7 @@
           <p:cNvPr id="2" name="Title 1">
             <a:extLst>
               <a:ext uri="{FF2B5EF4-FFF2-40B4-BE49-F238E27FC236}">
-                <a16:creationId xmlns:a16="http://schemas.microsoft.com/office/drawing/2014/main" id="{D5047646-464B-4854-9989-4ABBE4023B3C}"/>
+                <a16:creationId xmlns:a16="http://schemas.microsoft.com/office/drawing/2014/main" id="{1644CFE4-8D26-4B9B-8943-35C02B715C1F}"/>
               </a:ext>
             </a:extLst>
           </p:cNvPr>
@@ -15588,7 +14722,7 @@
         </p:nvSpPr>
         <p:spPr>
           <a:xfrm>
-            <a:off x="914400" y="838200"/>
+            <a:off x="914400" y="624989"/>
             <a:ext cx="7315200" cy="369332"/>
           </a:xfrm>
         </p:spPr>
@@ -15598,24 +14732,17 @@
           <a:p>
             <a:r>
               <a:rPr lang="en-US" dirty="0"/>
-              <a:t>A pattern that mixes static and dynamic data </a:t>
-            </a:r>
-            <a:br>
-              <a:rPr lang="en-US" dirty="0"/>
-            </a:br>
-            <a:r>
-              <a:rPr lang="en-US" dirty="0"/>
-              <a:t>for a segment</a:t>
+              <a:t>Best practices for URLs</a:t>
             </a:r>
           </a:p>
         </p:txBody>
       </p:sp>
       <p:sp>
         <p:nvSpPr>
-          <p:cNvPr id="7" name="Text Placeholder 6">
+          <p:cNvPr id="3" name="Text Placeholder 2">
             <a:extLst>
               <a:ext uri="{FF2B5EF4-FFF2-40B4-BE49-F238E27FC236}">
-                <a16:creationId xmlns:a16="http://schemas.microsoft.com/office/drawing/2014/main" id="{CD63DA1C-EB99-4DFD-94F1-E011FEB17BF4}"/>
+                <a16:creationId xmlns:a16="http://schemas.microsoft.com/office/drawing/2014/main" id="{40853155-6BE0-4133-8E67-4F73A50DD886}"/>
               </a:ext>
             </a:extLst>
           </p:cNvPr>
@@ -15626,170 +14753,161 @@
             <p:ph type="body" sz="quarter" idx="13"/>
           </p:nvPr>
         </p:nvSpPr>
-        <p:spPr>
-          <a:xfrm>
-            <a:off x="838200" y="1508611"/>
-            <a:ext cx="7391400" cy="2743200"/>
-          </a:xfrm>
-        </p:spPr>
+        <p:spPr/>
         <p:txBody>
           <a:bodyPr/>
           <a:lstStyle/>
           <a:p>
-            <a:pPr marR="0">
-              <a:spcBef>
-                <a:spcPts val="0"/>
-              </a:spcBef>
-              <a:spcAft>
-                <a:spcPts val="0"/>
-              </a:spcAft>
-              <a:tabLst>
-                <a:tab pos="1371600" algn="l"/>
-              </a:tabLst>
-            </a:pPr>
-            <a:r>
-              <a:rPr lang="en-US" sz="1600" b="1" dirty="0">
-                <a:latin typeface="Courier New" panose="02070309020205020404" pitchFamily="49" charset="0"/>
-                <a:ea typeface="Times New Roman" panose="02020603050405020304" pitchFamily="18" charset="0"/>
-                <a:cs typeface="Times New Roman" panose="02020603050405020304" pitchFamily="18" charset="0"/>
-              </a:rPr>
-              <a:t>{controller}/{action}/{cat}/Page{num}      // 4 segments</a:t>
-            </a:r>
-          </a:p>
-          <a:p>
-            <a:pPr>
-              <a:spcBef>
-                <a:spcPts val="1500"/>
+            <a:pPr marL="342900" marR="274320" lvl="0" indent="-342900">
+              <a:spcBef>
+                <a:spcPts val="0"/>
               </a:spcBef>
               <a:spcAft>
                 <a:spcPts val="600"/>
               </a:spcAft>
-              <a:tabLst>
-                <a:tab pos="1371600" algn="l"/>
-              </a:tabLst>
-            </a:pPr>
-            <a:r>
-              <a:rPr lang="en-US" sz="2400" b="1" dirty="0">
-                <a:solidFill>
-                  <a:srgbClr val="000099"/>
-                </a:solidFill>
-                <a:latin typeface="Arial" panose="020B0604020202020204" pitchFamily="34" charset="0"/>
-                <a:ea typeface="Times New Roman" panose="02020603050405020304" pitchFamily="18" charset="0"/>
-                <a:cs typeface="Times New Roman" panose="02020603050405020304" pitchFamily="18" charset="0"/>
-              </a:rPr>
-              <a:t>Example URLs with static and dynamic data</a:t>
-            </a:r>
-          </a:p>
-          <a:p>
-            <a:endParaRPr lang="en-US" dirty="0"/>
-          </a:p>
-        </p:txBody>
-      </p:sp>
-      <p:sp>
-        <p:nvSpPr>
-          <p:cNvPr id="8" name="Text Placeholder 7">
-            <a:extLst>
-              <a:ext uri="{FF2B5EF4-FFF2-40B4-BE49-F238E27FC236}">
-                <a16:creationId xmlns:a16="http://schemas.microsoft.com/office/drawing/2014/main" id="{1DB62DF6-05FD-4EBD-9565-06A315AC2F92}"/>
-              </a:ext>
-            </a:extLst>
-          </p:cNvPr>
-          <p:cNvSpPr>
-            <a:spLocks noGrp="1"/>
-          </p:cNvSpPr>
-          <p:nvPr>
-            <p:ph type="body" sz="quarter" idx="15"/>
-          </p:nvPr>
-        </p:nvSpPr>
-        <p:spPr>
-          <a:xfrm>
-            <a:off x="914400" y="2438400"/>
-            <a:ext cx="7162800" cy="1143000"/>
-          </a:xfrm>
-          <a:ln cmpd="sng"/>
-        </p:spPr>
-        <p:txBody>
-          <a:bodyPr/>
-          <a:lstStyle/>
-          <a:p>
-            <a:pPr>
-              <a:spcBef>
+              <a:buFont typeface="Symbol" panose="05050102010706020507" pitchFamily="18" charset="2"/>
+              <a:buChar char=""/>
+            </a:pPr>
+            <a:r>
+              <a:rPr lang="en-US" spc="-10" dirty="0">
+                <a:latin typeface="Times New Roman" panose="02020603050405020304" pitchFamily="18" charset="0"/>
+                <a:ea typeface="Times New Roman" panose="02020603050405020304" pitchFamily="18" charset="0"/>
+              </a:rPr>
+              <a:t>Keep the URL as short as possible while still being descriptive and user-friendly.</a:t>
+            </a:r>
+          </a:p>
+          <a:p>
+            <a:pPr marL="342900" marR="274320" lvl="0" indent="-342900">
+              <a:spcBef>
+                <a:spcPts val="0"/>
+              </a:spcBef>
+              <a:spcAft>
                 <a:spcPts val="600"/>
+              </a:spcAft>
+              <a:buFont typeface="Symbol" panose="05050102010706020507" pitchFamily="18" charset="2"/>
+              <a:buChar char=""/>
+            </a:pPr>
+            <a:r>
+              <a:rPr lang="en-US" spc="-10" dirty="0">
+                <a:latin typeface="Times New Roman" panose="02020603050405020304" pitchFamily="18" charset="0"/>
+                <a:ea typeface="Times New Roman" panose="02020603050405020304" pitchFamily="18" charset="0"/>
+              </a:rPr>
+              <a:t>Use keywords to describe the content of a page, not implementation details.</a:t>
+            </a:r>
+          </a:p>
+          <a:p>
+            <a:pPr marL="342900" marR="274320" lvl="0" indent="-342900">
+              <a:spcBef>
+                <a:spcPts val="0"/>
               </a:spcBef>
               <a:spcAft>
                 <a:spcPts val="600"/>
               </a:spcAft>
-              <a:tabLst>
-                <a:tab pos="1828800" algn="l"/>
-                <a:tab pos="2743200" algn="l"/>
-                <a:tab pos="4229100" algn="l"/>
-                <a:tab pos="5372100" algn="l"/>
-              </a:tabLst>
-            </a:pPr>
-            <a:r>
-              <a:rPr lang="en-US" sz="1800" b="1" dirty="0">
-                <a:latin typeface="Arial" panose="020B0604020202020204" pitchFamily="34" charset="0"/>
-                <a:ea typeface="Times New Roman" panose="02020603050405020304" pitchFamily="18" charset="0"/>
-                <a:cs typeface="Times New Roman" panose="02020603050405020304" pitchFamily="18" charset="0"/>
-              </a:rPr>
-              <a:t>Request URL		Controller	Action	Parameters</a:t>
-            </a:r>
-          </a:p>
-          <a:p>
-            <a:pPr>
-              <a:spcBef>
-                <a:spcPts val="300"/>
+              <a:buFont typeface="Symbol" panose="05050102010706020507" pitchFamily="18" charset="2"/>
+              <a:buChar char=""/>
+            </a:pPr>
+            <a:r>
+              <a:rPr lang="en-US" spc="-10" dirty="0">
+                <a:latin typeface="Times New Roman" panose="02020603050405020304" pitchFamily="18" charset="0"/>
+                <a:ea typeface="Times New Roman" panose="02020603050405020304" pitchFamily="18" charset="0"/>
+              </a:rPr>
+              <a:t>Make your URLs easy for humans to understand and type.</a:t>
+            </a:r>
+          </a:p>
+          <a:p>
+            <a:pPr marL="342900" marR="274320" lvl="0" indent="-342900">
+              <a:spcBef>
+                <a:spcPts val="0"/>
               </a:spcBef>
               <a:spcAft>
                 <a:spcPts val="600"/>
               </a:spcAft>
-              <a:tabLst>
-                <a:tab pos="800100" algn="l"/>
-                <a:tab pos="2514600" algn="l"/>
-                <a:tab pos="2743200" algn="l"/>
-                <a:tab pos="4229100" algn="l"/>
-                <a:tab pos="5372100" algn="l"/>
-              </a:tabLst>
-            </a:pPr>
-            <a:r>
-              <a:rPr lang="en-US" sz="1400" b="1" dirty="0">
-                <a:latin typeface="Courier New" panose="02070309020205020404" pitchFamily="49" charset="0"/>
-                <a:ea typeface="Times New Roman" panose="02020603050405020304" pitchFamily="18" charset="0"/>
-              </a:rPr>
-              <a:t>/Product/List/All/Page1		Product	List	cat=All, num=1</a:t>
-            </a:r>
-            <a:endParaRPr lang="en-US" sz="1400" dirty="0">
-              <a:latin typeface="Times New Roman" panose="02020603050405020304" pitchFamily="18" charset="0"/>
-              <a:ea typeface="Times New Roman" panose="02020603050405020304" pitchFamily="18" charset="0"/>
-            </a:endParaRPr>
-          </a:p>
-          <a:p>
-            <a:pPr>
-              <a:spcBef>
-                <a:spcPts val="300"/>
+              <a:buFont typeface="Symbol" panose="05050102010706020507" pitchFamily="18" charset="2"/>
+              <a:buChar char=""/>
+            </a:pPr>
+            <a:r>
+              <a:rPr lang="en-US" spc="-10" dirty="0">
+                <a:latin typeface="Times New Roman" panose="02020603050405020304" pitchFamily="18" charset="0"/>
+                <a:ea typeface="Times New Roman" panose="02020603050405020304" pitchFamily="18" charset="0"/>
+              </a:rPr>
+              <a:t>Use hyphens to separate words, not other characters, especially spaces.</a:t>
+            </a:r>
+          </a:p>
+          <a:p>
+            <a:pPr marL="342900" marR="274320" lvl="0" indent="-342900">
+              <a:spcBef>
+                <a:spcPts val="0"/>
               </a:spcBef>
               <a:spcAft>
                 <a:spcPts val="600"/>
               </a:spcAft>
-              <a:tabLst>
-                <a:tab pos="800100" algn="l"/>
-                <a:tab pos="2514600" algn="l"/>
-                <a:tab pos="2743200" algn="l"/>
-                <a:tab pos="4229100" algn="l"/>
-                <a:tab pos="5372100" algn="l"/>
-              </a:tabLst>
-            </a:pPr>
-            <a:r>
-              <a:rPr lang="en-US" sz="1400" b="1" dirty="0">
-                <a:latin typeface="Courier New" panose="02070309020205020404" pitchFamily="49" charset="0"/>
-                <a:ea typeface="Times New Roman" panose="02020603050405020304" pitchFamily="18" charset="0"/>
-              </a:rPr>
-              <a:t>/Product/List/All/Page2		Product	List	cat=All, num=2</a:t>
-            </a:r>
-            <a:endParaRPr lang="en-US" sz="1400" dirty="0">
-              <a:latin typeface="Times New Roman" panose="02020603050405020304" pitchFamily="18" charset="0"/>
-              <a:ea typeface="Times New Roman" panose="02020603050405020304" pitchFamily="18" charset="0"/>
-            </a:endParaRPr>
+              <a:buFont typeface="Symbol" panose="05050102010706020507" pitchFamily="18" charset="2"/>
+              <a:buChar char=""/>
+            </a:pPr>
+            <a:r>
+              <a:rPr lang="en-US" spc="-10" dirty="0">
+                <a:latin typeface="Times New Roman" panose="02020603050405020304" pitchFamily="18" charset="0"/>
+                <a:ea typeface="Times New Roman" panose="02020603050405020304" pitchFamily="18" charset="0"/>
+              </a:rPr>
+              <a:t>Prefer names as identifiers over numbers.</a:t>
+            </a:r>
+          </a:p>
+          <a:p>
+            <a:pPr marL="342900" marR="274320" lvl="0" indent="-342900">
+              <a:spcBef>
+                <a:spcPts val="0"/>
+              </a:spcBef>
+              <a:spcAft>
+                <a:spcPts val="600"/>
+              </a:spcAft>
+              <a:buFont typeface="Symbol" panose="05050102010706020507" pitchFamily="18" charset="2"/>
+              <a:buChar char=""/>
+            </a:pPr>
+            <a:r>
+              <a:rPr lang="en-US" spc="-10" dirty="0">
+                <a:latin typeface="Times New Roman" panose="02020603050405020304" pitchFamily="18" charset="0"/>
+                <a:ea typeface="Times New Roman" panose="02020603050405020304" pitchFamily="18" charset="0"/>
+              </a:rPr>
+              <a:t>Create an intuitive hierarchy.</a:t>
+            </a:r>
+          </a:p>
+          <a:p>
+            <a:pPr marL="342900" marR="274320" lvl="0" indent="-342900">
+              <a:spcBef>
+                <a:spcPts val="0"/>
+              </a:spcBef>
+              <a:spcAft>
+                <a:spcPts val="600"/>
+              </a:spcAft>
+              <a:buFont typeface="Symbol" panose="05050102010706020507" pitchFamily="18" charset="2"/>
+              <a:buChar char=""/>
+            </a:pPr>
+            <a:r>
+              <a:rPr lang="en-US" spc="-10" dirty="0">
+                <a:latin typeface="Times New Roman" panose="02020603050405020304" pitchFamily="18" charset="0"/>
+                <a:ea typeface="Times New Roman" panose="02020603050405020304" pitchFamily="18" charset="0"/>
+              </a:rPr>
+              <a:t>Be consistent.</a:t>
+            </a:r>
+          </a:p>
+          <a:p>
+            <a:pPr marL="342900" marR="274320" lvl="0" indent="-342900">
+              <a:spcBef>
+                <a:spcPts val="0"/>
+              </a:spcBef>
+              <a:spcAft>
+                <a:spcPts val="600"/>
+              </a:spcAft>
+              <a:buFont typeface="Symbol" panose="05050102010706020507" pitchFamily="18" charset="2"/>
+              <a:buChar char=""/>
+            </a:pPr>
+            <a:r>
+              <a:rPr lang="en-US" spc="-10" dirty="0">
+                <a:latin typeface="Times New Roman" panose="02020603050405020304" pitchFamily="18" charset="0"/>
+                <a:ea typeface="Times New Roman" panose="02020603050405020304" pitchFamily="18" charset="0"/>
+              </a:rPr>
+              <a:t>Avoid the use of query string parameters if possible.</a:t>
+            </a:r>
           </a:p>
           <a:p>
             <a:endParaRPr lang="en-US" dirty="0"/>
@@ -15801,7 +14919,7 @@
           <p:cNvPr id="4" name="Date Placeholder 3">
             <a:extLst>
               <a:ext uri="{FF2B5EF4-FFF2-40B4-BE49-F238E27FC236}">
-                <a16:creationId xmlns:a16="http://schemas.microsoft.com/office/drawing/2014/main" id="{31424914-75E5-417D-BC72-25B77F416ACB}"/>
+                <a16:creationId xmlns:a16="http://schemas.microsoft.com/office/drawing/2014/main" id="{1590B421-7F1F-4A7D-B190-2509AD5E67B4}"/>
               </a:ext>
             </a:extLst>
           </p:cNvPr>
@@ -15833,7 +14951,7 @@
           <p:cNvPr id="5" name="Footer Placeholder 4">
             <a:extLst>
               <a:ext uri="{FF2B5EF4-FFF2-40B4-BE49-F238E27FC236}">
-                <a16:creationId xmlns:a16="http://schemas.microsoft.com/office/drawing/2014/main" id="{E6FF935B-FDB1-4CC5-A8C2-06C002C2DEEC}"/>
+                <a16:creationId xmlns:a16="http://schemas.microsoft.com/office/drawing/2014/main" id="{2D8217B0-A086-4B7D-8579-F7C12D3C22F3}"/>
               </a:ext>
             </a:extLst>
           </p:cNvPr>
@@ -15865,7 +14983,7 @@
           <p:cNvPr id="6" name="Slide Number Placeholder 5">
             <a:extLst>
               <a:ext uri="{FF2B5EF4-FFF2-40B4-BE49-F238E27FC236}">
-                <a16:creationId xmlns:a16="http://schemas.microsoft.com/office/drawing/2014/main" id="{F1119D21-5B02-42A1-B371-616DB4B8A9C8}"/>
+                <a16:creationId xmlns:a16="http://schemas.microsoft.com/office/drawing/2014/main" id="{2741211B-FDF3-4041-9328-8AAA92FF3BA7}"/>
               </a:ext>
             </a:extLst>
           </p:cNvPr>
@@ -15922,7 +15040,7 @@
     </p:spTree>
     <p:extLst>
       <p:ext uri="{BB962C8B-B14F-4D97-AF65-F5344CB8AC3E}">
-        <p14:creationId xmlns:p14="http://schemas.microsoft.com/office/powerpoint/2010/main" val="1497314736"/>
+        <p14:creationId xmlns:p14="http://schemas.microsoft.com/office/powerpoint/2010/main" val="299918377"/>
       </p:ext>
     </p:extLst>
   </p:cSld>
@@ -15951,10 +15069,10 @@
       </p:grpSpPr>
       <p:sp>
         <p:nvSpPr>
-          <p:cNvPr id="5" name="Title 4">
+          <p:cNvPr id="2" name="Title 1">
             <a:extLst>
               <a:ext uri="{FF2B5EF4-FFF2-40B4-BE49-F238E27FC236}">
-                <a16:creationId xmlns:a16="http://schemas.microsoft.com/office/drawing/2014/main" id="{C1ACD447-5038-4942-B2F6-89C462082E1B}"/>
+                <a16:creationId xmlns:a16="http://schemas.microsoft.com/office/drawing/2014/main" id="{6A3964D9-518A-4693-A8A7-A05267255759}"/>
               </a:ext>
             </a:extLst>
           </p:cNvPr>
@@ -15965,24 +15083,29 @@
             <p:ph type="title"/>
           </p:nvPr>
         </p:nvSpPr>
-        <p:spPr/>
+        <p:spPr>
+          <a:xfrm>
+            <a:off x="914400" y="624989"/>
+            <a:ext cx="7315200" cy="369332"/>
+          </a:xfrm>
+        </p:spPr>
         <p:txBody>
           <a:bodyPr/>
           <a:lstStyle/>
           <a:p>
             <a:r>
               <a:rPr lang="en-US" dirty="0"/>
-              <a:t>A pattern with one completely static segment</a:t>
+              <a:t>A URL that identifies a product…</a:t>
             </a:r>
           </a:p>
         </p:txBody>
       </p:sp>
       <p:sp>
         <p:nvSpPr>
-          <p:cNvPr id="6" name="Text Placeholder 5">
+          <p:cNvPr id="3" name="Text Placeholder 2">
             <a:extLst>
               <a:ext uri="{FF2B5EF4-FFF2-40B4-BE49-F238E27FC236}">
-                <a16:creationId xmlns:a16="http://schemas.microsoft.com/office/drawing/2014/main" id="{88A68029-2356-4289-A913-DEFD0755FF0A}"/>
+                <a16:creationId xmlns:a16="http://schemas.microsoft.com/office/drawing/2014/main" id="{6F212949-E9AA-4AA4-8C8B-507FA45BD603}"/>
               </a:ext>
             </a:extLst>
           </p:cNvPr>
@@ -15990,7 +15113,7 @@
             <a:spLocks noGrp="1"/>
           </p:cNvSpPr>
           <p:nvPr>
-            <p:ph type="body" sz="quarter" idx="15"/>
+            <p:ph type="body" sz="quarter" idx="13"/>
           </p:nvPr>
         </p:nvSpPr>
         <p:spPr/>
@@ -15998,7 +15121,32 @@
           <a:bodyPr/>
           <a:lstStyle/>
           <a:p>
-            <a:pPr marL="347345" lvl="0">
+            <a:pPr marL="347345" marR="0">
+              <a:spcBef>
+                <a:spcPts val="900"/>
+              </a:spcBef>
+              <a:spcAft>
+                <a:spcPts val="600"/>
+              </a:spcAft>
+              <a:tabLst>
+                <a:tab pos="1371600" algn="l"/>
+                <a:tab pos="2743200" algn="l"/>
+              </a:tabLst>
+            </a:pPr>
+            <a:r>
+              <a:rPr lang="en-US" b="1" spc="-10" dirty="0">
+                <a:solidFill>
+                  <a:srgbClr val="000099"/>
+                </a:solidFill>
+                <a:latin typeface="Arial" panose="020B0604020202020204" pitchFamily="34" charset="0"/>
+                <a:ea typeface="Times New Roman" panose="02020603050405020304" pitchFamily="18" charset="0"/>
+                <a:cs typeface="Times New Roman" panose="02020603050405020304" pitchFamily="18" charset="0"/>
+              </a:rPr>
+              <a:t>With a number</a:t>
+            </a:r>
+          </a:p>
+          <a:p>
+            <a:pPr marL="347345" marR="0">
               <a:spcBef>
                 <a:spcPts val="0"/>
               </a:spcBef>
@@ -16011,30 +15159,84 @@
             </a:pPr>
             <a:r>
               <a:rPr lang="en-US" sz="1600" b="1" dirty="0">
-                <a:solidFill>
-                  <a:srgbClr val="000000"/>
-                </a:solidFill>
-                <a:latin typeface="Courier New" panose="02070309020205020404" pitchFamily="49" charset="0"/>
-                <a:ea typeface="Times New Roman" panose="02020603050405020304" pitchFamily="18" charset="0"/>
-                <a:cs typeface="Times New Roman" panose="02020603050405020304" pitchFamily="18" charset="0"/>
-              </a:rPr>
-              <a:t>{controller}/{action}/{cat}/Page/{num}     // 5 segments</a:t>
-            </a:r>
-          </a:p>
-          <a:p>
-            <a:pPr lvl="0">
-              <a:spcBef>
-                <a:spcPts val="1500"/>
+                <a:latin typeface="Courier New" panose="02070309020205020404" pitchFamily="49" charset="0"/>
+                <a:ea typeface="Times New Roman" panose="02020603050405020304" pitchFamily="18" charset="0"/>
+                <a:cs typeface="Courier New" panose="02070309020205020404" pitchFamily="49" charset="0"/>
+              </a:rPr>
+              <a:t>https://www.domain.com/product/1307</a:t>
+            </a:r>
+            <a:endParaRPr lang="en-US" sz="1600" b="1" dirty="0">
+              <a:latin typeface="Courier New" panose="02070309020205020404" pitchFamily="49" charset="0"/>
+              <a:ea typeface="Times New Roman" panose="02020603050405020304" pitchFamily="18" charset="0"/>
+              <a:cs typeface="Times New Roman" panose="02020603050405020304" pitchFamily="18" charset="0"/>
+            </a:endParaRPr>
+          </a:p>
+          <a:p>
+            <a:pPr marL="347345" marR="0">
+              <a:spcBef>
+                <a:spcPts val="900"/>
               </a:spcBef>
               <a:spcAft>
                 <a:spcPts val="600"/>
+              </a:spcAft>
+              <a:tabLst>
+                <a:tab pos="1371600" algn="l"/>
+                <a:tab pos="2743200" algn="l"/>
+              </a:tabLst>
+            </a:pPr>
+            <a:r>
+              <a:rPr lang="en-US" b="1" spc="-10" dirty="0">
+                <a:solidFill>
+                  <a:srgbClr val="000099"/>
+                </a:solidFill>
+                <a:latin typeface="Arial" panose="020B0604020202020204" pitchFamily="34" charset="0"/>
+                <a:ea typeface="Times New Roman" panose="02020603050405020304" pitchFamily="18" charset="0"/>
+                <a:cs typeface="Times New Roman" panose="02020603050405020304" pitchFamily="18" charset="0"/>
+              </a:rPr>
+              <a:t>With a name</a:t>
+            </a:r>
+          </a:p>
+          <a:p>
+            <a:pPr marL="347345" marR="0">
+              <a:spcBef>
+                <a:spcPts val="0"/>
+              </a:spcBef>
+              <a:spcAft>
+                <a:spcPts val="0"/>
               </a:spcAft>
               <a:tabLst>
                 <a:tab pos="1371600" algn="l"/>
               </a:tabLst>
             </a:pPr>
             <a:r>
-              <a:rPr lang="en-US" sz="2400" b="1" dirty="0">
+              <a:rPr lang="en-US" sz="1600" b="1" dirty="0">
+                <a:latin typeface="Courier New" panose="02070309020205020404" pitchFamily="49" charset="0"/>
+                <a:ea typeface="Times New Roman" panose="02020603050405020304" pitchFamily="18" charset="0"/>
+                <a:cs typeface="Courier New" panose="02070309020205020404" pitchFamily="49" charset="0"/>
+              </a:rPr>
+              <a:t>https://www.domain.com/product/fender-special-edition-standard-stratocaster</a:t>
+            </a:r>
+            <a:endParaRPr lang="en-US" sz="1600" b="1" dirty="0">
+              <a:latin typeface="Courier New" panose="02070309020205020404" pitchFamily="49" charset="0"/>
+              <a:ea typeface="Times New Roman" panose="02020603050405020304" pitchFamily="18" charset="0"/>
+              <a:cs typeface="Times New Roman" panose="02020603050405020304" pitchFamily="18" charset="0"/>
+            </a:endParaRPr>
+          </a:p>
+          <a:p>
+            <a:pPr marL="347345" marR="0">
+              <a:spcBef>
+                <a:spcPts val="900"/>
+              </a:spcBef>
+              <a:spcAft>
+                <a:spcPts val="600"/>
+              </a:spcAft>
+              <a:tabLst>
+                <a:tab pos="1371600" algn="l"/>
+                <a:tab pos="2743200" algn="l"/>
+              </a:tabLst>
+            </a:pPr>
+            <a:r>
+              <a:rPr lang="en-US" b="1" spc="-10" dirty="0">
                 <a:solidFill>
                   <a:srgbClr val="000099"/>
                 </a:solidFill>
@@ -16042,242 +15244,67 @@
                 <a:ea typeface="Times New Roman" panose="02020603050405020304" pitchFamily="18" charset="0"/>
                 <a:cs typeface="Times New Roman" panose="02020603050405020304" pitchFamily="18" charset="0"/>
               </a:rPr>
-              <a:t>Example URLs with a completely static segment</a:t>
-            </a:r>
-            <a:endParaRPr lang="en-US" dirty="0"/>
+              <a:t>With a number and name </a:t>
+            </a:r>
+            <a:br>
+              <a:rPr lang="en-US" b="1" spc="-10" dirty="0">
+                <a:solidFill>
+                  <a:srgbClr val="000099"/>
+                </a:solidFill>
+                <a:latin typeface="Arial" panose="020B0604020202020204" pitchFamily="34" charset="0"/>
+                <a:ea typeface="Times New Roman" panose="02020603050405020304" pitchFamily="18" charset="0"/>
+                <a:cs typeface="Times New Roman" panose="02020603050405020304" pitchFamily="18" charset="0"/>
+              </a:rPr>
+            </a:br>
+            <a:r>
+              <a:rPr lang="en-US" b="1" spc="-10" dirty="0">
+                <a:solidFill>
+                  <a:srgbClr val="000099"/>
+                </a:solidFill>
+                <a:latin typeface="Arial" panose="020B0604020202020204" pitchFamily="34" charset="0"/>
+                <a:ea typeface="Times New Roman" panose="02020603050405020304" pitchFamily="18" charset="0"/>
+                <a:cs typeface="Times New Roman" panose="02020603050405020304" pitchFamily="18" charset="0"/>
+              </a:rPr>
+              <a:t>(to keep it descriptive but short)</a:t>
+            </a:r>
+          </a:p>
+          <a:p>
+            <a:pPr marL="347345" marR="0">
+              <a:spcBef>
+                <a:spcPts val="0"/>
+              </a:spcBef>
+              <a:spcAft>
+                <a:spcPts val="0"/>
+              </a:spcAft>
+              <a:tabLst>
+                <a:tab pos="1371600" algn="l"/>
+              </a:tabLst>
+            </a:pPr>
+            <a:r>
+              <a:rPr lang="en-US" sz="1600" b="1" dirty="0">
+                <a:latin typeface="Courier New" panose="02070309020205020404" pitchFamily="49" charset="0"/>
+                <a:ea typeface="Times New Roman" panose="02020603050405020304" pitchFamily="18" charset="0"/>
+                <a:cs typeface="Courier New" panose="02070309020205020404" pitchFamily="49" charset="0"/>
+              </a:rPr>
+              <a:t>https://www.domain.com/product/1307/fender-special</a:t>
+            </a:r>
+            <a:endParaRPr lang="en-US" sz="1600" b="1" dirty="0">
+              <a:latin typeface="Courier New" panose="02070309020205020404" pitchFamily="49" charset="0"/>
+              <a:ea typeface="Times New Roman" panose="02020603050405020304" pitchFamily="18" charset="0"/>
+              <a:cs typeface="Times New Roman" panose="02020603050405020304" pitchFamily="18" charset="0"/>
+            </a:endParaRPr>
+          </a:p>
+          <a:p>
+            <a:endParaRPr lang="en-US" sz="1600" dirty="0"/>
           </a:p>
         </p:txBody>
       </p:sp>
       <p:sp>
         <p:nvSpPr>
-          <p:cNvPr id="8" name="Text Placeholder 7">
+          <p:cNvPr id="4" name="Date Placeholder 3">
             <a:extLst>
               <a:ext uri="{FF2B5EF4-FFF2-40B4-BE49-F238E27FC236}">
-                <a16:creationId xmlns:a16="http://schemas.microsoft.com/office/drawing/2014/main" id="{C16CC1AB-46F6-4B41-8115-61EB1774B407}"/>
-              </a:ext>
-            </a:extLst>
-          </p:cNvPr>
-          <p:cNvSpPr>
-            <a:spLocks noGrp="1"/>
-          </p:cNvSpPr>
-          <p:nvPr>
-            <p:ph type="body" sz="quarter" idx="16"/>
-          </p:nvPr>
-        </p:nvSpPr>
-        <p:spPr>
-          <a:xfrm>
-            <a:off x="1230589" y="2037706"/>
-            <a:ext cx="7100611" cy="1070842"/>
-          </a:xfrm>
-          <a:solidFill>
-            <a:schemeClr val="bg1">
-              <a:lumMod val="95000"/>
-            </a:schemeClr>
-          </a:solidFill>
-          <a:ln w="28575">
-            <a:solidFill>
-              <a:schemeClr val="tx1"/>
-            </a:solidFill>
-          </a:ln>
-        </p:spPr>
-        <p:txBody>
-          <a:bodyPr/>
-          <a:lstStyle/>
-          <a:p>
-            <a:pPr>
-              <a:spcBef>
-                <a:spcPts val="600"/>
-              </a:spcBef>
-              <a:spcAft>
-                <a:spcPts val="600"/>
-              </a:spcAft>
-              <a:tabLst>
-                <a:tab pos="1828800" algn="l"/>
-                <a:tab pos="2800350" algn="l"/>
-                <a:tab pos="4286250" algn="l"/>
-                <a:tab pos="5372100" algn="l"/>
-              </a:tabLst>
-            </a:pPr>
-            <a:r>
-              <a:rPr lang="en-US" b="1" dirty="0">
-                <a:latin typeface="Arial" panose="020B0604020202020204" pitchFamily="34" charset="0"/>
-                <a:ea typeface="Times New Roman" panose="02020603050405020304" pitchFamily="18" charset="0"/>
-                <a:cs typeface="Times New Roman" panose="02020603050405020304" pitchFamily="18" charset="0"/>
-              </a:rPr>
-              <a:t>Request URL		Controller	Action	Parameters</a:t>
-            </a:r>
-          </a:p>
-          <a:p>
-            <a:pPr>
-              <a:spcBef>
-                <a:spcPts val="300"/>
-              </a:spcBef>
-              <a:spcAft>
-                <a:spcPts val="600"/>
-              </a:spcAft>
-              <a:tabLst>
-                <a:tab pos="800100" algn="l"/>
-                <a:tab pos="2514600" algn="l"/>
-                <a:tab pos="2800350" algn="l"/>
-                <a:tab pos="4286250" algn="l"/>
-                <a:tab pos="5372100" algn="l"/>
-              </a:tabLst>
-            </a:pPr>
-            <a:r>
-              <a:rPr lang="en-US" sz="1400" b="1" dirty="0">
-                <a:latin typeface="Courier New" panose="02070309020205020404" pitchFamily="49" charset="0"/>
-                <a:ea typeface="Times New Roman" panose="02020603050405020304" pitchFamily="18" charset="0"/>
-              </a:rPr>
-              <a:t>/Product/List/All/Page/1	Product	List	cat=All, num=1</a:t>
-            </a:r>
-            <a:endParaRPr lang="en-US" sz="1400" dirty="0">
-              <a:latin typeface="Times New Roman" panose="02020603050405020304" pitchFamily="18" charset="0"/>
-              <a:ea typeface="Times New Roman" panose="02020603050405020304" pitchFamily="18" charset="0"/>
-            </a:endParaRPr>
-          </a:p>
-          <a:p>
-            <a:pPr>
-              <a:spcBef>
-                <a:spcPts val="300"/>
-              </a:spcBef>
-              <a:spcAft>
-                <a:spcPts val="600"/>
-              </a:spcAft>
-              <a:tabLst>
-                <a:tab pos="800100" algn="l"/>
-                <a:tab pos="2514600" algn="l"/>
-                <a:tab pos="2800350" algn="l"/>
-                <a:tab pos="4286250" algn="l"/>
-                <a:tab pos="5372100" algn="l"/>
-              </a:tabLst>
-            </a:pPr>
-            <a:r>
-              <a:rPr lang="en-US" sz="1400" b="1" dirty="0">
-                <a:latin typeface="Courier New" panose="02070309020205020404" pitchFamily="49" charset="0"/>
-                <a:ea typeface="Times New Roman" panose="02020603050405020304" pitchFamily="18" charset="0"/>
-              </a:rPr>
-              <a:t>/Product/List/All/Page/2	Product	List	cat=All, num=2</a:t>
-            </a:r>
-            <a:endParaRPr lang="en-US" sz="1400" dirty="0">
-              <a:latin typeface="Times New Roman" panose="02020603050405020304" pitchFamily="18" charset="0"/>
-              <a:ea typeface="Times New Roman" panose="02020603050405020304" pitchFamily="18" charset="0"/>
-            </a:endParaRPr>
-          </a:p>
-          <a:p>
-            <a:endParaRPr lang="en-US" dirty="0"/>
-          </a:p>
-        </p:txBody>
-      </p:sp>
-      <p:sp>
-        <p:nvSpPr>
-          <p:cNvPr id="9" name="Text Placeholder 8">
-            <a:extLst>
-              <a:ext uri="{FF2B5EF4-FFF2-40B4-BE49-F238E27FC236}">
-                <a16:creationId xmlns:a16="http://schemas.microsoft.com/office/drawing/2014/main" id="{86E6CDBA-79BE-4575-A631-953F9CEF5858}"/>
-              </a:ext>
-            </a:extLst>
-          </p:cNvPr>
-          <p:cNvSpPr>
-            <a:spLocks noGrp="1"/>
-          </p:cNvSpPr>
-          <p:nvPr>
-            <p:ph type="body" sz="quarter" idx="17"/>
-          </p:nvPr>
-        </p:nvSpPr>
-        <p:spPr/>
-        <p:txBody>
-          <a:bodyPr/>
-          <a:lstStyle/>
-          <a:p>
-            <a:pPr lvl="0">
-              <a:spcBef>
-                <a:spcPts val="1500"/>
-              </a:spcBef>
-              <a:spcAft>
-                <a:spcPts val="600"/>
-              </a:spcAft>
-              <a:tabLst>
-                <a:tab pos="1371600" algn="l"/>
-                <a:tab pos="1371600" algn="l"/>
-                <a:tab pos="2057400" algn="l"/>
-              </a:tabLst>
-            </a:pPr>
-            <a:r>
-              <a:rPr lang="en-US" b="1" dirty="0">
-                <a:solidFill>
-                  <a:srgbClr val="000099"/>
-                </a:solidFill>
-                <a:latin typeface="Arial" panose="020B0604020202020204" pitchFamily="34" charset="0"/>
-                <a:ea typeface="Times New Roman" panose="02020603050405020304" pitchFamily="18" charset="0"/>
-                <a:cs typeface="Times New Roman" panose="02020603050405020304" pitchFamily="18" charset="0"/>
-              </a:rPr>
-              <a:t>A URL that requests the Product/List action </a:t>
-            </a:r>
-            <a:br>
-              <a:rPr lang="en-US" b="1" dirty="0">
-                <a:solidFill>
-                  <a:srgbClr val="000099"/>
-                </a:solidFill>
-                <a:latin typeface="Arial" panose="020B0604020202020204" pitchFamily="34" charset="0"/>
-                <a:ea typeface="Times New Roman" panose="02020603050405020304" pitchFamily="18" charset="0"/>
-                <a:cs typeface="Times New Roman" panose="02020603050405020304" pitchFamily="18" charset="0"/>
-              </a:rPr>
-            </a:br>
-            <a:r>
-              <a:rPr lang="en-US" b="1" dirty="0">
-                <a:solidFill>
-                  <a:srgbClr val="000099"/>
-                </a:solidFill>
-                <a:latin typeface="Arial" panose="020B0604020202020204" pitchFamily="34" charset="0"/>
-                <a:ea typeface="Times New Roman" panose="02020603050405020304" pitchFamily="18" charset="0"/>
-                <a:cs typeface="Times New Roman" panose="02020603050405020304" pitchFamily="18" charset="0"/>
-              </a:rPr>
-              <a:t>for page 1 of all categories</a:t>
-            </a:r>
-          </a:p>
-          <a:p>
-            <a:endParaRPr lang="en-US" dirty="0"/>
-          </a:p>
-        </p:txBody>
-      </p:sp>
-      <p:pic>
-        <p:nvPicPr>
-          <p:cNvPr id="10" name="Content Placeholder 9" descr="Refer to page 207 in textbook">
-            <a:extLst>
-              <a:ext uri="{FF2B5EF4-FFF2-40B4-BE49-F238E27FC236}">
-                <a16:creationId xmlns:a16="http://schemas.microsoft.com/office/drawing/2014/main" id="{D7EBB98C-BD19-4D83-937E-409A5C00C58E}"/>
-              </a:ext>
-            </a:extLst>
-          </p:cNvPr>
-          <p:cNvPicPr>
-            <a:picLocks noGrp="1" noChangeAspect="1"/>
-          </p:cNvPicPr>
-          <p:nvPr>
-            <p:ph sz="quarter" idx="13"/>
-          </p:nvPr>
-        </p:nvPicPr>
-        <p:blipFill>
-          <a:blip r:embed="rId2"/>
-          <a:stretch>
-            <a:fillRect/>
-          </a:stretch>
-        </p:blipFill>
-        <p:spPr>
-          <a:xfrm>
-            <a:off x="1230588" y="4201509"/>
-            <a:ext cx="7155303" cy="980091"/>
-          </a:xfrm>
-          <a:prstGeom prst="rect">
-            <a:avLst/>
-          </a:prstGeom>
-        </p:spPr>
-      </p:pic>
-      <p:sp>
-        <p:nvSpPr>
-          <p:cNvPr id="2" name="Date Placeholder 1">
-            <a:extLst>
-              <a:ext uri="{FF2B5EF4-FFF2-40B4-BE49-F238E27FC236}">
-                <a16:creationId xmlns:a16="http://schemas.microsoft.com/office/drawing/2014/main" id="{656723C7-BC27-4D7F-ACC9-05FA424B9C45}"/>
+                <a16:creationId xmlns:a16="http://schemas.microsoft.com/office/drawing/2014/main" id="{ED684477-B616-450E-8D98-B6BB6F43DCC0}"/>
               </a:ext>
             </a:extLst>
           </p:cNvPr>
@@ -16306,10 +15333,10 @@
       </p:sp>
       <p:sp>
         <p:nvSpPr>
-          <p:cNvPr id="3" name="Footer Placeholder 2">
+          <p:cNvPr id="5" name="Footer Placeholder 4">
             <a:extLst>
               <a:ext uri="{FF2B5EF4-FFF2-40B4-BE49-F238E27FC236}">
-                <a16:creationId xmlns:a16="http://schemas.microsoft.com/office/drawing/2014/main" id="{E65BB1BD-A27D-4D70-A23A-32088531A695}"/>
+                <a16:creationId xmlns:a16="http://schemas.microsoft.com/office/drawing/2014/main" id="{C287A17A-B33D-422C-8E77-E271284FE54D}"/>
               </a:ext>
             </a:extLst>
           </p:cNvPr>
@@ -16338,10 +15365,10 @@
       </p:sp>
       <p:sp>
         <p:nvSpPr>
-          <p:cNvPr id="4" name="Slide Number Placeholder 3">
+          <p:cNvPr id="6" name="Slide Number Placeholder 5">
             <a:extLst>
               <a:ext uri="{FF2B5EF4-FFF2-40B4-BE49-F238E27FC236}">
-                <a16:creationId xmlns:a16="http://schemas.microsoft.com/office/drawing/2014/main" id="{6F92924D-1772-4F3E-B835-D724687D1F25}"/>
+                <a16:creationId xmlns:a16="http://schemas.microsoft.com/office/drawing/2014/main" id="{14E344AD-F8E2-40CF-9884-70FEF97565E9}"/>
               </a:ext>
             </a:extLst>
           </p:cNvPr>
@@ -16398,7 +15425,7 @@
     </p:spTree>
     <p:extLst>
       <p:ext uri="{BB962C8B-B14F-4D97-AF65-F5344CB8AC3E}">
-        <p14:creationId xmlns:p14="http://schemas.microsoft.com/office/powerpoint/2010/main" val="2753308331"/>
+        <p14:creationId xmlns:p14="http://schemas.microsoft.com/office/powerpoint/2010/main" val="2740653339"/>
       </p:ext>
     </p:extLst>
   </p:cSld>

--- a/CheatSheetCSharp/CheatSheetCSharp/wwwroot/references/routing.pptx
+++ b/CheatSheetCSharp/CheatSheetCSharp/wwwroot/references/routing.pptx
@@ -5,10 +5,10 @@
     <p:sldMasterId id="2147483669" r:id="rId1"/>
   </p:sldMasterIdLst>
   <p:notesMasterIdLst>
-    <p:notesMasterId r:id="rId18"/>
+    <p:notesMasterId r:id="rId17"/>
   </p:notesMasterIdLst>
   <p:handoutMasterIdLst>
-    <p:handoutMasterId r:id="rId19"/>
+    <p:handoutMasterId r:id="rId18"/>
   </p:handoutMasterIdLst>
   <p:sldIdLst>
     <p:sldId id="302" r:id="rId2"/>
@@ -22,11 +22,10 @@
     <p:sldId id="290" r:id="rId10"/>
     <p:sldId id="291" r:id="rId11"/>
     <p:sldId id="294" r:id="rId12"/>
-    <p:sldId id="295" r:id="rId13"/>
-    <p:sldId id="296" r:id="rId14"/>
-    <p:sldId id="297" r:id="rId15"/>
-    <p:sldId id="298" r:id="rId16"/>
-    <p:sldId id="299" r:id="rId17"/>
+    <p:sldId id="296" r:id="rId13"/>
+    <p:sldId id="297" r:id="rId14"/>
+    <p:sldId id="298" r:id="rId15"/>
+    <p:sldId id="299" r:id="rId16"/>
   </p:sldIdLst>
   <p:sldSz cx="9144000" cy="6858000" type="screen4x3"/>
   <p:notesSz cx="7010400" cy="9296400"/>
@@ -6996,7 +6995,7 @@
         </p:nvSpPr>
         <p:spPr>
           <a:xfrm>
-            <a:off x="914400" y="625989"/>
+            <a:off x="914400" y="229749"/>
             <a:ext cx="7315200" cy="738664"/>
           </a:xfrm>
         </p:spPr>
@@ -7034,7 +7033,12 @@
             <p:ph type="body" sz="quarter" idx="13"/>
           </p:nvPr>
         </p:nvSpPr>
-        <p:spPr/>
+        <p:spPr>
+          <a:xfrm>
+            <a:off x="838200" y="1066800"/>
+            <a:ext cx="7391400" cy="4495800"/>
+          </a:xfrm>
+        </p:spPr>
         <p:txBody>
           <a:bodyPr/>
           <a:lstStyle/>
@@ -7757,127 +7761,108 @@
       </p:sp>
       <p:sp>
         <p:nvSpPr>
-          <p:cNvPr id="4" name="Date Placeholder 3">
+          <p:cNvPr id="7" name="Rectangle 6">
             <a:extLst>
               <a:ext uri="{FF2B5EF4-FFF2-40B4-BE49-F238E27FC236}">
-                <a16:creationId xmlns:a16="http://schemas.microsoft.com/office/drawing/2014/main" id="{525142FD-89F2-417D-BD0E-7C36A88D8659}"/>
+                <a16:creationId xmlns:a16="http://schemas.microsoft.com/office/drawing/2014/main" id="{68046A16-A0D1-47DD-919D-B43EDF6E7008}"/>
               </a:ext>
             </a:extLst>
           </p:cNvPr>
-          <p:cNvSpPr>
-            <a:spLocks noGrp="1"/>
-          </p:cNvSpPr>
-          <p:nvPr>
-            <p:ph type="dt" sz="half" idx="10"/>
-          </p:nvPr>
+          <p:cNvSpPr/>
+          <p:nvPr/>
         </p:nvSpPr>
-        <p:spPr/>
+        <p:spPr bwMode="auto">
+          <a:xfrm>
+            <a:off x="5410200" y="746760"/>
+            <a:ext cx="3048000" cy="914400"/>
+          </a:xfrm>
+          <a:prstGeom prst="rect">
+            <a:avLst/>
+          </a:prstGeom>
+          <a:solidFill>
+            <a:schemeClr val="bg1"/>
+          </a:solidFill>
+          <a:ln w="9525" cap="flat" cmpd="sng" algn="ctr">
+            <a:solidFill>
+              <a:schemeClr val="accent1"/>
+            </a:solidFill>
+            <a:prstDash val="solid"/>
+            <a:round/>
+            <a:headEnd type="none" w="med" len="med"/>
+            <a:tailEnd type="none" w="med" len="med"/>
+          </a:ln>
+          <a:effectLst/>
+        </p:spPr>
         <p:txBody>
-          <a:bodyPr/>
+          <a:bodyPr vert="horz" wrap="square" lIns="91440" tIns="45720" rIns="91440" bIns="45720" numCol="1" rtlCol="0" anchor="t" anchorCtr="0" compatLnSpc="1">
+            <a:prstTxWarp prst="textNoShape">
+              <a:avLst/>
+            </a:prstTxWarp>
+          </a:bodyPr>
           <a:lstStyle/>
           <a:p>
-            <a:pPr>
-              <a:defRPr/>
-            </a:pPr>
-            <a:r>
-              <a:rPr lang="en-US"/>
-              <a:t>Murach's ASP.NET Core MVC</a:t>
-            </a:r>
-            <a:endParaRPr lang="en-US" dirty="0"/>
+            <a:pPr marL="0" marR="0" indent="0" algn="l" defTabSz="914400" rtl="0" eaLnBrk="0" fontAlgn="base" latinLnBrk="0" hangingPunct="0">
+              <a:lnSpc>
+                <a:spcPct val="100000"/>
+              </a:lnSpc>
+              <a:spcBef>
+                <a:spcPct val="0"/>
+              </a:spcBef>
+              <a:spcAft>
+                <a:spcPct val="0"/>
+              </a:spcAft>
+              <a:buClrTx/>
+              <a:buSzTx/>
+              <a:buFontTx/>
+              <a:buNone/>
+              <a:tabLst/>
+            </a:pPr>
+            <a:r>
+              <a:rPr kumimoji="0" lang="en-US" sz="2400" b="0" i="0" u="none" strike="noStrike" cap="none" normalizeH="0" baseline="0" dirty="0">
+                <a:ln>
+                  <a:noFill/>
+                </a:ln>
+                <a:solidFill>
+                  <a:schemeClr val="tx1"/>
+                </a:solidFill>
+                <a:effectLst/>
+                <a:latin typeface="Times New Roman" pitchFamily="18" charset="0"/>
+              </a:rPr>
+              <a:t>Add ‘Areas’ folder to the project</a:t>
+            </a:r>
           </a:p>
         </p:txBody>
       </p:sp>
-      <p:sp>
-        <p:nvSpPr>
-          <p:cNvPr id="5" name="Footer Placeholder 4">
+      <p:pic>
+        <p:nvPicPr>
+          <p:cNvPr id="9" name="Picture 8">
             <a:extLst>
               <a:ext uri="{FF2B5EF4-FFF2-40B4-BE49-F238E27FC236}">
-                <a16:creationId xmlns:a16="http://schemas.microsoft.com/office/drawing/2014/main" id="{BCB75CAB-B454-4B28-B365-8ABF45D92694}"/>
+                <a16:creationId xmlns:a16="http://schemas.microsoft.com/office/drawing/2014/main" id="{4EFA209F-E858-44FB-B3A6-6C9E5BFD2E2D}"/>
               </a:ext>
             </a:extLst>
           </p:cNvPr>
-          <p:cNvSpPr>
-            <a:spLocks noGrp="1"/>
-          </p:cNvSpPr>
-          <p:nvPr>
-            <p:ph type="ftr" sz="quarter" idx="11"/>
-          </p:nvPr>
-        </p:nvSpPr>
-        <p:spPr/>
-        <p:txBody>
-          <a:bodyPr/>
-          <a:lstStyle/>
-          <a:p>
-            <a:pPr>
-              <a:defRPr/>
-            </a:pPr>
-            <a:r>
-              <a:rPr lang="en-US"/>
-              <a:t>© 2020, Mike Murach &amp; Associates, Inc.</a:t>
-            </a:r>
-            <a:endParaRPr lang="en-US" dirty="0"/>
-          </a:p>
-        </p:txBody>
-      </p:sp>
-      <p:sp>
-        <p:nvSpPr>
-          <p:cNvPr id="6" name="Slide Number Placeholder 5">
-            <a:extLst>
-              <a:ext uri="{FF2B5EF4-FFF2-40B4-BE49-F238E27FC236}">
-                <a16:creationId xmlns:a16="http://schemas.microsoft.com/office/drawing/2014/main" id="{3699AA94-3325-4EEB-A02A-BA1DC8C5E16F}"/>
-              </a:ext>
-            </a:extLst>
-          </p:cNvPr>
-          <p:cNvSpPr>
-            <a:spLocks noGrp="1"/>
-          </p:cNvSpPr>
-          <p:nvPr>
-            <p:ph type="sldNum" sz="quarter" idx="12"/>
-          </p:nvPr>
-        </p:nvSpPr>
-        <p:spPr/>
-        <p:txBody>
-          <a:bodyPr/>
-          <a:lstStyle/>
-          <a:p>
-            <a:pPr algn="l">
-              <a:defRPr/>
-            </a:pPr>
-            <a:endParaRPr lang="en-US" sz="1400">
-              <a:latin typeface="Times New Roman"/>
-            </a:endParaRPr>
-          </a:p>
-          <a:p>
-            <a:pPr>
-              <a:defRPr/>
-            </a:pPr>
-            <a:r>
-              <a:rPr lang="en-US">
-                <a:solidFill>
-                  <a:schemeClr val="bg1"/>
-                </a:solidFill>
-              </a:rPr>
-              <a:t>C6, Slide </a:t>
-            </a:r>
-            <a:fld id="{BF5C1183-B085-4070-A402-C03A3F977D3D}" type="slidenum">
-              <a:rPr lang="en-US" smtClean="0">
-                <a:solidFill>
-                  <a:schemeClr val="bg1"/>
-                </a:solidFill>
-              </a:rPr>
-              <a:pPr>
-                <a:defRPr/>
-              </a:pPr>
-              <a:t>11</a:t>
-            </a:fld>
-            <a:endParaRPr lang="en-US" dirty="0">
-              <a:solidFill>
-                <a:schemeClr val="bg1"/>
-              </a:solidFill>
-            </a:endParaRPr>
-          </a:p>
-        </p:txBody>
-      </p:sp>
+          <p:cNvPicPr>
+            <a:picLocks noChangeAspect="1"/>
+          </p:cNvPicPr>
+          <p:nvPr/>
+        </p:nvPicPr>
+        <p:blipFill>
+          <a:blip r:embed="rId2"/>
+          <a:stretch>
+            <a:fillRect/>
+          </a:stretch>
+        </p:blipFill>
+        <p:spPr>
+          <a:xfrm>
+            <a:off x="180362" y="5641378"/>
+            <a:ext cx="8783276" cy="1181265"/>
+          </a:xfrm>
+          <a:prstGeom prst="rect">
+            <a:avLst/>
+          </a:prstGeom>
+        </p:spPr>
+      </p:pic>
     </p:spTree>
     <p:extLst>
       <p:ext uri="{BB962C8B-B14F-4D97-AF65-F5344CB8AC3E}">
@@ -7892,797 +7877,6 @@
 </file>
 
 <file path=ppt/slides/slide12.xml><?xml version="1.0" encoding="utf-8"?>
-<p:sld xmlns:a="http://schemas.openxmlformats.org/drawingml/2006/main" xmlns:r="http://schemas.openxmlformats.org/officeDocument/2006/relationships" xmlns:p="http://schemas.openxmlformats.org/presentationml/2006/main">
-  <p:cSld>
-    <p:spTree>
-      <p:nvGrpSpPr>
-        <p:cNvPr id="1" name=""/>
-        <p:cNvGrpSpPr/>
-        <p:nvPr/>
-      </p:nvGrpSpPr>
-      <p:grpSpPr>
-        <a:xfrm>
-          <a:off x="0" y="0"/>
-          <a:ext cx="0" cy="0"/>
-          <a:chOff x="0" y="0"/>
-          <a:chExt cx="0" cy="0"/>
-        </a:xfrm>
-      </p:grpSpPr>
-      <p:sp>
-        <p:nvSpPr>
-          <p:cNvPr id="2" name="Title 1">
-            <a:extLst>
-              <a:ext uri="{FF2B5EF4-FFF2-40B4-BE49-F238E27FC236}">
-                <a16:creationId xmlns:a16="http://schemas.microsoft.com/office/drawing/2014/main" id="{EA9A8973-F713-4800-AF80-B23F2A491EE4}"/>
-              </a:ext>
-            </a:extLst>
-          </p:cNvPr>
-          <p:cNvSpPr>
-            <a:spLocks noGrp="1"/>
-          </p:cNvSpPr>
-          <p:nvPr>
-            <p:ph type="title"/>
-          </p:nvPr>
-        </p:nvSpPr>
-        <p:spPr>
-          <a:xfrm>
-            <a:off x="914400" y="625989"/>
-            <a:ext cx="7315200" cy="738664"/>
-          </a:xfrm>
-        </p:spPr>
-        <p:txBody>
-          <a:bodyPr/>
-          <a:lstStyle/>
-          <a:p>
-            <a:r>
-              <a:rPr lang="en-US" dirty="0"/>
-              <a:t>The starting folders for an app </a:t>
-            </a:r>
-            <a:br>
-              <a:rPr lang="en-US" dirty="0"/>
-            </a:br>
-            <a:r>
-              <a:rPr lang="en-US" dirty="0"/>
-              <a:t>with an Admin area (part 2)</a:t>
-            </a:r>
-          </a:p>
-        </p:txBody>
-      </p:sp>
-      <p:sp>
-        <p:nvSpPr>
-          <p:cNvPr id="3" name="Text Placeholder 2">
-            <a:extLst>
-              <a:ext uri="{FF2B5EF4-FFF2-40B4-BE49-F238E27FC236}">
-                <a16:creationId xmlns:a16="http://schemas.microsoft.com/office/drawing/2014/main" id="{11F16EB5-E361-41F2-85AB-81CED34BD5DB}"/>
-              </a:ext>
-            </a:extLst>
-          </p:cNvPr>
-          <p:cNvSpPr>
-            <a:spLocks noGrp="1"/>
-          </p:cNvSpPr>
-          <p:nvPr>
-            <p:ph type="body" sz="quarter" idx="13"/>
-          </p:nvPr>
-        </p:nvSpPr>
-        <p:spPr>
-          <a:xfrm>
-            <a:off x="838200" y="1371600"/>
-            <a:ext cx="7391400" cy="4495800"/>
-          </a:xfrm>
-        </p:spPr>
-        <p:txBody>
-          <a:bodyPr/>
-          <a:lstStyle/>
-          <a:p>
-            <a:pPr marL="863600" marR="0" indent="-517525">
-              <a:spcBef>
-                <a:spcPts val="0"/>
-              </a:spcBef>
-              <a:spcAft>
-                <a:spcPts val="0"/>
-              </a:spcAft>
-              <a:tabLst>
-                <a:tab pos="1371600" algn="l"/>
-              </a:tabLst>
-            </a:pPr>
-            <a:r>
-              <a:rPr lang="en-US" sz="1600" b="1" dirty="0">
-                <a:latin typeface="Courier New" panose="02070309020205020404" pitchFamily="49" charset="0"/>
-                <a:ea typeface="Times New Roman" panose="02020603050405020304" pitchFamily="18" charset="0"/>
-                <a:cs typeface="Times New Roman" panose="02020603050405020304" pitchFamily="18" charset="0"/>
-              </a:rPr>
-              <a:t>	/Controllers</a:t>
-            </a:r>
-          </a:p>
-          <a:p>
-            <a:pPr marL="347345" marR="0">
-              <a:spcBef>
-                <a:spcPts val="0"/>
-              </a:spcBef>
-              <a:spcAft>
-                <a:spcPts val="0"/>
-              </a:spcAft>
-              <a:tabLst>
-                <a:tab pos="1371600" algn="l"/>
-              </a:tabLst>
-            </a:pPr>
-            <a:r>
-              <a:rPr lang="en-US" sz="1600" b="1" dirty="0">
-                <a:latin typeface="Courier New" panose="02070309020205020404" pitchFamily="49" charset="0"/>
-                <a:ea typeface="Times New Roman" panose="02020603050405020304" pitchFamily="18" charset="0"/>
-                <a:cs typeface="Times New Roman" panose="02020603050405020304" pitchFamily="18" charset="0"/>
-              </a:rPr>
-              <a:t>         /</a:t>
-            </a:r>
-            <a:r>
-              <a:rPr lang="en-US" sz="1600" b="1" dirty="0" err="1">
-                <a:latin typeface="Courier New" panose="02070309020205020404" pitchFamily="49" charset="0"/>
-                <a:ea typeface="Times New Roman" panose="02020603050405020304" pitchFamily="18" charset="0"/>
-                <a:cs typeface="Times New Roman" panose="02020603050405020304" pitchFamily="18" charset="0"/>
-              </a:rPr>
-              <a:t>HomeController.cs</a:t>
-            </a:r>
-            <a:endParaRPr lang="en-US" sz="1600" b="1" dirty="0">
-              <a:latin typeface="Courier New" panose="02070309020205020404" pitchFamily="49" charset="0"/>
-              <a:ea typeface="Times New Roman" panose="02020603050405020304" pitchFamily="18" charset="0"/>
-              <a:cs typeface="Times New Roman" panose="02020603050405020304" pitchFamily="18" charset="0"/>
-            </a:endParaRPr>
-          </a:p>
-          <a:p>
-            <a:pPr marL="347345" marR="0">
-              <a:spcBef>
-                <a:spcPts val="0"/>
-              </a:spcBef>
-              <a:spcAft>
-                <a:spcPts val="0"/>
-              </a:spcAft>
-              <a:tabLst>
-                <a:tab pos="1371600" algn="l"/>
-              </a:tabLst>
-            </a:pPr>
-            <a:r>
-              <a:rPr lang="en-US" sz="1600" b="1" dirty="0">
-                <a:latin typeface="Courier New" panose="02070309020205020404" pitchFamily="49" charset="0"/>
-                <a:ea typeface="Times New Roman" panose="02020603050405020304" pitchFamily="18" charset="0"/>
-                <a:cs typeface="Times New Roman" panose="02020603050405020304" pitchFamily="18" charset="0"/>
-              </a:rPr>
-              <a:t>         /</a:t>
-            </a:r>
-            <a:r>
-              <a:rPr lang="en-US" sz="1600" b="1" dirty="0" err="1">
-                <a:latin typeface="Courier New" panose="02070309020205020404" pitchFamily="49" charset="0"/>
-                <a:ea typeface="Times New Roman" panose="02020603050405020304" pitchFamily="18" charset="0"/>
-                <a:cs typeface="Times New Roman" panose="02020603050405020304" pitchFamily="18" charset="0"/>
-              </a:rPr>
-              <a:t>ProductController.cs</a:t>
-            </a:r>
-            <a:endParaRPr lang="en-US" sz="1600" b="1" dirty="0">
-              <a:latin typeface="Courier New" panose="02070309020205020404" pitchFamily="49" charset="0"/>
-              <a:ea typeface="Times New Roman" panose="02020603050405020304" pitchFamily="18" charset="0"/>
-              <a:cs typeface="Times New Roman" panose="02020603050405020304" pitchFamily="18" charset="0"/>
-            </a:endParaRPr>
-          </a:p>
-          <a:p>
-            <a:pPr marL="347345" marR="0">
-              <a:spcBef>
-                <a:spcPts val="0"/>
-              </a:spcBef>
-              <a:spcAft>
-                <a:spcPts val="0"/>
-              </a:spcAft>
-              <a:tabLst>
-                <a:tab pos="1371600" algn="l"/>
-              </a:tabLst>
-            </a:pPr>
-            <a:r>
-              <a:rPr lang="en-US" sz="1600" b="1" dirty="0">
-                <a:latin typeface="Courier New" panose="02070309020205020404" pitchFamily="49" charset="0"/>
-                <a:ea typeface="Times New Roman" panose="02020603050405020304" pitchFamily="18" charset="0"/>
-                <a:cs typeface="Times New Roman" panose="02020603050405020304" pitchFamily="18" charset="0"/>
-              </a:rPr>
-              <a:t>    /Models</a:t>
-            </a:r>
-          </a:p>
-          <a:p>
-            <a:pPr marL="347345" marR="0">
-              <a:spcBef>
-                <a:spcPts val="0"/>
-              </a:spcBef>
-              <a:spcAft>
-                <a:spcPts val="0"/>
-              </a:spcAft>
-              <a:tabLst>
-                <a:tab pos="1371600" algn="l"/>
-              </a:tabLst>
-            </a:pPr>
-            <a:r>
-              <a:rPr lang="en-US" sz="1600" b="1" dirty="0">
-                <a:latin typeface="Courier New" panose="02070309020205020404" pitchFamily="49" charset="0"/>
-                <a:ea typeface="Times New Roman" panose="02020603050405020304" pitchFamily="18" charset="0"/>
-                <a:cs typeface="Times New Roman" panose="02020603050405020304" pitchFamily="18" charset="0"/>
-              </a:rPr>
-              <a:t>         /</a:t>
-            </a:r>
-            <a:r>
-              <a:rPr lang="en-US" sz="1600" b="1" dirty="0" err="1">
-                <a:latin typeface="Courier New" panose="02070309020205020404" pitchFamily="49" charset="0"/>
-                <a:ea typeface="Times New Roman" panose="02020603050405020304" pitchFamily="18" charset="0"/>
-                <a:cs typeface="Times New Roman" panose="02020603050405020304" pitchFamily="18" charset="0"/>
-              </a:rPr>
-              <a:t>Product.cs</a:t>
-            </a:r>
-            <a:endParaRPr lang="en-US" sz="1600" b="1" dirty="0">
-              <a:latin typeface="Courier New" panose="02070309020205020404" pitchFamily="49" charset="0"/>
-              <a:ea typeface="Times New Roman" panose="02020603050405020304" pitchFamily="18" charset="0"/>
-              <a:cs typeface="Times New Roman" panose="02020603050405020304" pitchFamily="18" charset="0"/>
-            </a:endParaRPr>
-          </a:p>
-          <a:p>
-            <a:pPr marL="347345" marR="0">
-              <a:spcBef>
-                <a:spcPts val="0"/>
-              </a:spcBef>
-              <a:spcAft>
-                <a:spcPts val="0"/>
-              </a:spcAft>
-              <a:tabLst>
-                <a:tab pos="1371600" algn="l"/>
-              </a:tabLst>
-            </a:pPr>
-            <a:r>
-              <a:rPr lang="en-US" sz="1600" b="1" dirty="0">
-                <a:latin typeface="Courier New" panose="02070309020205020404" pitchFamily="49" charset="0"/>
-                <a:ea typeface="Times New Roman" panose="02020603050405020304" pitchFamily="18" charset="0"/>
-                <a:cs typeface="Times New Roman" panose="02020603050405020304" pitchFamily="18" charset="0"/>
-              </a:rPr>
-              <a:t>         /</a:t>
-            </a:r>
-            <a:r>
-              <a:rPr lang="en-US" sz="1600" b="1" dirty="0" err="1">
-                <a:latin typeface="Courier New" panose="02070309020205020404" pitchFamily="49" charset="0"/>
-                <a:ea typeface="Times New Roman" panose="02020603050405020304" pitchFamily="18" charset="0"/>
-                <a:cs typeface="Times New Roman" panose="02020603050405020304" pitchFamily="18" charset="0"/>
-              </a:rPr>
-              <a:t>Category.cs</a:t>
-            </a:r>
-            <a:endParaRPr lang="en-US" sz="1600" b="1" dirty="0">
-              <a:latin typeface="Courier New" panose="02070309020205020404" pitchFamily="49" charset="0"/>
-              <a:ea typeface="Times New Roman" panose="02020603050405020304" pitchFamily="18" charset="0"/>
-              <a:cs typeface="Times New Roman" panose="02020603050405020304" pitchFamily="18" charset="0"/>
-            </a:endParaRPr>
-          </a:p>
-          <a:p>
-            <a:pPr marL="347345" marR="0">
-              <a:spcBef>
-                <a:spcPts val="0"/>
-              </a:spcBef>
-              <a:spcAft>
-                <a:spcPts val="0"/>
-              </a:spcAft>
-              <a:tabLst>
-                <a:tab pos="1371600" algn="l"/>
-              </a:tabLst>
-            </a:pPr>
-            <a:r>
-              <a:rPr lang="en-US" sz="1600" b="1" dirty="0">
-                <a:latin typeface="Courier New" panose="02070309020205020404" pitchFamily="49" charset="0"/>
-                <a:ea typeface="Times New Roman" panose="02020603050405020304" pitchFamily="18" charset="0"/>
-                <a:cs typeface="Times New Roman" panose="02020603050405020304" pitchFamily="18" charset="0"/>
-              </a:rPr>
-              <a:t>    /Views</a:t>
-            </a:r>
-          </a:p>
-          <a:p>
-            <a:pPr marL="347345" marR="0">
-              <a:spcBef>
-                <a:spcPts val="0"/>
-              </a:spcBef>
-              <a:spcAft>
-                <a:spcPts val="0"/>
-              </a:spcAft>
-              <a:tabLst>
-                <a:tab pos="1371600" algn="l"/>
-              </a:tabLst>
-            </a:pPr>
-            <a:r>
-              <a:rPr lang="en-US" sz="1600" b="1" dirty="0">
-                <a:latin typeface="Courier New" panose="02070309020205020404" pitchFamily="49" charset="0"/>
-                <a:ea typeface="Times New Roman" panose="02020603050405020304" pitchFamily="18" charset="0"/>
-                <a:cs typeface="Times New Roman" panose="02020603050405020304" pitchFamily="18" charset="0"/>
-              </a:rPr>
-              <a:t>        /Home</a:t>
-            </a:r>
-          </a:p>
-          <a:p>
-            <a:pPr marL="347345" marR="0">
-              <a:spcBef>
-                <a:spcPts val="0"/>
-              </a:spcBef>
-              <a:spcAft>
-                <a:spcPts val="0"/>
-              </a:spcAft>
-              <a:tabLst>
-                <a:tab pos="1371600" algn="l"/>
-              </a:tabLst>
-            </a:pPr>
-            <a:r>
-              <a:rPr lang="en-US" sz="1600" b="1" dirty="0">
-                <a:latin typeface="Courier New" panose="02070309020205020404" pitchFamily="49" charset="0"/>
-                <a:ea typeface="Times New Roman" panose="02020603050405020304" pitchFamily="18" charset="0"/>
-                <a:cs typeface="Times New Roman" panose="02020603050405020304" pitchFamily="18" charset="0"/>
-              </a:rPr>
-              <a:t>            /</a:t>
-            </a:r>
-            <a:r>
-              <a:rPr lang="en-US" sz="1600" b="1" dirty="0" err="1">
-                <a:latin typeface="Courier New" panose="02070309020205020404" pitchFamily="49" charset="0"/>
-                <a:ea typeface="Times New Roman" panose="02020603050405020304" pitchFamily="18" charset="0"/>
-                <a:cs typeface="Times New Roman" panose="02020603050405020304" pitchFamily="18" charset="0"/>
-              </a:rPr>
-              <a:t>Index.cshthml</a:t>
-            </a:r>
-            <a:endParaRPr lang="en-US" sz="1600" b="1" dirty="0">
-              <a:latin typeface="Courier New" panose="02070309020205020404" pitchFamily="49" charset="0"/>
-              <a:ea typeface="Times New Roman" panose="02020603050405020304" pitchFamily="18" charset="0"/>
-              <a:cs typeface="Times New Roman" panose="02020603050405020304" pitchFamily="18" charset="0"/>
-            </a:endParaRPr>
-          </a:p>
-          <a:p>
-            <a:pPr marL="347345" marR="0">
-              <a:spcBef>
-                <a:spcPts val="0"/>
-              </a:spcBef>
-              <a:spcAft>
-                <a:spcPts val="0"/>
-              </a:spcAft>
-              <a:tabLst>
-                <a:tab pos="1371600" algn="l"/>
-              </a:tabLst>
-            </a:pPr>
-            <a:r>
-              <a:rPr lang="en-US" sz="1600" b="1" dirty="0">
-                <a:latin typeface="Courier New" panose="02070309020205020404" pitchFamily="49" charset="0"/>
-                <a:ea typeface="Times New Roman" panose="02020603050405020304" pitchFamily="18" charset="0"/>
-                <a:cs typeface="Times New Roman" panose="02020603050405020304" pitchFamily="18" charset="0"/>
-              </a:rPr>
-              <a:t>            /</a:t>
-            </a:r>
-            <a:r>
-              <a:rPr lang="en-US" sz="1600" b="1" dirty="0" err="1">
-                <a:latin typeface="Courier New" panose="02070309020205020404" pitchFamily="49" charset="0"/>
-                <a:ea typeface="Times New Roman" panose="02020603050405020304" pitchFamily="18" charset="0"/>
-                <a:cs typeface="Times New Roman" panose="02020603050405020304" pitchFamily="18" charset="0"/>
-              </a:rPr>
-              <a:t>About.cshthml</a:t>
-            </a:r>
-            <a:endParaRPr lang="en-US" sz="1600" b="1" dirty="0">
-              <a:latin typeface="Courier New" panose="02070309020205020404" pitchFamily="49" charset="0"/>
-              <a:ea typeface="Times New Roman" panose="02020603050405020304" pitchFamily="18" charset="0"/>
-              <a:cs typeface="Times New Roman" panose="02020603050405020304" pitchFamily="18" charset="0"/>
-            </a:endParaRPr>
-          </a:p>
-          <a:p>
-            <a:pPr marL="347345" marR="0">
-              <a:spcBef>
-                <a:spcPts val="0"/>
-              </a:spcBef>
-              <a:spcAft>
-                <a:spcPts val="0"/>
-              </a:spcAft>
-              <a:tabLst>
-                <a:tab pos="1371600" algn="l"/>
-              </a:tabLst>
-            </a:pPr>
-            <a:r>
-              <a:rPr lang="en-US" sz="1600" b="1" dirty="0">
-                <a:latin typeface="Courier New" panose="02070309020205020404" pitchFamily="49" charset="0"/>
-                <a:ea typeface="Times New Roman" panose="02020603050405020304" pitchFamily="18" charset="0"/>
-                <a:cs typeface="Times New Roman" panose="02020603050405020304" pitchFamily="18" charset="0"/>
-              </a:rPr>
-              <a:t>        /Product</a:t>
-            </a:r>
-          </a:p>
-          <a:p>
-            <a:pPr marL="347345" marR="0">
-              <a:spcBef>
-                <a:spcPts val="0"/>
-              </a:spcBef>
-              <a:spcAft>
-                <a:spcPts val="0"/>
-              </a:spcAft>
-              <a:tabLst>
-                <a:tab pos="1371600" algn="l"/>
-              </a:tabLst>
-            </a:pPr>
-            <a:r>
-              <a:rPr lang="en-US" sz="1600" b="1" dirty="0">
-                <a:latin typeface="Courier New" panose="02070309020205020404" pitchFamily="49" charset="0"/>
-                <a:ea typeface="Times New Roman" panose="02020603050405020304" pitchFamily="18" charset="0"/>
-                <a:cs typeface="Times New Roman" panose="02020603050405020304" pitchFamily="18" charset="0"/>
-              </a:rPr>
-              <a:t>            /</a:t>
-            </a:r>
-            <a:r>
-              <a:rPr lang="en-US" sz="1600" b="1" dirty="0" err="1">
-                <a:latin typeface="Courier New" panose="02070309020205020404" pitchFamily="49" charset="0"/>
-                <a:ea typeface="Times New Roman" panose="02020603050405020304" pitchFamily="18" charset="0"/>
-                <a:cs typeface="Times New Roman" panose="02020603050405020304" pitchFamily="18" charset="0"/>
-              </a:rPr>
-              <a:t>List.cshthml</a:t>
-            </a:r>
-            <a:endParaRPr lang="en-US" sz="1600" b="1" dirty="0">
-              <a:latin typeface="Courier New" panose="02070309020205020404" pitchFamily="49" charset="0"/>
-              <a:ea typeface="Times New Roman" panose="02020603050405020304" pitchFamily="18" charset="0"/>
-              <a:cs typeface="Times New Roman" panose="02020603050405020304" pitchFamily="18" charset="0"/>
-            </a:endParaRPr>
-          </a:p>
-          <a:p>
-            <a:pPr marL="347345" marR="0">
-              <a:spcBef>
-                <a:spcPts val="0"/>
-              </a:spcBef>
-              <a:spcAft>
-                <a:spcPts val="0"/>
-              </a:spcAft>
-              <a:tabLst>
-                <a:tab pos="1371600" algn="l"/>
-              </a:tabLst>
-            </a:pPr>
-            <a:r>
-              <a:rPr lang="en-US" sz="1600" b="1" dirty="0">
-                <a:latin typeface="Courier New" panose="02070309020205020404" pitchFamily="49" charset="0"/>
-                <a:ea typeface="Times New Roman" panose="02020603050405020304" pitchFamily="18" charset="0"/>
-                <a:cs typeface="Times New Roman" panose="02020603050405020304" pitchFamily="18" charset="0"/>
-              </a:rPr>
-              <a:t>            /</a:t>
-            </a:r>
-            <a:r>
-              <a:rPr lang="en-US" sz="1600" b="1" dirty="0" err="1">
-                <a:latin typeface="Courier New" panose="02070309020205020404" pitchFamily="49" charset="0"/>
-                <a:ea typeface="Times New Roman" panose="02020603050405020304" pitchFamily="18" charset="0"/>
-                <a:cs typeface="Times New Roman" panose="02020603050405020304" pitchFamily="18" charset="0"/>
-              </a:rPr>
-              <a:t>Detail.cshthml</a:t>
-            </a:r>
-            <a:endParaRPr lang="en-US" sz="1600" b="1" dirty="0">
-              <a:latin typeface="Courier New" panose="02070309020205020404" pitchFamily="49" charset="0"/>
-              <a:ea typeface="Times New Roman" panose="02020603050405020304" pitchFamily="18" charset="0"/>
-              <a:cs typeface="Times New Roman" panose="02020603050405020304" pitchFamily="18" charset="0"/>
-            </a:endParaRPr>
-          </a:p>
-          <a:p>
-            <a:pPr marL="347345" marR="0">
-              <a:spcBef>
-                <a:spcPts val="0"/>
-              </a:spcBef>
-              <a:spcAft>
-                <a:spcPts val="0"/>
-              </a:spcAft>
-              <a:tabLst>
-                <a:tab pos="1371600" algn="l"/>
-              </a:tabLst>
-            </a:pPr>
-            <a:r>
-              <a:rPr lang="en-US" sz="1600" b="1" dirty="0">
-                <a:latin typeface="Courier New" panose="02070309020205020404" pitchFamily="49" charset="0"/>
-                <a:ea typeface="Times New Roman" panose="02020603050405020304" pitchFamily="18" charset="0"/>
-                <a:cs typeface="Times New Roman" panose="02020603050405020304" pitchFamily="18" charset="0"/>
-              </a:rPr>
-              <a:t>        /Shared</a:t>
-            </a:r>
-          </a:p>
-          <a:p>
-            <a:pPr marL="347345" marR="0">
-              <a:spcBef>
-                <a:spcPts val="0"/>
-              </a:spcBef>
-              <a:spcAft>
-                <a:spcPts val="0"/>
-              </a:spcAft>
-              <a:tabLst>
-                <a:tab pos="1371600" algn="l"/>
-              </a:tabLst>
-            </a:pPr>
-            <a:r>
-              <a:rPr lang="en-US" sz="1600" b="1" dirty="0">
-                <a:latin typeface="Courier New" panose="02070309020205020404" pitchFamily="49" charset="0"/>
-                <a:ea typeface="Times New Roman" panose="02020603050405020304" pitchFamily="18" charset="0"/>
-                <a:cs typeface="Times New Roman" panose="02020603050405020304" pitchFamily="18" charset="0"/>
-              </a:rPr>
-              <a:t>            /_</a:t>
-            </a:r>
-            <a:r>
-              <a:rPr lang="en-US" sz="1600" b="1" dirty="0" err="1">
-                <a:latin typeface="Courier New" panose="02070309020205020404" pitchFamily="49" charset="0"/>
-                <a:ea typeface="Times New Roman" panose="02020603050405020304" pitchFamily="18" charset="0"/>
-                <a:cs typeface="Times New Roman" panose="02020603050405020304" pitchFamily="18" charset="0"/>
-              </a:rPr>
-              <a:t>Layout.cshtml</a:t>
-            </a:r>
-            <a:endParaRPr lang="en-US" sz="1600" b="1" dirty="0">
-              <a:latin typeface="Courier New" panose="02070309020205020404" pitchFamily="49" charset="0"/>
-              <a:ea typeface="Times New Roman" panose="02020603050405020304" pitchFamily="18" charset="0"/>
-              <a:cs typeface="Times New Roman" panose="02020603050405020304" pitchFamily="18" charset="0"/>
-            </a:endParaRPr>
-          </a:p>
-          <a:p>
-            <a:pPr marL="347345" marR="0">
-              <a:spcBef>
-                <a:spcPts val="0"/>
-              </a:spcBef>
-              <a:spcAft>
-                <a:spcPts val="0"/>
-              </a:spcAft>
-              <a:tabLst>
-                <a:tab pos="1371600" algn="l"/>
-              </a:tabLst>
-            </a:pPr>
-            <a:r>
-              <a:rPr lang="en-US" sz="1600" b="1" dirty="0">
-                <a:latin typeface="Courier New" panose="02070309020205020404" pitchFamily="49" charset="0"/>
-                <a:ea typeface="Times New Roman" panose="02020603050405020304" pitchFamily="18" charset="0"/>
-                <a:cs typeface="Times New Roman" panose="02020603050405020304" pitchFamily="18" charset="0"/>
-              </a:rPr>
-              <a:t>        _</a:t>
-            </a:r>
-            <a:r>
-              <a:rPr lang="en-US" sz="1600" b="1" dirty="0" err="1">
-                <a:latin typeface="Courier New" panose="02070309020205020404" pitchFamily="49" charset="0"/>
-                <a:ea typeface="Times New Roman" panose="02020603050405020304" pitchFamily="18" charset="0"/>
-                <a:cs typeface="Times New Roman" panose="02020603050405020304" pitchFamily="18" charset="0"/>
-              </a:rPr>
-              <a:t>ViewImports.cshtml</a:t>
-            </a:r>
-            <a:endParaRPr lang="en-US" sz="1600" b="1" dirty="0">
-              <a:latin typeface="Courier New" panose="02070309020205020404" pitchFamily="49" charset="0"/>
-              <a:ea typeface="Times New Roman" panose="02020603050405020304" pitchFamily="18" charset="0"/>
-              <a:cs typeface="Times New Roman" panose="02020603050405020304" pitchFamily="18" charset="0"/>
-            </a:endParaRPr>
-          </a:p>
-          <a:p>
-            <a:pPr marL="347345" marR="0">
-              <a:spcBef>
-                <a:spcPts val="0"/>
-              </a:spcBef>
-              <a:spcAft>
-                <a:spcPts val="0"/>
-              </a:spcAft>
-              <a:tabLst>
-                <a:tab pos="1371600" algn="l"/>
-              </a:tabLst>
-            </a:pPr>
-            <a:r>
-              <a:rPr lang="en-US" sz="1600" b="1" dirty="0">
-                <a:latin typeface="Courier New" panose="02070309020205020404" pitchFamily="49" charset="0"/>
-                <a:ea typeface="Times New Roman" panose="02020603050405020304" pitchFamily="18" charset="0"/>
-                <a:cs typeface="Times New Roman" panose="02020603050405020304" pitchFamily="18" charset="0"/>
-              </a:rPr>
-              <a:t>        _</a:t>
-            </a:r>
-            <a:r>
-              <a:rPr lang="en-US" sz="1600" b="1" dirty="0" err="1">
-                <a:latin typeface="Courier New" panose="02070309020205020404" pitchFamily="49" charset="0"/>
-                <a:ea typeface="Times New Roman" panose="02020603050405020304" pitchFamily="18" charset="0"/>
-                <a:cs typeface="Times New Roman" panose="02020603050405020304" pitchFamily="18" charset="0"/>
-              </a:rPr>
-              <a:t>ViewStart.cshtml</a:t>
-            </a:r>
-            <a:endParaRPr lang="en-US" sz="1600" b="1" dirty="0">
-              <a:latin typeface="Courier New" panose="02070309020205020404" pitchFamily="49" charset="0"/>
-              <a:ea typeface="Times New Roman" panose="02020603050405020304" pitchFamily="18" charset="0"/>
-              <a:cs typeface="Times New Roman" panose="02020603050405020304" pitchFamily="18" charset="0"/>
-            </a:endParaRPr>
-          </a:p>
-          <a:p>
-            <a:pPr marL="347345" marR="0">
-              <a:spcBef>
-                <a:spcPts val="0"/>
-              </a:spcBef>
-              <a:spcAft>
-                <a:spcPts val="0"/>
-              </a:spcAft>
-              <a:tabLst>
-                <a:tab pos="1371600" algn="l"/>
-              </a:tabLst>
-            </a:pPr>
-            <a:r>
-              <a:rPr lang="en-US" sz="1600" b="1" dirty="0">
-                <a:latin typeface="Courier New" panose="02070309020205020404" pitchFamily="49" charset="0"/>
-                <a:ea typeface="Times New Roman" panose="02020603050405020304" pitchFamily="18" charset="0"/>
-                <a:cs typeface="Times New Roman" panose="02020603050405020304" pitchFamily="18" charset="0"/>
-              </a:rPr>
-              <a:t>    </a:t>
-            </a:r>
-            <a:r>
-              <a:rPr lang="en-US" sz="1600" b="1" dirty="0" err="1">
-                <a:latin typeface="Courier New" panose="02070309020205020404" pitchFamily="49" charset="0"/>
-                <a:ea typeface="Times New Roman" panose="02020603050405020304" pitchFamily="18" charset="0"/>
-                <a:cs typeface="Times New Roman" panose="02020603050405020304" pitchFamily="18" charset="0"/>
-              </a:rPr>
-              <a:t>Program.cs</a:t>
-            </a:r>
-            <a:endParaRPr lang="en-US" sz="1600" b="1" dirty="0">
-              <a:latin typeface="Courier New" panose="02070309020205020404" pitchFamily="49" charset="0"/>
-              <a:ea typeface="Times New Roman" panose="02020603050405020304" pitchFamily="18" charset="0"/>
-              <a:cs typeface="Times New Roman" panose="02020603050405020304" pitchFamily="18" charset="0"/>
-            </a:endParaRPr>
-          </a:p>
-          <a:p>
-            <a:pPr marL="347345" marR="0">
-              <a:spcBef>
-                <a:spcPts val="0"/>
-              </a:spcBef>
-              <a:spcAft>
-                <a:spcPts val="0"/>
-              </a:spcAft>
-              <a:tabLst>
-                <a:tab pos="1371600" algn="l"/>
-              </a:tabLst>
-            </a:pPr>
-            <a:r>
-              <a:rPr lang="en-US" sz="1600" b="1" dirty="0">
-                <a:latin typeface="Courier New" panose="02070309020205020404" pitchFamily="49" charset="0"/>
-                <a:ea typeface="Times New Roman" panose="02020603050405020304" pitchFamily="18" charset="0"/>
-                <a:cs typeface="Times New Roman" panose="02020603050405020304" pitchFamily="18" charset="0"/>
-              </a:rPr>
-              <a:t>    </a:t>
-            </a:r>
-            <a:r>
-              <a:rPr lang="en-US" sz="1600" b="1" dirty="0" err="1">
-                <a:latin typeface="Courier New" panose="02070309020205020404" pitchFamily="49" charset="0"/>
-                <a:ea typeface="Times New Roman" panose="02020603050405020304" pitchFamily="18" charset="0"/>
-                <a:cs typeface="Times New Roman" panose="02020603050405020304" pitchFamily="18" charset="0"/>
-              </a:rPr>
-              <a:t>Startup.cs</a:t>
-            </a:r>
-            <a:endParaRPr lang="en-US" sz="1600" b="1" dirty="0">
-              <a:latin typeface="Courier New" panose="02070309020205020404" pitchFamily="49" charset="0"/>
-              <a:ea typeface="Times New Roman" panose="02020603050405020304" pitchFamily="18" charset="0"/>
-              <a:cs typeface="Times New Roman" panose="02020603050405020304" pitchFamily="18" charset="0"/>
-            </a:endParaRPr>
-          </a:p>
-          <a:p>
-            <a:endParaRPr lang="en-US" sz="1600" dirty="0"/>
-          </a:p>
-        </p:txBody>
-      </p:sp>
-      <p:sp>
-        <p:nvSpPr>
-          <p:cNvPr id="4" name="Date Placeholder 3">
-            <a:extLst>
-              <a:ext uri="{FF2B5EF4-FFF2-40B4-BE49-F238E27FC236}">
-                <a16:creationId xmlns:a16="http://schemas.microsoft.com/office/drawing/2014/main" id="{6812C67B-BB68-4ACB-B4B6-38C68FC634BD}"/>
-              </a:ext>
-            </a:extLst>
-          </p:cNvPr>
-          <p:cNvSpPr>
-            <a:spLocks noGrp="1"/>
-          </p:cNvSpPr>
-          <p:nvPr>
-            <p:ph type="dt" sz="half" idx="10"/>
-          </p:nvPr>
-        </p:nvSpPr>
-        <p:spPr/>
-        <p:txBody>
-          <a:bodyPr/>
-          <a:lstStyle/>
-          <a:p>
-            <a:pPr>
-              <a:defRPr/>
-            </a:pPr>
-            <a:r>
-              <a:rPr lang="en-US"/>
-              <a:t>Murach's ASP.NET Core MVC</a:t>
-            </a:r>
-            <a:endParaRPr lang="en-US" dirty="0"/>
-          </a:p>
-        </p:txBody>
-      </p:sp>
-      <p:sp>
-        <p:nvSpPr>
-          <p:cNvPr id="5" name="Footer Placeholder 4">
-            <a:extLst>
-              <a:ext uri="{FF2B5EF4-FFF2-40B4-BE49-F238E27FC236}">
-                <a16:creationId xmlns:a16="http://schemas.microsoft.com/office/drawing/2014/main" id="{28784B55-09C5-45EF-A715-EAF6E3B6011D}"/>
-              </a:ext>
-            </a:extLst>
-          </p:cNvPr>
-          <p:cNvSpPr>
-            <a:spLocks noGrp="1"/>
-          </p:cNvSpPr>
-          <p:nvPr>
-            <p:ph type="ftr" sz="quarter" idx="11"/>
-          </p:nvPr>
-        </p:nvSpPr>
-        <p:spPr/>
-        <p:txBody>
-          <a:bodyPr/>
-          <a:lstStyle/>
-          <a:p>
-            <a:pPr>
-              <a:defRPr/>
-            </a:pPr>
-            <a:r>
-              <a:rPr lang="en-US"/>
-              <a:t>© 2020, Mike Murach &amp; Associates, Inc.</a:t>
-            </a:r>
-            <a:endParaRPr lang="en-US" dirty="0"/>
-          </a:p>
-        </p:txBody>
-      </p:sp>
-      <p:sp>
-        <p:nvSpPr>
-          <p:cNvPr id="6" name="Slide Number Placeholder 5">
-            <a:extLst>
-              <a:ext uri="{FF2B5EF4-FFF2-40B4-BE49-F238E27FC236}">
-                <a16:creationId xmlns:a16="http://schemas.microsoft.com/office/drawing/2014/main" id="{BD2F1A6B-AE64-4D32-BAF9-454789EA2BC8}"/>
-              </a:ext>
-            </a:extLst>
-          </p:cNvPr>
-          <p:cNvSpPr>
-            <a:spLocks noGrp="1"/>
-          </p:cNvSpPr>
-          <p:nvPr>
-            <p:ph type="sldNum" sz="quarter" idx="12"/>
-          </p:nvPr>
-        </p:nvSpPr>
-        <p:spPr/>
-        <p:txBody>
-          <a:bodyPr/>
-          <a:lstStyle/>
-          <a:p>
-            <a:pPr algn="l">
-              <a:defRPr/>
-            </a:pPr>
-            <a:endParaRPr lang="en-US" sz="1400">
-              <a:latin typeface="Times New Roman"/>
-            </a:endParaRPr>
-          </a:p>
-          <a:p>
-            <a:pPr>
-              <a:defRPr/>
-            </a:pPr>
-            <a:r>
-              <a:rPr lang="en-US">
-                <a:solidFill>
-                  <a:schemeClr val="bg1"/>
-                </a:solidFill>
-              </a:rPr>
-              <a:t>C6, Slide </a:t>
-            </a:r>
-            <a:fld id="{BF5C1183-B085-4070-A402-C03A3F977D3D}" type="slidenum">
-              <a:rPr lang="en-US" smtClean="0">
-                <a:solidFill>
-                  <a:schemeClr val="bg1"/>
-                </a:solidFill>
-              </a:rPr>
-              <a:pPr>
-                <a:defRPr/>
-              </a:pPr>
-              <a:t>12</a:t>
-            </a:fld>
-            <a:endParaRPr lang="en-US" dirty="0">
-              <a:solidFill>
-                <a:schemeClr val="bg1"/>
-              </a:solidFill>
-            </a:endParaRPr>
-          </a:p>
-        </p:txBody>
-      </p:sp>
-    </p:spTree>
-    <p:extLst>
-      <p:ext uri="{BB962C8B-B14F-4D97-AF65-F5344CB8AC3E}">
-        <p14:creationId xmlns:p14="http://schemas.microsoft.com/office/powerpoint/2010/main" val="1999417001"/>
-      </p:ext>
-    </p:extLst>
-  </p:cSld>
-  <p:clrMapOvr>
-    <a:masterClrMapping/>
-  </p:clrMapOvr>
-</p:sld>
-</file>
-
-<file path=ppt/slides/slide13.xml><?xml version="1.0" encoding="utf-8"?>
 <p:sld xmlns:a="http://schemas.openxmlformats.org/drawingml/2006/main" xmlns:r="http://schemas.openxmlformats.org/officeDocument/2006/relationships" xmlns:p="http://schemas.openxmlformats.org/presentationml/2006/main">
   <p:cSld>
     <p:spTree>
@@ -9179,7 +8373,7 @@
               <a:pPr>
                 <a:defRPr/>
               </a:pPr>
-              <a:t>13</a:t>
+              <a:t>12</a:t>
             </a:fld>
             <a:endParaRPr lang="en-US" dirty="0">
               <a:solidFill>
@@ -9202,7 +8396,7 @@
 </p:sld>
 </file>
 
-<file path=ppt/slides/slide14.xml><?xml version="1.0" encoding="utf-8"?>
+<file path=ppt/slides/slide13.xml><?xml version="1.0" encoding="utf-8"?>
 <p:sld xmlns:a="http://schemas.openxmlformats.org/drawingml/2006/main" xmlns:r="http://schemas.openxmlformats.org/officeDocument/2006/relationships" xmlns:p="http://schemas.openxmlformats.org/presentationml/2006/main">
   <p:cSld>
     <p:spTree>
@@ -9716,7 +8910,7 @@
               <a:pPr>
                 <a:defRPr/>
               </a:pPr>
-              <a:t>14</a:t>
+              <a:t>13</a:t>
             </a:fld>
             <a:endParaRPr lang="en-US" dirty="0">
               <a:solidFill>
@@ -9739,7 +8933,7 @@
 </p:sld>
 </file>
 
-<file path=ppt/slides/slide15.xml><?xml version="1.0" encoding="utf-8"?>
+<file path=ppt/slides/slide14.xml><?xml version="1.0" encoding="utf-8"?>
 <p:sld xmlns:a="http://schemas.openxmlformats.org/drawingml/2006/main" xmlns:r="http://schemas.openxmlformats.org/officeDocument/2006/relationships" xmlns:p="http://schemas.openxmlformats.org/presentationml/2006/main">
   <p:cSld>
     <p:spTree>
@@ -10373,7 +9567,7 @@
               <a:pPr>
                 <a:defRPr/>
               </a:pPr>
-              <a:t>15</a:t>
+              <a:t>14</a:t>
             </a:fld>
             <a:endParaRPr lang="en-US" dirty="0">
               <a:solidFill>
@@ -10396,7 +9590,7 @@
 </p:sld>
 </file>
 
-<file path=ppt/slides/slide16.xml><?xml version="1.0" encoding="utf-8"?>
+<file path=ppt/slides/slide15.xml><?xml version="1.0" encoding="utf-8"?>
 <p:sld xmlns:a="http://schemas.openxmlformats.org/drawingml/2006/main" xmlns:r="http://schemas.openxmlformats.org/officeDocument/2006/relationships" xmlns:p="http://schemas.openxmlformats.org/presentationml/2006/main">
   <p:cSld>
     <p:spTree>
@@ -10757,7 +9951,7 @@
               <a:pPr>
                 <a:defRPr/>
               </a:pPr>
-              <a:t>16</a:t>
+              <a:t>15</a:t>
             </a:fld>
             <a:endParaRPr lang="en-US" dirty="0">
               <a:solidFill>

--- a/CheatSheetCSharp/CheatSheetCSharp/wwwroot/references/routing.pptx
+++ b/CheatSheetCSharp/CheatSheetCSharp/wwwroot/references/routing.pptx
@@ -5,10 +5,10 @@
     <p:sldMasterId id="2147483669" r:id="rId1"/>
   </p:sldMasterIdLst>
   <p:notesMasterIdLst>
-    <p:notesMasterId r:id="rId17"/>
+    <p:notesMasterId r:id="rId15"/>
   </p:notesMasterIdLst>
   <p:handoutMasterIdLst>
-    <p:handoutMasterId r:id="rId18"/>
+    <p:handoutMasterId r:id="rId16"/>
   </p:handoutMasterIdLst>
   <p:sldIdLst>
     <p:sldId id="302" r:id="rId2"/>
@@ -23,9 +23,7 @@
     <p:sldId id="291" r:id="rId11"/>
     <p:sldId id="294" r:id="rId12"/>
     <p:sldId id="296" r:id="rId13"/>
-    <p:sldId id="297" r:id="rId14"/>
-    <p:sldId id="298" r:id="rId15"/>
-    <p:sldId id="299" r:id="rId16"/>
+    <p:sldId id="298" r:id="rId14"/>
   </p:sldIdLst>
   <p:sldSz cx="9144000" cy="6858000" type="screen4x3"/>
   <p:notesSz cx="7010400" cy="9296400"/>
@@ -344,7 +342,7 @@
               <a:pPr>
                 <a:defRPr/>
               </a:pPr>
-              <a:t>10/19/2021</a:t>
+              <a:t>10/20/2021</a:t>
             </a:fld>
             <a:endParaRPr lang="en-US"/>
           </a:p>
@@ -8262,124 +8260,640 @@
       </p:sp>
       <p:sp>
         <p:nvSpPr>
-          <p:cNvPr id="4" name="Date Placeholder 3">
+          <p:cNvPr id="7" name="Title 1">
             <a:extLst>
               <a:ext uri="{FF2B5EF4-FFF2-40B4-BE49-F238E27FC236}">
-                <a16:creationId xmlns:a16="http://schemas.microsoft.com/office/drawing/2014/main" id="{B95F913C-6512-4E80-B824-B4DCA6C493A6}"/>
+                <a16:creationId xmlns:a16="http://schemas.microsoft.com/office/drawing/2014/main" id="{C50C06C0-80A6-47FE-AC58-CD2634A76921}"/>
               </a:ext>
             </a:extLst>
           </p:cNvPr>
-          <p:cNvSpPr>
-            <a:spLocks noGrp="1"/>
+          <p:cNvSpPr txBox="1">
+            <a:spLocks/>
           </p:cNvSpPr>
-          <p:nvPr>
-            <p:ph type="dt" sz="half" idx="10"/>
-          </p:nvPr>
+          <p:nvPr/>
         </p:nvSpPr>
-        <p:spPr/>
+        <p:spPr bwMode="auto">
+          <a:xfrm>
+            <a:off x="914400" y="3596789"/>
+            <a:ext cx="7315200" cy="369332"/>
+          </a:xfrm>
+          <a:prstGeom prst="rect">
+            <a:avLst/>
+          </a:prstGeom>
+          <a:noFill/>
+          <a:ln>
+            <a:noFill/>
+          </a:ln>
+          <a:extLst>
+            <a:ext uri="{909E8E84-426E-40DD-AFC4-6F175D3DCCD1}">
+              <a14:hiddenFill xmlns:a14="http://schemas.microsoft.com/office/drawing/2010/main">
+                <a:solidFill>
+                  <a:srgbClr val="FFFFFF"/>
+                </a:solidFill>
+              </a14:hiddenFill>
+            </a:ext>
+            <a:ext uri="{91240B29-F687-4F45-9708-019B960494DF}">
+              <a14:hiddenLine xmlns:a14="http://schemas.microsoft.com/office/drawing/2010/main" w="9525">
+                <a:solidFill>
+                  <a:srgbClr val="000000"/>
+                </a:solidFill>
+                <a:miter lim="800000"/>
+                <a:headEnd/>
+                <a:tailEnd/>
+              </a14:hiddenLine>
+            </a:ext>
+          </a:extLst>
+        </p:spPr>
         <p:txBody>
-          <a:bodyPr/>
-          <a:lstStyle/>
-          <a:p>
-            <a:pPr>
-              <a:defRPr/>
-            </a:pPr>
-            <a:r>
-              <a:rPr lang="en-US"/>
-              <a:t>Murach's ASP.NET Core MVC</a:t>
-            </a:r>
-            <a:endParaRPr lang="en-US" dirty="0"/>
+          <a:bodyPr vert="horz" wrap="square" lIns="0" tIns="0" rIns="0" bIns="0" numCol="1" anchor="ctr" anchorCtr="0" compatLnSpc="1">
+            <a:prstTxWarp prst="textNoShape">
+              <a:avLst/>
+            </a:prstTxWarp>
+            <a:spAutoFit/>
+          </a:bodyPr>
+          <a:lstStyle>
+            <a:lvl1pPr algn="l" rtl="0" eaLnBrk="1" fontAlgn="base" hangingPunct="1">
+              <a:spcBef>
+                <a:spcPct val="0"/>
+              </a:spcBef>
+              <a:spcAft>
+                <a:spcPct val="0"/>
+              </a:spcAft>
+              <a:defRPr sz="2400" b="1" i="0" baseline="0">
+                <a:solidFill>
+                  <a:srgbClr val="000099"/>
+                </a:solidFill>
+                <a:latin typeface="+mj-lt"/>
+                <a:ea typeface="+mj-ea"/>
+                <a:cs typeface="+mj-cs"/>
+              </a:defRPr>
+            </a:lvl1pPr>
+            <a:lvl2pPr algn="ctr" rtl="0" eaLnBrk="1" fontAlgn="base" hangingPunct="1">
+              <a:spcBef>
+                <a:spcPct val="0"/>
+              </a:spcBef>
+              <a:spcAft>
+                <a:spcPct val="0"/>
+              </a:spcAft>
+              <a:defRPr sz="4400">
+                <a:solidFill>
+                  <a:schemeClr val="tx2"/>
+                </a:solidFill>
+                <a:latin typeface="Arial" charset="0"/>
+              </a:defRPr>
+            </a:lvl2pPr>
+            <a:lvl3pPr algn="ctr" rtl="0" eaLnBrk="1" fontAlgn="base" hangingPunct="1">
+              <a:spcBef>
+                <a:spcPct val="0"/>
+              </a:spcBef>
+              <a:spcAft>
+                <a:spcPct val="0"/>
+              </a:spcAft>
+              <a:defRPr sz="4400">
+                <a:solidFill>
+                  <a:schemeClr val="tx2"/>
+                </a:solidFill>
+                <a:latin typeface="Arial" charset="0"/>
+              </a:defRPr>
+            </a:lvl3pPr>
+            <a:lvl4pPr algn="ctr" rtl="0" eaLnBrk="1" fontAlgn="base" hangingPunct="1">
+              <a:spcBef>
+                <a:spcPct val="0"/>
+              </a:spcBef>
+              <a:spcAft>
+                <a:spcPct val="0"/>
+              </a:spcAft>
+              <a:defRPr sz="4400">
+                <a:solidFill>
+                  <a:schemeClr val="tx2"/>
+                </a:solidFill>
+                <a:latin typeface="Arial" charset="0"/>
+              </a:defRPr>
+            </a:lvl4pPr>
+            <a:lvl5pPr algn="ctr" rtl="0" eaLnBrk="1" fontAlgn="base" hangingPunct="1">
+              <a:spcBef>
+                <a:spcPct val="0"/>
+              </a:spcBef>
+              <a:spcAft>
+                <a:spcPct val="0"/>
+              </a:spcAft>
+              <a:defRPr sz="4400">
+                <a:solidFill>
+                  <a:schemeClr val="tx2"/>
+                </a:solidFill>
+                <a:latin typeface="Arial" charset="0"/>
+              </a:defRPr>
+            </a:lvl5pPr>
+            <a:lvl6pPr marL="457200" algn="ctr" rtl="0" eaLnBrk="1" fontAlgn="base" hangingPunct="1">
+              <a:spcBef>
+                <a:spcPct val="0"/>
+              </a:spcBef>
+              <a:spcAft>
+                <a:spcPct val="0"/>
+              </a:spcAft>
+              <a:defRPr sz="4400">
+                <a:solidFill>
+                  <a:schemeClr val="tx2"/>
+                </a:solidFill>
+                <a:latin typeface="Times New Roman" pitchFamily="18" charset="0"/>
+              </a:defRPr>
+            </a:lvl6pPr>
+            <a:lvl7pPr marL="914400" algn="ctr" rtl="0" eaLnBrk="1" fontAlgn="base" hangingPunct="1">
+              <a:spcBef>
+                <a:spcPct val="0"/>
+              </a:spcBef>
+              <a:spcAft>
+                <a:spcPct val="0"/>
+              </a:spcAft>
+              <a:defRPr sz="4400">
+                <a:solidFill>
+                  <a:schemeClr val="tx2"/>
+                </a:solidFill>
+                <a:latin typeface="Times New Roman" pitchFamily="18" charset="0"/>
+              </a:defRPr>
+            </a:lvl7pPr>
+            <a:lvl8pPr marL="1371600" algn="ctr" rtl="0" eaLnBrk="1" fontAlgn="base" hangingPunct="1">
+              <a:spcBef>
+                <a:spcPct val="0"/>
+              </a:spcBef>
+              <a:spcAft>
+                <a:spcPct val="0"/>
+              </a:spcAft>
+              <a:defRPr sz="4400">
+                <a:solidFill>
+                  <a:schemeClr val="tx2"/>
+                </a:solidFill>
+                <a:latin typeface="Times New Roman" pitchFamily="18" charset="0"/>
+              </a:defRPr>
+            </a:lvl8pPr>
+            <a:lvl9pPr marL="1828800" algn="ctr" rtl="0" eaLnBrk="1" fontAlgn="base" hangingPunct="1">
+              <a:spcBef>
+                <a:spcPct val="0"/>
+              </a:spcBef>
+              <a:spcAft>
+                <a:spcPct val="0"/>
+              </a:spcAft>
+              <a:defRPr sz="4400">
+                <a:solidFill>
+                  <a:schemeClr val="tx2"/>
+                </a:solidFill>
+                <a:latin typeface="Times New Roman" pitchFamily="18" charset="0"/>
+              </a:defRPr>
+            </a:lvl9pPr>
+          </a:lstStyle>
+          <a:p>
+            <a:r>
+              <a:rPr lang="en-US" kern="0"/>
+              <a:t>The Home controller for the Admin area</a:t>
+            </a:r>
+            <a:endParaRPr lang="en-US" kern="0" dirty="0"/>
           </a:p>
         </p:txBody>
       </p:sp>
       <p:sp>
         <p:nvSpPr>
-          <p:cNvPr id="5" name="Footer Placeholder 4">
+          <p:cNvPr id="8" name="Text Placeholder 2">
             <a:extLst>
               <a:ext uri="{FF2B5EF4-FFF2-40B4-BE49-F238E27FC236}">
-                <a16:creationId xmlns:a16="http://schemas.microsoft.com/office/drawing/2014/main" id="{9734DD9E-CA3C-4933-803C-4E22D593DF97}"/>
+                <a16:creationId xmlns:a16="http://schemas.microsoft.com/office/drawing/2014/main" id="{4939952B-CB74-4973-A4C8-824F244DC6AE}"/>
               </a:ext>
             </a:extLst>
           </p:cNvPr>
-          <p:cNvSpPr>
-            <a:spLocks noGrp="1"/>
+          <p:cNvSpPr txBox="1">
+            <a:spLocks/>
           </p:cNvSpPr>
-          <p:nvPr>
-            <p:ph type="ftr" sz="quarter" idx="11"/>
-          </p:nvPr>
+          <p:nvPr/>
         </p:nvSpPr>
-        <p:spPr/>
+        <p:spPr bwMode="auto">
+          <a:xfrm>
+            <a:off x="838200" y="4038600"/>
+            <a:ext cx="7391400" cy="2667000"/>
+          </a:xfrm>
+          <a:prstGeom prst="rect">
+            <a:avLst/>
+          </a:prstGeom>
+          <a:solidFill>
+            <a:schemeClr val="bg1"/>
+          </a:solidFill>
+          <a:ln>
+            <a:noFill/>
+          </a:ln>
+        </p:spPr>
         <p:txBody>
-          <a:bodyPr/>
-          <a:lstStyle/>
-          <a:p>
-            <a:pPr>
-              <a:defRPr/>
-            </a:pPr>
-            <a:r>
-              <a:rPr lang="en-US"/>
-              <a:t>© 2020, Mike Murach &amp; Associates, Inc.</a:t>
-            </a:r>
-            <a:endParaRPr lang="en-US" dirty="0"/>
-          </a:p>
-        </p:txBody>
-      </p:sp>
-      <p:sp>
-        <p:nvSpPr>
-          <p:cNvPr id="6" name="Slide Number Placeholder 5">
-            <a:extLst>
-              <a:ext uri="{FF2B5EF4-FFF2-40B4-BE49-F238E27FC236}">
-                <a16:creationId xmlns:a16="http://schemas.microsoft.com/office/drawing/2014/main" id="{ECB0F7C4-E0FE-4044-A506-5BA741F3AF4A}"/>
-              </a:ext>
-            </a:extLst>
-          </p:cNvPr>
-          <p:cNvSpPr>
-            <a:spLocks noGrp="1"/>
-          </p:cNvSpPr>
-          <p:nvPr>
-            <p:ph type="sldNum" sz="quarter" idx="12"/>
-          </p:nvPr>
-        </p:nvSpPr>
-        <p:spPr/>
-        <p:txBody>
-          <a:bodyPr/>
-          <a:lstStyle/>
-          <a:p>
-            <a:pPr algn="l">
-              <a:defRPr/>
-            </a:pPr>
-            <a:endParaRPr lang="en-US" sz="1400">
-              <a:latin typeface="Times New Roman"/>
+          <a:bodyPr vert="horz" wrap="square" lIns="91440" tIns="45720" rIns="91440" bIns="45720" numCol="1" anchor="t" anchorCtr="0" compatLnSpc="1">
+            <a:prstTxWarp prst="textNoShape">
+              <a:avLst/>
+            </a:prstTxWarp>
+          </a:bodyPr>
+          <a:lstStyle>
+            <a:lvl1pPr marL="0" indent="0" algn="l" rtl="0" eaLnBrk="1" fontAlgn="base" hangingPunct="1">
+              <a:spcBef>
+                <a:spcPct val="20000"/>
+              </a:spcBef>
+              <a:spcAft>
+                <a:spcPct val="0"/>
+              </a:spcAft>
+              <a:buNone/>
+              <a:defRPr sz="2000">
+                <a:solidFill>
+                  <a:schemeClr val="tx1"/>
+                </a:solidFill>
+                <a:latin typeface="+mn-lt"/>
+                <a:ea typeface="+mn-ea"/>
+                <a:cs typeface="+mn-cs"/>
+              </a:defRPr>
+            </a:lvl1pPr>
+            <a:lvl2pPr marL="457200" indent="0" algn="l" rtl="0" eaLnBrk="1" fontAlgn="base" hangingPunct="1">
+              <a:spcBef>
+                <a:spcPct val="20000"/>
+              </a:spcBef>
+              <a:spcAft>
+                <a:spcPct val="0"/>
+              </a:spcAft>
+              <a:buNone/>
+              <a:defRPr sz="2800">
+                <a:solidFill>
+                  <a:schemeClr val="tx1"/>
+                </a:solidFill>
+                <a:latin typeface="+mn-lt"/>
+              </a:defRPr>
+            </a:lvl2pPr>
+            <a:lvl3pPr marL="914400" indent="0" algn="l" rtl="0" eaLnBrk="1" fontAlgn="base" hangingPunct="1">
+              <a:spcBef>
+                <a:spcPct val="20000"/>
+              </a:spcBef>
+              <a:spcAft>
+                <a:spcPct val="0"/>
+              </a:spcAft>
+              <a:buNone/>
+              <a:defRPr sz="2400">
+                <a:solidFill>
+                  <a:schemeClr val="tx1"/>
+                </a:solidFill>
+                <a:latin typeface="+mn-lt"/>
+              </a:defRPr>
+            </a:lvl3pPr>
+            <a:lvl4pPr marL="1371600" indent="0" algn="l" rtl="0" eaLnBrk="1" fontAlgn="base" hangingPunct="1">
+              <a:spcBef>
+                <a:spcPct val="20000"/>
+              </a:spcBef>
+              <a:spcAft>
+                <a:spcPct val="0"/>
+              </a:spcAft>
+              <a:buNone/>
+              <a:defRPr sz="2000">
+                <a:solidFill>
+                  <a:schemeClr val="tx1"/>
+                </a:solidFill>
+                <a:latin typeface="+mn-lt"/>
+              </a:defRPr>
+            </a:lvl4pPr>
+            <a:lvl5pPr marL="1828800" indent="0" algn="l" rtl="0" eaLnBrk="1" fontAlgn="base" hangingPunct="1">
+              <a:spcBef>
+                <a:spcPct val="20000"/>
+              </a:spcBef>
+              <a:spcAft>
+                <a:spcPct val="0"/>
+              </a:spcAft>
+              <a:buNone/>
+              <a:defRPr sz="2000">
+                <a:solidFill>
+                  <a:schemeClr val="tx1"/>
+                </a:solidFill>
+                <a:latin typeface="+mn-lt"/>
+              </a:defRPr>
+            </a:lvl5pPr>
+            <a:lvl6pPr marL="2514600" indent="-228600" algn="l" rtl="0" eaLnBrk="1" fontAlgn="base" hangingPunct="1">
+              <a:spcBef>
+                <a:spcPct val="20000"/>
+              </a:spcBef>
+              <a:spcAft>
+                <a:spcPct val="0"/>
+              </a:spcAft>
+              <a:buChar char="»"/>
+              <a:defRPr sz="2000">
+                <a:solidFill>
+                  <a:schemeClr val="tx1"/>
+                </a:solidFill>
+                <a:latin typeface="+mn-lt"/>
+              </a:defRPr>
+            </a:lvl6pPr>
+            <a:lvl7pPr marL="2971800" indent="-228600" algn="l" rtl="0" eaLnBrk="1" fontAlgn="base" hangingPunct="1">
+              <a:spcBef>
+                <a:spcPct val="20000"/>
+              </a:spcBef>
+              <a:spcAft>
+                <a:spcPct val="0"/>
+              </a:spcAft>
+              <a:buChar char="»"/>
+              <a:defRPr sz="2000">
+                <a:solidFill>
+                  <a:schemeClr val="tx1"/>
+                </a:solidFill>
+                <a:latin typeface="+mn-lt"/>
+              </a:defRPr>
+            </a:lvl7pPr>
+            <a:lvl8pPr marL="3429000" indent="-228600" algn="l" rtl="0" eaLnBrk="1" fontAlgn="base" hangingPunct="1">
+              <a:spcBef>
+                <a:spcPct val="20000"/>
+              </a:spcBef>
+              <a:spcAft>
+                <a:spcPct val="0"/>
+              </a:spcAft>
+              <a:buChar char="»"/>
+              <a:defRPr sz="2000">
+                <a:solidFill>
+                  <a:schemeClr val="tx1"/>
+                </a:solidFill>
+                <a:latin typeface="+mn-lt"/>
+              </a:defRPr>
+            </a:lvl8pPr>
+            <a:lvl9pPr marL="3886200" indent="-228600" algn="l" rtl="0" eaLnBrk="1" fontAlgn="base" hangingPunct="1">
+              <a:spcBef>
+                <a:spcPct val="20000"/>
+              </a:spcBef>
+              <a:spcAft>
+                <a:spcPct val="0"/>
+              </a:spcAft>
+              <a:buChar char="»"/>
+              <a:defRPr sz="2000">
+                <a:solidFill>
+                  <a:schemeClr val="tx1"/>
+                </a:solidFill>
+                <a:latin typeface="+mn-lt"/>
+              </a:defRPr>
+            </a:lvl9pPr>
+          </a:lstStyle>
+          <a:p>
+            <a:pPr marL="347345">
+              <a:spcBef>
+                <a:spcPts val="0"/>
+              </a:spcBef>
+              <a:spcAft>
+                <a:spcPts val="0"/>
+              </a:spcAft>
+              <a:tabLst>
+                <a:tab pos="1371600" algn="l"/>
+              </a:tabLst>
+            </a:pPr>
+            <a:r>
+              <a:rPr lang="en-US" sz="1400" b="1" kern="0">
+                <a:latin typeface="Courier New" panose="02070309020205020404" pitchFamily="49" charset="0"/>
+                <a:ea typeface="Times New Roman" panose="02020603050405020304" pitchFamily="18" charset="0"/>
+                <a:cs typeface="Times New Roman" panose="02020603050405020304" pitchFamily="18" charset="0"/>
+              </a:rPr>
+              <a:t>namespace GuitarShop.Areas.Admin.Controllers</a:t>
+            </a:r>
+          </a:p>
+          <a:p>
+            <a:pPr marL="347345">
+              <a:spcBef>
+                <a:spcPts val="0"/>
+              </a:spcBef>
+              <a:spcAft>
+                <a:spcPts val="0"/>
+              </a:spcAft>
+              <a:tabLst>
+                <a:tab pos="1371600" algn="l"/>
+              </a:tabLst>
+            </a:pPr>
+            <a:r>
+              <a:rPr lang="en-US" sz="1400" b="1" kern="0">
+                <a:latin typeface="Courier New" panose="02070309020205020404" pitchFamily="49" charset="0"/>
+                <a:ea typeface="Times New Roman" panose="02020603050405020304" pitchFamily="18" charset="0"/>
+                <a:cs typeface="Times New Roman" panose="02020603050405020304" pitchFamily="18" charset="0"/>
+              </a:rPr>
+              <a:t>{</a:t>
+            </a:r>
+          </a:p>
+          <a:p>
+            <a:pPr marL="347345">
+              <a:spcBef>
+                <a:spcPts val="0"/>
+              </a:spcBef>
+              <a:spcAft>
+                <a:spcPts val="0"/>
+              </a:spcAft>
+              <a:tabLst>
+                <a:tab pos="1371600" algn="l"/>
+              </a:tabLst>
+            </a:pPr>
+            <a:r>
+              <a:rPr lang="en-US" sz="1400" b="1" kern="0">
+                <a:latin typeface="Courier New" panose="02070309020205020404" pitchFamily="49" charset="0"/>
+                <a:ea typeface="Times New Roman" panose="02020603050405020304" pitchFamily="18" charset="0"/>
+                <a:cs typeface="Times New Roman" panose="02020603050405020304" pitchFamily="18" charset="0"/>
+              </a:rPr>
+              <a:t>    </a:t>
+            </a:r>
+            <a:r>
+              <a:rPr lang="en-US" sz="1400" b="1" kern="0">
+                <a:highlight>
+                  <a:srgbClr val="FFFF00"/>
+                </a:highlight>
+                <a:latin typeface="Courier New" panose="02070309020205020404" pitchFamily="49" charset="0"/>
+                <a:ea typeface="Times New Roman" panose="02020603050405020304" pitchFamily="18" charset="0"/>
+                <a:cs typeface="Times New Roman" panose="02020603050405020304" pitchFamily="18" charset="0"/>
+              </a:rPr>
+              <a:t>[Area("Admin")]</a:t>
+            </a:r>
+            <a:endParaRPr lang="en-US" sz="1400" b="1" kern="0">
+              <a:latin typeface="Courier New" panose="02070309020205020404" pitchFamily="49" charset="0"/>
+              <a:ea typeface="Times New Roman" panose="02020603050405020304" pitchFamily="18" charset="0"/>
+              <a:cs typeface="Times New Roman" panose="02020603050405020304" pitchFamily="18" charset="0"/>
             </a:endParaRPr>
           </a:p>
           <a:p>
-            <a:pPr>
-              <a:defRPr/>
-            </a:pPr>
-            <a:r>
-              <a:rPr lang="en-US">
-                <a:solidFill>
-                  <a:schemeClr val="bg1"/>
-                </a:solidFill>
-              </a:rPr>
-              <a:t>C6, Slide </a:t>
-            </a:r>
-            <a:fld id="{BF5C1183-B085-4070-A402-C03A3F977D3D}" type="slidenum">
-              <a:rPr lang="en-US" smtClean="0">
-                <a:solidFill>
-                  <a:schemeClr val="bg1"/>
-                </a:solidFill>
-              </a:rPr>
-              <a:pPr>
-                <a:defRPr/>
-              </a:pPr>
-              <a:t>12</a:t>
-            </a:fld>
-            <a:endParaRPr lang="en-US" dirty="0">
-              <a:solidFill>
-                <a:schemeClr val="bg1"/>
-              </a:solidFill>
-            </a:endParaRPr>
+            <a:pPr marL="347345">
+              <a:spcBef>
+                <a:spcPts val="0"/>
+              </a:spcBef>
+              <a:spcAft>
+                <a:spcPts val="0"/>
+              </a:spcAft>
+              <a:tabLst>
+                <a:tab pos="1371600" algn="l"/>
+              </a:tabLst>
+            </a:pPr>
+            <a:r>
+              <a:rPr lang="en-US" sz="1400" b="1" kern="0">
+                <a:latin typeface="Courier New" panose="02070309020205020404" pitchFamily="49" charset="0"/>
+                <a:ea typeface="Times New Roman" panose="02020603050405020304" pitchFamily="18" charset="0"/>
+                <a:cs typeface="Times New Roman" panose="02020603050405020304" pitchFamily="18" charset="0"/>
+              </a:rPr>
+              <a:t>    public class HomeController : Controller</a:t>
+            </a:r>
+          </a:p>
+          <a:p>
+            <a:pPr marL="347345">
+              <a:spcBef>
+                <a:spcPts val="0"/>
+              </a:spcBef>
+              <a:spcAft>
+                <a:spcPts val="0"/>
+              </a:spcAft>
+              <a:tabLst>
+                <a:tab pos="1371600" algn="l"/>
+              </a:tabLst>
+            </a:pPr>
+            <a:r>
+              <a:rPr lang="en-US" sz="1400" b="1" kern="0">
+                <a:latin typeface="Courier New" panose="02070309020205020404" pitchFamily="49" charset="0"/>
+                <a:ea typeface="Times New Roman" panose="02020603050405020304" pitchFamily="18" charset="0"/>
+                <a:cs typeface="Times New Roman" panose="02020603050405020304" pitchFamily="18" charset="0"/>
+              </a:rPr>
+              <a:t>    {</a:t>
+            </a:r>
+          </a:p>
+          <a:p>
+            <a:pPr marL="347345">
+              <a:spcBef>
+                <a:spcPts val="0"/>
+              </a:spcBef>
+              <a:spcAft>
+                <a:spcPts val="0"/>
+              </a:spcAft>
+              <a:tabLst>
+                <a:tab pos="1371600" algn="l"/>
+              </a:tabLst>
+            </a:pPr>
+            <a:r>
+              <a:rPr lang="en-US" sz="1400" b="1" kern="0">
+                <a:latin typeface="Courier New" panose="02070309020205020404" pitchFamily="49" charset="0"/>
+                <a:ea typeface="Times New Roman" panose="02020603050405020304" pitchFamily="18" charset="0"/>
+                <a:cs typeface="Times New Roman" panose="02020603050405020304" pitchFamily="18" charset="0"/>
+              </a:rPr>
+              <a:t>        public IActionResult Index()</a:t>
+            </a:r>
+          </a:p>
+          <a:p>
+            <a:pPr marL="347345">
+              <a:spcBef>
+                <a:spcPts val="0"/>
+              </a:spcBef>
+              <a:spcAft>
+                <a:spcPts val="0"/>
+              </a:spcAft>
+              <a:tabLst>
+                <a:tab pos="1371600" algn="l"/>
+              </a:tabLst>
+            </a:pPr>
+            <a:r>
+              <a:rPr lang="en-US" sz="1400" b="1" kern="0">
+                <a:latin typeface="Courier New" panose="02070309020205020404" pitchFamily="49" charset="0"/>
+                <a:ea typeface="Times New Roman" panose="02020603050405020304" pitchFamily="18" charset="0"/>
+                <a:cs typeface="Times New Roman" panose="02020603050405020304" pitchFamily="18" charset="0"/>
+              </a:rPr>
+              <a:t>        {</a:t>
+            </a:r>
+          </a:p>
+          <a:p>
+            <a:pPr marL="347345">
+              <a:spcBef>
+                <a:spcPts val="0"/>
+              </a:spcBef>
+              <a:spcAft>
+                <a:spcPts val="0"/>
+              </a:spcAft>
+              <a:tabLst>
+                <a:tab pos="1371600" algn="l"/>
+              </a:tabLst>
+            </a:pPr>
+            <a:r>
+              <a:rPr lang="en-US" sz="1400" b="1" kern="0">
+                <a:latin typeface="Courier New" panose="02070309020205020404" pitchFamily="49" charset="0"/>
+                <a:ea typeface="Times New Roman" panose="02020603050405020304" pitchFamily="18" charset="0"/>
+                <a:cs typeface="Times New Roman" panose="02020603050405020304" pitchFamily="18" charset="0"/>
+              </a:rPr>
+              <a:t>            return View();  // maps to /Areas/Admin/Views/Home/</a:t>
+            </a:r>
+          </a:p>
+          <a:p>
+            <a:pPr marL="347345">
+              <a:spcBef>
+                <a:spcPts val="0"/>
+              </a:spcBef>
+              <a:spcAft>
+                <a:spcPts val="0"/>
+              </a:spcAft>
+              <a:tabLst>
+                <a:tab pos="1371600" algn="l"/>
+              </a:tabLst>
+            </a:pPr>
+            <a:r>
+              <a:rPr lang="en-US" sz="1400" b="1" kern="0">
+                <a:latin typeface="Courier New" panose="02070309020205020404" pitchFamily="49" charset="0"/>
+                <a:ea typeface="Times New Roman" panose="02020603050405020304" pitchFamily="18" charset="0"/>
+                <a:cs typeface="Times New Roman" panose="02020603050405020304" pitchFamily="18" charset="0"/>
+              </a:rPr>
+              <a:t>                            // Index.cshtml</a:t>
+            </a:r>
+          </a:p>
+          <a:p>
+            <a:pPr marL="347345">
+              <a:spcBef>
+                <a:spcPts val="0"/>
+              </a:spcBef>
+              <a:spcAft>
+                <a:spcPts val="0"/>
+              </a:spcAft>
+              <a:tabLst>
+                <a:tab pos="1371600" algn="l"/>
+              </a:tabLst>
+            </a:pPr>
+            <a:r>
+              <a:rPr lang="en-US" sz="1400" b="1" kern="0">
+                <a:latin typeface="Courier New" panose="02070309020205020404" pitchFamily="49" charset="0"/>
+                <a:ea typeface="Times New Roman" panose="02020603050405020304" pitchFamily="18" charset="0"/>
+                <a:cs typeface="Times New Roman" panose="02020603050405020304" pitchFamily="18" charset="0"/>
+              </a:rPr>
+              <a:t>        }</a:t>
+            </a:r>
+          </a:p>
+          <a:p>
+            <a:pPr marL="347345">
+              <a:spcBef>
+                <a:spcPts val="0"/>
+              </a:spcBef>
+              <a:spcAft>
+                <a:spcPts val="0"/>
+              </a:spcAft>
+              <a:tabLst>
+                <a:tab pos="1371600" algn="l"/>
+              </a:tabLst>
+            </a:pPr>
+            <a:r>
+              <a:rPr lang="en-US" sz="1400" b="1" kern="0">
+                <a:latin typeface="Courier New" panose="02070309020205020404" pitchFamily="49" charset="0"/>
+                <a:ea typeface="Times New Roman" panose="02020603050405020304" pitchFamily="18" charset="0"/>
+                <a:cs typeface="Times New Roman" panose="02020603050405020304" pitchFamily="18" charset="0"/>
+              </a:rPr>
+              <a:t>    }</a:t>
+            </a:r>
+          </a:p>
+          <a:p>
+            <a:pPr marL="347345">
+              <a:spcBef>
+                <a:spcPts val="0"/>
+              </a:spcBef>
+              <a:spcAft>
+                <a:spcPts val="0"/>
+              </a:spcAft>
+              <a:tabLst>
+                <a:tab pos="1371600" algn="l"/>
+              </a:tabLst>
+            </a:pPr>
+            <a:r>
+              <a:rPr lang="en-US" sz="1400" b="1" kern="0">
+                <a:latin typeface="Courier New" panose="02070309020205020404" pitchFamily="49" charset="0"/>
+                <a:ea typeface="Times New Roman" panose="02020603050405020304" pitchFamily="18" charset="0"/>
+                <a:cs typeface="Times New Roman" panose="02020603050405020304" pitchFamily="18" charset="0"/>
+              </a:rPr>
+              <a:t>}</a:t>
+            </a:r>
+          </a:p>
+          <a:p>
+            <a:endParaRPr lang="en-US" sz="1400" kern="0" dirty="0"/>
           </a:p>
         </p:txBody>
       </p:sp>
@@ -8397,543 +8911,6 @@
 </file>
 
 <file path=ppt/slides/slide13.xml><?xml version="1.0" encoding="utf-8"?>
-<p:sld xmlns:a="http://schemas.openxmlformats.org/drawingml/2006/main" xmlns:r="http://schemas.openxmlformats.org/officeDocument/2006/relationships" xmlns:p="http://schemas.openxmlformats.org/presentationml/2006/main">
-  <p:cSld>
-    <p:spTree>
-      <p:nvGrpSpPr>
-        <p:cNvPr id="1" name=""/>
-        <p:cNvGrpSpPr/>
-        <p:nvPr/>
-      </p:nvGrpSpPr>
-      <p:grpSpPr>
-        <a:xfrm>
-          <a:off x="0" y="0"/>
-          <a:ext cx="0" cy="0"/>
-          <a:chOff x="0" y="0"/>
-          <a:chExt cx="0" cy="0"/>
-        </a:xfrm>
-      </p:grpSpPr>
-      <p:sp>
-        <p:nvSpPr>
-          <p:cNvPr id="2" name="Title 1">
-            <a:extLst>
-              <a:ext uri="{FF2B5EF4-FFF2-40B4-BE49-F238E27FC236}">
-                <a16:creationId xmlns:a16="http://schemas.microsoft.com/office/drawing/2014/main" id="{DFA63F81-D196-42B2-ACB1-0284B84D3367}"/>
-              </a:ext>
-            </a:extLst>
-          </p:cNvPr>
-          <p:cNvSpPr>
-            <a:spLocks noGrp="1"/>
-          </p:cNvSpPr>
-          <p:nvPr>
-            <p:ph type="title"/>
-          </p:nvPr>
-        </p:nvSpPr>
-        <p:spPr>
-          <a:xfrm>
-            <a:off x="914400" y="624989"/>
-            <a:ext cx="7315200" cy="369332"/>
-          </a:xfrm>
-        </p:spPr>
-        <p:txBody>
-          <a:bodyPr/>
-          <a:lstStyle/>
-          <a:p>
-            <a:r>
-              <a:rPr lang="en-US" dirty="0"/>
-              <a:t>The Home controller for the Admin area</a:t>
-            </a:r>
-          </a:p>
-        </p:txBody>
-      </p:sp>
-      <p:sp>
-        <p:nvSpPr>
-          <p:cNvPr id="3" name="Text Placeholder 2">
-            <a:extLst>
-              <a:ext uri="{FF2B5EF4-FFF2-40B4-BE49-F238E27FC236}">
-                <a16:creationId xmlns:a16="http://schemas.microsoft.com/office/drawing/2014/main" id="{AB741C60-35AE-480C-9D16-F84743F5C93A}"/>
-              </a:ext>
-            </a:extLst>
-          </p:cNvPr>
-          <p:cNvSpPr>
-            <a:spLocks noGrp="1"/>
-          </p:cNvSpPr>
-          <p:nvPr>
-            <p:ph type="body" sz="quarter" idx="13"/>
-          </p:nvPr>
-        </p:nvSpPr>
-        <p:spPr/>
-        <p:txBody>
-          <a:bodyPr/>
-          <a:lstStyle/>
-          <a:p>
-            <a:pPr marL="347345" marR="0">
-              <a:spcBef>
-                <a:spcPts val="0"/>
-              </a:spcBef>
-              <a:spcAft>
-                <a:spcPts val="0"/>
-              </a:spcAft>
-              <a:tabLst>
-                <a:tab pos="1371600" algn="l"/>
-              </a:tabLst>
-            </a:pPr>
-            <a:r>
-              <a:rPr lang="en-US" sz="1400" b="1" dirty="0">
-                <a:latin typeface="Courier New" panose="02070309020205020404" pitchFamily="49" charset="0"/>
-                <a:ea typeface="Times New Roman" panose="02020603050405020304" pitchFamily="18" charset="0"/>
-                <a:cs typeface="Times New Roman" panose="02020603050405020304" pitchFamily="18" charset="0"/>
-              </a:rPr>
-              <a:t>namespace </a:t>
-            </a:r>
-            <a:r>
-              <a:rPr lang="en-US" sz="1400" b="1" dirty="0" err="1">
-                <a:latin typeface="Courier New" panose="02070309020205020404" pitchFamily="49" charset="0"/>
-                <a:ea typeface="Times New Roman" panose="02020603050405020304" pitchFamily="18" charset="0"/>
-                <a:cs typeface="Times New Roman" panose="02020603050405020304" pitchFamily="18" charset="0"/>
-              </a:rPr>
-              <a:t>GuitarShop.Areas.Admin.Controllers</a:t>
-            </a:r>
-            <a:endParaRPr lang="en-US" sz="1400" b="1" dirty="0">
-              <a:latin typeface="Courier New" panose="02070309020205020404" pitchFamily="49" charset="0"/>
-              <a:ea typeface="Times New Roman" panose="02020603050405020304" pitchFamily="18" charset="0"/>
-              <a:cs typeface="Times New Roman" panose="02020603050405020304" pitchFamily="18" charset="0"/>
-            </a:endParaRPr>
-          </a:p>
-          <a:p>
-            <a:pPr marL="347345" marR="0">
-              <a:spcBef>
-                <a:spcPts val="0"/>
-              </a:spcBef>
-              <a:spcAft>
-                <a:spcPts val="0"/>
-              </a:spcAft>
-              <a:tabLst>
-                <a:tab pos="1371600" algn="l"/>
-              </a:tabLst>
-            </a:pPr>
-            <a:r>
-              <a:rPr lang="en-US" sz="1400" b="1" dirty="0">
-                <a:latin typeface="Courier New" panose="02070309020205020404" pitchFamily="49" charset="0"/>
-                <a:ea typeface="Times New Roman" panose="02020603050405020304" pitchFamily="18" charset="0"/>
-                <a:cs typeface="Times New Roman" panose="02020603050405020304" pitchFamily="18" charset="0"/>
-              </a:rPr>
-              <a:t>{</a:t>
-            </a:r>
-          </a:p>
-          <a:p>
-            <a:pPr marL="347345" marR="0">
-              <a:spcBef>
-                <a:spcPts val="0"/>
-              </a:spcBef>
-              <a:spcAft>
-                <a:spcPts val="0"/>
-              </a:spcAft>
-              <a:tabLst>
-                <a:tab pos="1371600" algn="l"/>
-              </a:tabLst>
-            </a:pPr>
-            <a:r>
-              <a:rPr lang="en-US" sz="1400" b="1" dirty="0">
-                <a:latin typeface="Courier New" panose="02070309020205020404" pitchFamily="49" charset="0"/>
-                <a:ea typeface="Times New Roman" panose="02020603050405020304" pitchFamily="18" charset="0"/>
-                <a:cs typeface="Times New Roman" panose="02020603050405020304" pitchFamily="18" charset="0"/>
-              </a:rPr>
-              <a:t>    </a:t>
-            </a:r>
-            <a:r>
-              <a:rPr lang="en-US" sz="1400" b="1" dirty="0">
-                <a:highlight>
-                  <a:srgbClr val="FFFF00"/>
-                </a:highlight>
-                <a:latin typeface="Courier New" panose="02070309020205020404" pitchFamily="49" charset="0"/>
-                <a:ea typeface="Times New Roman" panose="02020603050405020304" pitchFamily="18" charset="0"/>
-                <a:cs typeface="Times New Roman" panose="02020603050405020304" pitchFamily="18" charset="0"/>
-              </a:rPr>
-              <a:t>[Area("Admin")]</a:t>
-            </a:r>
-            <a:endParaRPr lang="en-US" sz="1400" b="1" dirty="0">
-              <a:latin typeface="Courier New" panose="02070309020205020404" pitchFamily="49" charset="0"/>
-              <a:ea typeface="Times New Roman" panose="02020603050405020304" pitchFamily="18" charset="0"/>
-              <a:cs typeface="Times New Roman" panose="02020603050405020304" pitchFamily="18" charset="0"/>
-            </a:endParaRPr>
-          </a:p>
-          <a:p>
-            <a:pPr marL="347345" marR="0">
-              <a:spcBef>
-                <a:spcPts val="0"/>
-              </a:spcBef>
-              <a:spcAft>
-                <a:spcPts val="0"/>
-              </a:spcAft>
-              <a:tabLst>
-                <a:tab pos="1371600" algn="l"/>
-              </a:tabLst>
-            </a:pPr>
-            <a:r>
-              <a:rPr lang="en-US" sz="1400" b="1" dirty="0">
-                <a:latin typeface="Courier New" panose="02070309020205020404" pitchFamily="49" charset="0"/>
-                <a:ea typeface="Times New Roman" panose="02020603050405020304" pitchFamily="18" charset="0"/>
-                <a:cs typeface="Times New Roman" panose="02020603050405020304" pitchFamily="18" charset="0"/>
-              </a:rPr>
-              <a:t>    public class </a:t>
-            </a:r>
-            <a:r>
-              <a:rPr lang="en-US" sz="1400" b="1" dirty="0" err="1">
-                <a:latin typeface="Courier New" panose="02070309020205020404" pitchFamily="49" charset="0"/>
-                <a:ea typeface="Times New Roman" panose="02020603050405020304" pitchFamily="18" charset="0"/>
-                <a:cs typeface="Times New Roman" panose="02020603050405020304" pitchFamily="18" charset="0"/>
-              </a:rPr>
-              <a:t>HomeController</a:t>
-            </a:r>
-            <a:r>
-              <a:rPr lang="en-US" sz="1400" b="1" dirty="0">
-                <a:latin typeface="Courier New" panose="02070309020205020404" pitchFamily="49" charset="0"/>
-                <a:ea typeface="Times New Roman" panose="02020603050405020304" pitchFamily="18" charset="0"/>
-                <a:cs typeface="Times New Roman" panose="02020603050405020304" pitchFamily="18" charset="0"/>
-              </a:rPr>
-              <a:t> : Controller</a:t>
-            </a:r>
-          </a:p>
-          <a:p>
-            <a:pPr marL="347345" marR="0">
-              <a:spcBef>
-                <a:spcPts val="0"/>
-              </a:spcBef>
-              <a:spcAft>
-                <a:spcPts val="0"/>
-              </a:spcAft>
-              <a:tabLst>
-                <a:tab pos="1371600" algn="l"/>
-              </a:tabLst>
-            </a:pPr>
-            <a:r>
-              <a:rPr lang="en-US" sz="1400" b="1" dirty="0">
-                <a:latin typeface="Courier New" panose="02070309020205020404" pitchFamily="49" charset="0"/>
-                <a:ea typeface="Times New Roman" panose="02020603050405020304" pitchFamily="18" charset="0"/>
-                <a:cs typeface="Times New Roman" panose="02020603050405020304" pitchFamily="18" charset="0"/>
-              </a:rPr>
-              <a:t>    {</a:t>
-            </a:r>
-          </a:p>
-          <a:p>
-            <a:pPr marL="347345" marR="0">
-              <a:spcBef>
-                <a:spcPts val="0"/>
-              </a:spcBef>
-              <a:spcAft>
-                <a:spcPts val="0"/>
-              </a:spcAft>
-              <a:tabLst>
-                <a:tab pos="1371600" algn="l"/>
-              </a:tabLst>
-            </a:pPr>
-            <a:r>
-              <a:rPr lang="en-US" sz="1400" b="1" dirty="0">
-                <a:latin typeface="Courier New" panose="02070309020205020404" pitchFamily="49" charset="0"/>
-                <a:ea typeface="Times New Roman" panose="02020603050405020304" pitchFamily="18" charset="0"/>
-                <a:cs typeface="Times New Roman" panose="02020603050405020304" pitchFamily="18" charset="0"/>
-              </a:rPr>
-              <a:t>        public </a:t>
-            </a:r>
-            <a:r>
-              <a:rPr lang="en-US" sz="1400" b="1" dirty="0" err="1">
-                <a:latin typeface="Courier New" panose="02070309020205020404" pitchFamily="49" charset="0"/>
-                <a:ea typeface="Times New Roman" panose="02020603050405020304" pitchFamily="18" charset="0"/>
-                <a:cs typeface="Times New Roman" panose="02020603050405020304" pitchFamily="18" charset="0"/>
-              </a:rPr>
-              <a:t>IActionResult</a:t>
-            </a:r>
-            <a:r>
-              <a:rPr lang="en-US" sz="1400" b="1" dirty="0">
-                <a:latin typeface="Courier New" panose="02070309020205020404" pitchFamily="49" charset="0"/>
-                <a:ea typeface="Times New Roman" panose="02020603050405020304" pitchFamily="18" charset="0"/>
-                <a:cs typeface="Times New Roman" panose="02020603050405020304" pitchFamily="18" charset="0"/>
-              </a:rPr>
-              <a:t> Index()</a:t>
-            </a:r>
-          </a:p>
-          <a:p>
-            <a:pPr marL="347345" marR="0">
-              <a:spcBef>
-                <a:spcPts val="0"/>
-              </a:spcBef>
-              <a:spcAft>
-                <a:spcPts val="0"/>
-              </a:spcAft>
-              <a:tabLst>
-                <a:tab pos="1371600" algn="l"/>
-              </a:tabLst>
-            </a:pPr>
-            <a:r>
-              <a:rPr lang="en-US" sz="1400" b="1" dirty="0">
-                <a:latin typeface="Courier New" panose="02070309020205020404" pitchFamily="49" charset="0"/>
-                <a:ea typeface="Times New Roman" panose="02020603050405020304" pitchFamily="18" charset="0"/>
-                <a:cs typeface="Times New Roman" panose="02020603050405020304" pitchFamily="18" charset="0"/>
-              </a:rPr>
-              <a:t>        {</a:t>
-            </a:r>
-          </a:p>
-          <a:p>
-            <a:pPr marL="347345" marR="0">
-              <a:spcBef>
-                <a:spcPts val="0"/>
-              </a:spcBef>
-              <a:spcAft>
-                <a:spcPts val="0"/>
-              </a:spcAft>
-              <a:tabLst>
-                <a:tab pos="1371600" algn="l"/>
-              </a:tabLst>
-            </a:pPr>
-            <a:r>
-              <a:rPr lang="en-US" sz="1400" b="1" dirty="0">
-                <a:latin typeface="Courier New" panose="02070309020205020404" pitchFamily="49" charset="0"/>
-                <a:ea typeface="Times New Roman" panose="02020603050405020304" pitchFamily="18" charset="0"/>
-                <a:cs typeface="Times New Roman" panose="02020603050405020304" pitchFamily="18" charset="0"/>
-              </a:rPr>
-              <a:t>            return View();  // maps to /Areas/Admin/Views/Home/</a:t>
-            </a:r>
-          </a:p>
-          <a:p>
-            <a:pPr marL="347345" marR="0">
-              <a:spcBef>
-                <a:spcPts val="0"/>
-              </a:spcBef>
-              <a:spcAft>
-                <a:spcPts val="0"/>
-              </a:spcAft>
-              <a:tabLst>
-                <a:tab pos="1371600" algn="l"/>
-              </a:tabLst>
-            </a:pPr>
-            <a:r>
-              <a:rPr lang="en-US" sz="1400" b="1" dirty="0">
-                <a:latin typeface="Courier New" panose="02070309020205020404" pitchFamily="49" charset="0"/>
-                <a:ea typeface="Times New Roman" panose="02020603050405020304" pitchFamily="18" charset="0"/>
-                <a:cs typeface="Times New Roman" panose="02020603050405020304" pitchFamily="18" charset="0"/>
-              </a:rPr>
-              <a:t>                            // </a:t>
-            </a:r>
-            <a:r>
-              <a:rPr lang="en-US" sz="1400" b="1" dirty="0" err="1">
-                <a:latin typeface="Courier New" panose="02070309020205020404" pitchFamily="49" charset="0"/>
-                <a:ea typeface="Times New Roman" panose="02020603050405020304" pitchFamily="18" charset="0"/>
-                <a:cs typeface="Times New Roman" panose="02020603050405020304" pitchFamily="18" charset="0"/>
-              </a:rPr>
-              <a:t>Index.cshtml</a:t>
-            </a:r>
-            <a:endParaRPr lang="en-US" sz="1400" b="1" dirty="0">
-              <a:latin typeface="Courier New" panose="02070309020205020404" pitchFamily="49" charset="0"/>
-              <a:ea typeface="Times New Roman" panose="02020603050405020304" pitchFamily="18" charset="0"/>
-              <a:cs typeface="Times New Roman" panose="02020603050405020304" pitchFamily="18" charset="0"/>
-            </a:endParaRPr>
-          </a:p>
-          <a:p>
-            <a:pPr marL="347345" marR="0">
-              <a:spcBef>
-                <a:spcPts val="0"/>
-              </a:spcBef>
-              <a:spcAft>
-                <a:spcPts val="0"/>
-              </a:spcAft>
-              <a:tabLst>
-                <a:tab pos="1371600" algn="l"/>
-              </a:tabLst>
-            </a:pPr>
-            <a:r>
-              <a:rPr lang="en-US" sz="1400" b="1" dirty="0">
-                <a:latin typeface="Courier New" panose="02070309020205020404" pitchFamily="49" charset="0"/>
-                <a:ea typeface="Times New Roman" panose="02020603050405020304" pitchFamily="18" charset="0"/>
-                <a:cs typeface="Times New Roman" panose="02020603050405020304" pitchFamily="18" charset="0"/>
-              </a:rPr>
-              <a:t>        }</a:t>
-            </a:r>
-          </a:p>
-          <a:p>
-            <a:pPr marL="347345" marR="0">
-              <a:spcBef>
-                <a:spcPts val="0"/>
-              </a:spcBef>
-              <a:spcAft>
-                <a:spcPts val="0"/>
-              </a:spcAft>
-              <a:tabLst>
-                <a:tab pos="1371600" algn="l"/>
-              </a:tabLst>
-            </a:pPr>
-            <a:r>
-              <a:rPr lang="en-US" sz="1400" b="1" dirty="0">
-                <a:latin typeface="Courier New" panose="02070309020205020404" pitchFamily="49" charset="0"/>
-                <a:ea typeface="Times New Roman" panose="02020603050405020304" pitchFamily="18" charset="0"/>
-                <a:cs typeface="Times New Roman" panose="02020603050405020304" pitchFamily="18" charset="0"/>
-              </a:rPr>
-              <a:t>    }</a:t>
-            </a:r>
-          </a:p>
-          <a:p>
-            <a:pPr marL="347345" marR="0">
-              <a:spcBef>
-                <a:spcPts val="0"/>
-              </a:spcBef>
-              <a:spcAft>
-                <a:spcPts val="0"/>
-              </a:spcAft>
-              <a:tabLst>
-                <a:tab pos="1371600" algn="l"/>
-              </a:tabLst>
-            </a:pPr>
-            <a:r>
-              <a:rPr lang="en-US" sz="1400" b="1" dirty="0">
-                <a:latin typeface="Courier New" panose="02070309020205020404" pitchFamily="49" charset="0"/>
-                <a:ea typeface="Times New Roman" panose="02020603050405020304" pitchFamily="18" charset="0"/>
-                <a:cs typeface="Times New Roman" panose="02020603050405020304" pitchFamily="18" charset="0"/>
-              </a:rPr>
-              <a:t>}</a:t>
-            </a:r>
-          </a:p>
-          <a:p>
-            <a:endParaRPr lang="en-US" sz="1400" dirty="0"/>
-          </a:p>
-        </p:txBody>
-      </p:sp>
-      <p:sp>
-        <p:nvSpPr>
-          <p:cNvPr id="4" name="Date Placeholder 3">
-            <a:extLst>
-              <a:ext uri="{FF2B5EF4-FFF2-40B4-BE49-F238E27FC236}">
-                <a16:creationId xmlns:a16="http://schemas.microsoft.com/office/drawing/2014/main" id="{3E2D0AD4-BDB7-4894-A68A-43021ABC5FC8}"/>
-              </a:ext>
-            </a:extLst>
-          </p:cNvPr>
-          <p:cNvSpPr>
-            <a:spLocks noGrp="1"/>
-          </p:cNvSpPr>
-          <p:nvPr>
-            <p:ph type="dt" sz="half" idx="10"/>
-          </p:nvPr>
-        </p:nvSpPr>
-        <p:spPr/>
-        <p:txBody>
-          <a:bodyPr/>
-          <a:lstStyle/>
-          <a:p>
-            <a:pPr>
-              <a:defRPr/>
-            </a:pPr>
-            <a:r>
-              <a:rPr lang="en-US"/>
-              <a:t>Murach's ASP.NET Core MVC</a:t>
-            </a:r>
-            <a:endParaRPr lang="en-US" dirty="0"/>
-          </a:p>
-        </p:txBody>
-      </p:sp>
-      <p:sp>
-        <p:nvSpPr>
-          <p:cNvPr id="5" name="Footer Placeholder 4">
-            <a:extLst>
-              <a:ext uri="{FF2B5EF4-FFF2-40B4-BE49-F238E27FC236}">
-                <a16:creationId xmlns:a16="http://schemas.microsoft.com/office/drawing/2014/main" id="{E4A350DB-5320-4441-BCD6-BF2220E3F06D}"/>
-              </a:ext>
-            </a:extLst>
-          </p:cNvPr>
-          <p:cNvSpPr>
-            <a:spLocks noGrp="1"/>
-          </p:cNvSpPr>
-          <p:nvPr>
-            <p:ph type="ftr" sz="quarter" idx="11"/>
-          </p:nvPr>
-        </p:nvSpPr>
-        <p:spPr/>
-        <p:txBody>
-          <a:bodyPr/>
-          <a:lstStyle/>
-          <a:p>
-            <a:pPr>
-              <a:defRPr/>
-            </a:pPr>
-            <a:r>
-              <a:rPr lang="en-US"/>
-              <a:t>© 2020, Mike Murach &amp; Associates, Inc.</a:t>
-            </a:r>
-            <a:endParaRPr lang="en-US" dirty="0"/>
-          </a:p>
-        </p:txBody>
-      </p:sp>
-      <p:sp>
-        <p:nvSpPr>
-          <p:cNvPr id="6" name="Slide Number Placeholder 5">
-            <a:extLst>
-              <a:ext uri="{FF2B5EF4-FFF2-40B4-BE49-F238E27FC236}">
-                <a16:creationId xmlns:a16="http://schemas.microsoft.com/office/drawing/2014/main" id="{D05DE4B9-D0CD-4421-8347-CDB4EEBEFA68}"/>
-              </a:ext>
-            </a:extLst>
-          </p:cNvPr>
-          <p:cNvSpPr>
-            <a:spLocks noGrp="1"/>
-          </p:cNvSpPr>
-          <p:nvPr>
-            <p:ph type="sldNum" sz="quarter" idx="12"/>
-          </p:nvPr>
-        </p:nvSpPr>
-        <p:spPr/>
-        <p:txBody>
-          <a:bodyPr/>
-          <a:lstStyle/>
-          <a:p>
-            <a:pPr algn="l">
-              <a:defRPr/>
-            </a:pPr>
-            <a:endParaRPr lang="en-US" sz="1400">
-              <a:latin typeface="Times New Roman"/>
-            </a:endParaRPr>
-          </a:p>
-          <a:p>
-            <a:pPr>
-              <a:defRPr/>
-            </a:pPr>
-            <a:r>
-              <a:rPr lang="en-US">
-                <a:solidFill>
-                  <a:schemeClr val="bg1"/>
-                </a:solidFill>
-              </a:rPr>
-              <a:t>C6, Slide </a:t>
-            </a:r>
-            <a:fld id="{BF5C1183-B085-4070-A402-C03A3F977D3D}" type="slidenum">
-              <a:rPr lang="en-US" smtClean="0">
-                <a:solidFill>
-                  <a:schemeClr val="bg1"/>
-                </a:solidFill>
-              </a:rPr>
-              <a:pPr>
-                <a:defRPr/>
-              </a:pPr>
-              <a:t>13</a:t>
-            </a:fld>
-            <a:endParaRPr lang="en-US" dirty="0">
-              <a:solidFill>
-                <a:schemeClr val="bg1"/>
-              </a:solidFill>
-            </a:endParaRPr>
-          </a:p>
-        </p:txBody>
-      </p:sp>
-    </p:spTree>
-    <p:extLst>
-      <p:ext uri="{BB962C8B-B14F-4D97-AF65-F5344CB8AC3E}">
-        <p14:creationId xmlns:p14="http://schemas.microsoft.com/office/powerpoint/2010/main" val="2208030267"/>
-      </p:ext>
-    </p:extLst>
-  </p:cSld>
-  <p:clrMapOvr>
-    <a:masterClrMapping/>
-  </p:clrMapOvr>
-</p:sld>
-</file>
-
-<file path=ppt/slides/slide14.xml><?xml version="1.0" encoding="utf-8"?>
 <p:sld xmlns:a="http://schemas.openxmlformats.org/drawingml/2006/main" xmlns:r="http://schemas.openxmlformats.org/officeDocument/2006/relationships" xmlns:p="http://schemas.openxmlformats.org/presentationml/2006/main">
   <p:cSld>
     <p:spTree>
@@ -9567,7 +9544,7 @@
               <a:pPr>
                 <a:defRPr/>
               </a:pPr>
-              <a:t>14</a:t>
+              <a:t>13</a:t>
             </a:fld>
             <a:endParaRPr lang="en-US" dirty="0">
               <a:solidFill>
@@ -9577,394 +9554,119 @@
           </a:p>
         </p:txBody>
       </p:sp>
+      <p:sp>
+        <p:nvSpPr>
+          <p:cNvPr id="7" name="Rectangle 6">
+            <a:extLst>
+              <a:ext uri="{FF2B5EF4-FFF2-40B4-BE49-F238E27FC236}">
+                <a16:creationId xmlns:a16="http://schemas.microsoft.com/office/drawing/2014/main" id="{FFEE09BA-0A2D-4DA9-B20A-117EC30B41AC}"/>
+              </a:ext>
+            </a:extLst>
+          </p:cNvPr>
+          <p:cNvSpPr/>
+          <p:nvPr/>
+        </p:nvSpPr>
+        <p:spPr bwMode="auto">
+          <a:xfrm>
+            <a:off x="3657600" y="5029200"/>
+            <a:ext cx="3886200" cy="762000"/>
+          </a:xfrm>
+          <a:prstGeom prst="rect">
+            <a:avLst/>
+          </a:prstGeom>
+          <a:solidFill>
+            <a:schemeClr val="bg1"/>
+          </a:solidFill>
+          <a:ln w="9525" cap="flat" cmpd="sng" algn="ctr">
+            <a:solidFill>
+              <a:srgbClr val="FFC000"/>
+            </a:solidFill>
+            <a:prstDash val="solid"/>
+            <a:round/>
+            <a:headEnd type="none" w="med" len="med"/>
+            <a:tailEnd type="none" w="med" len="med"/>
+          </a:ln>
+          <a:effectLst/>
+        </p:spPr>
+        <p:txBody>
+          <a:bodyPr vert="horz" wrap="square" lIns="91440" tIns="45720" rIns="91440" bIns="45720" numCol="1" rtlCol="0" anchor="t" anchorCtr="0" compatLnSpc="1">
+            <a:prstTxWarp prst="textNoShape">
+              <a:avLst/>
+            </a:prstTxWarp>
+          </a:bodyPr>
+          <a:lstStyle/>
+          <a:p>
+            <a:pPr marL="0" marR="0" indent="0" algn="l" defTabSz="914400" rtl="0" eaLnBrk="0" fontAlgn="base" latinLnBrk="0" hangingPunct="0">
+              <a:lnSpc>
+                <a:spcPct val="100000"/>
+              </a:lnSpc>
+              <a:spcBef>
+                <a:spcPct val="0"/>
+              </a:spcBef>
+              <a:spcAft>
+                <a:spcPct val="0"/>
+              </a:spcAft>
+              <a:buClrTx/>
+              <a:buSzTx/>
+              <a:buFontTx/>
+              <a:buNone/>
+              <a:tabLst/>
+            </a:pPr>
+            <a:r>
+              <a:rPr kumimoji="0" lang="en-US" sz="2400" b="0" i="0" u="none" strike="noStrike" cap="none" normalizeH="0" baseline="0" dirty="0">
+                <a:ln>
+                  <a:noFill/>
+                </a:ln>
+                <a:solidFill>
+                  <a:schemeClr val="tx1"/>
+                </a:solidFill>
+                <a:effectLst/>
+                <a:latin typeface="Times New Roman" pitchFamily="18" charset="0"/>
+              </a:rPr>
+              <a:t>This one is optional(just for clarification)</a:t>
+            </a:r>
+          </a:p>
+        </p:txBody>
+      </p:sp>
+      <p:cxnSp>
+        <p:nvCxnSpPr>
+          <p:cNvPr id="9" name="Straight Arrow Connector 8">
+            <a:extLst>
+              <a:ext uri="{FF2B5EF4-FFF2-40B4-BE49-F238E27FC236}">
+                <a16:creationId xmlns:a16="http://schemas.microsoft.com/office/drawing/2014/main" id="{B9513CE4-C333-4DA5-A93B-68CD3B6D3DA4}"/>
+              </a:ext>
+            </a:extLst>
+          </p:cNvPr>
+          <p:cNvCxnSpPr/>
+          <p:nvPr/>
+        </p:nvCxnSpPr>
+        <p:spPr bwMode="auto">
+          <a:xfrm>
+            <a:off x="3200400" y="3200400"/>
+            <a:ext cx="685800" cy="1828800"/>
+          </a:xfrm>
+          <a:prstGeom prst="straightConnector1">
+            <a:avLst/>
+          </a:prstGeom>
+          <a:solidFill>
+            <a:schemeClr val="bg1"/>
+          </a:solidFill>
+          <a:ln w="9525" cap="flat" cmpd="sng" algn="ctr">
+            <a:solidFill>
+              <a:srgbClr val="FFC000"/>
+            </a:solidFill>
+            <a:prstDash val="solid"/>
+            <a:round/>
+            <a:headEnd type="none" w="med" len="med"/>
+            <a:tailEnd type="triangle"/>
+          </a:ln>
+          <a:effectLst/>
+        </p:spPr>
+      </p:cxnSp>
     </p:spTree>
     <p:extLst>
       <p:ext uri="{BB962C8B-B14F-4D97-AF65-F5344CB8AC3E}">
         <p14:creationId xmlns:p14="http://schemas.microsoft.com/office/powerpoint/2010/main" val="3852189995"/>
-      </p:ext>
-    </p:extLst>
-  </p:cSld>
-  <p:clrMapOvr>
-    <a:masterClrMapping/>
-  </p:clrMapOvr>
-</p:sld>
-</file>
-
-<file path=ppt/slides/slide15.xml><?xml version="1.0" encoding="utf-8"?>
-<p:sld xmlns:a="http://schemas.openxmlformats.org/drawingml/2006/main" xmlns:r="http://schemas.openxmlformats.org/officeDocument/2006/relationships" xmlns:p="http://schemas.openxmlformats.org/presentationml/2006/main">
-  <p:cSld>
-    <p:spTree>
-      <p:nvGrpSpPr>
-        <p:cNvPr id="1" name=""/>
-        <p:cNvGrpSpPr/>
-        <p:nvPr/>
-      </p:nvGrpSpPr>
-      <p:grpSpPr>
-        <a:xfrm>
-          <a:off x="0" y="0"/>
-          <a:ext cx="0" cy="0"/>
-          <a:chOff x="0" y="0"/>
-          <a:chExt cx="0" cy="0"/>
-        </a:xfrm>
-      </p:grpSpPr>
-      <p:sp>
-        <p:nvSpPr>
-          <p:cNvPr id="2" name="Title 1">
-            <a:extLst>
-              <a:ext uri="{FF2B5EF4-FFF2-40B4-BE49-F238E27FC236}">
-                <a16:creationId xmlns:a16="http://schemas.microsoft.com/office/drawing/2014/main" id="{BE1FC931-FB34-4BC6-8130-7B2891E16A36}"/>
-              </a:ext>
-            </a:extLst>
-          </p:cNvPr>
-          <p:cNvSpPr>
-            <a:spLocks noGrp="1"/>
-          </p:cNvSpPr>
-          <p:nvPr>
-            <p:ph type="title"/>
-          </p:nvPr>
-        </p:nvSpPr>
-        <p:spPr>
-          <a:xfrm>
-            <a:off x="914400" y="624989"/>
-            <a:ext cx="7315200" cy="369332"/>
-          </a:xfrm>
-        </p:spPr>
-        <p:txBody>
-          <a:bodyPr/>
-          <a:lstStyle/>
-          <a:p>
-            <a:r>
-              <a:rPr lang="en-US" dirty="0"/>
-              <a:t>Request URL mappings associated with areas</a:t>
-            </a:r>
-          </a:p>
-        </p:txBody>
-      </p:sp>
-      <p:sp>
-        <p:nvSpPr>
-          <p:cNvPr id="3" name="Text Placeholder 2">
-            <a:extLst>
-              <a:ext uri="{FF2B5EF4-FFF2-40B4-BE49-F238E27FC236}">
-                <a16:creationId xmlns:a16="http://schemas.microsoft.com/office/drawing/2014/main" id="{6ED41EE0-BD52-4C6D-94EE-7841C02315EA}"/>
-              </a:ext>
-            </a:extLst>
-          </p:cNvPr>
-          <p:cNvSpPr>
-            <a:spLocks noGrp="1"/>
-          </p:cNvSpPr>
-          <p:nvPr>
-            <p:ph type="body" sz="quarter" idx="15"/>
-          </p:nvPr>
-        </p:nvSpPr>
-        <p:spPr>
-          <a:xfrm>
-            <a:off x="914400" y="1143000"/>
-            <a:ext cx="7467600" cy="3429000"/>
-          </a:xfrm>
-          <a:ln cmpd="sng"/>
-        </p:spPr>
-        <p:txBody>
-          <a:bodyPr/>
-          <a:lstStyle/>
-          <a:p>
-            <a:pPr>
-              <a:spcBef>
-                <a:spcPts val="600"/>
-              </a:spcBef>
-              <a:spcAft>
-                <a:spcPts val="600"/>
-              </a:spcAft>
-              <a:tabLst>
-                <a:tab pos="1828800" algn="l"/>
-                <a:tab pos="3086100" algn="l"/>
-                <a:tab pos="4800600" algn="l"/>
-              </a:tabLst>
-            </a:pPr>
-            <a:r>
-              <a:rPr lang="en-US" b="1" dirty="0">
-                <a:latin typeface="Arial" panose="020B0604020202020204" pitchFamily="34" charset="0"/>
-                <a:ea typeface="Times New Roman" panose="02020603050405020304" pitchFamily="18" charset="0"/>
-                <a:cs typeface="Times New Roman" panose="02020603050405020304" pitchFamily="18" charset="0"/>
-              </a:rPr>
-              <a:t>Request URL		Description</a:t>
-            </a:r>
-          </a:p>
-          <a:p>
-            <a:pPr marL="3086100" marR="0" indent="-3086100">
-              <a:spcBef>
-                <a:spcPts val="300"/>
-              </a:spcBef>
-              <a:spcAft>
-                <a:spcPts val="600"/>
-              </a:spcAft>
-              <a:tabLst>
-                <a:tab pos="800100" algn="l"/>
-                <a:tab pos="2514600" algn="l"/>
-                <a:tab pos="800100" algn="l"/>
-              </a:tabLst>
-            </a:pPr>
-            <a:r>
-              <a:rPr lang="en-US" sz="1600" b="1" dirty="0">
-                <a:latin typeface="Courier New" panose="02070309020205020404" pitchFamily="49" charset="0"/>
-                <a:ea typeface="Times New Roman" panose="02020603050405020304" pitchFamily="18" charset="0"/>
-              </a:rPr>
-              <a:t>/Admin/Products</a:t>
-            </a:r>
-            <a:r>
-              <a:rPr lang="en-US" sz="900" b="1" dirty="0">
-                <a:latin typeface="Courier New" panose="02070309020205020404" pitchFamily="49" charset="0"/>
-                <a:ea typeface="Times New Roman" panose="02020603050405020304" pitchFamily="18" charset="0"/>
-              </a:rPr>
-              <a:t>			</a:t>
-            </a:r>
-            <a:r>
-              <a:rPr lang="en-US" dirty="0">
-                <a:latin typeface="Times New Roman" panose="02020603050405020304" pitchFamily="18" charset="0"/>
-                <a:ea typeface="Times New Roman" panose="02020603050405020304" pitchFamily="18" charset="0"/>
-              </a:rPr>
-              <a:t>Maps to the Product/List action and uses the default parameter value of “All”.</a:t>
-            </a:r>
-          </a:p>
-          <a:p>
-            <a:pPr marL="3086100" marR="0" indent="-3086100">
-              <a:spcBef>
-                <a:spcPts val="300"/>
-              </a:spcBef>
-              <a:spcAft>
-                <a:spcPts val="600"/>
-              </a:spcAft>
-              <a:tabLst>
-                <a:tab pos="800100" algn="l"/>
-                <a:tab pos="2514600" algn="l"/>
-                <a:tab pos="800100" algn="l"/>
-              </a:tabLst>
-            </a:pPr>
-            <a:r>
-              <a:rPr lang="en-US" sz="1600" b="1" dirty="0">
-                <a:latin typeface="Courier New" panose="02070309020205020404" pitchFamily="49" charset="0"/>
-                <a:ea typeface="Times New Roman" panose="02020603050405020304" pitchFamily="18" charset="0"/>
-              </a:rPr>
-              <a:t>/Admin/Products/Guitars</a:t>
-            </a:r>
-            <a:r>
-              <a:rPr lang="en-US" sz="900" b="1" dirty="0">
-                <a:latin typeface="Courier New" panose="02070309020205020404" pitchFamily="49" charset="0"/>
-                <a:ea typeface="Times New Roman" panose="02020603050405020304" pitchFamily="18" charset="0"/>
-              </a:rPr>
-              <a:t>	</a:t>
-            </a:r>
-            <a:r>
-              <a:rPr lang="en-US" dirty="0">
-                <a:latin typeface="Times New Roman" panose="02020603050405020304" pitchFamily="18" charset="0"/>
-                <a:ea typeface="Times New Roman" panose="02020603050405020304" pitchFamily="18" charset="0"/>
-              </a:rPr>
-              <a:t>Maps to the Product/List action and passes an argument of “Guitars”.</a:t>
-            </a:r>
-          </a:p>
-          <a:p>
-            <a:pPr marL="3086100" marR="0" indent="-3086100">
-              <a:spcBef>
-                <a:spcPts val="300"/>
-              </a:spcBef>
-              <a:spcAft>
-                <a:spcPts val="600"/>
-              </a:spcAft>
-              <a:tabLst>
-                <a:tab pos="800100" algn="l"/>
-                <a:tab pos="2514600" algn="l"/>
-                <a:tab pos="800100" algn="l"/>
-              </a:tabLst>
-            </a:pPr>
-            <a:r>
-              <a:rPr lang="en-US" sz="1600" b="1" dirty="0">
-                <a:latin typeface="Courier New" panose="02070309020205020404" pitchFamily="49" charset="0"/>
-                <a:ea typeface="Times New Roman" panose="02020603050405020304" pitchFamily="18" charset="0"/>
-              </a:rPr>
-              <a:t>/Admin/Product/Add</a:t>
-            </a:r>
-            <a:r>
-              <a:rPr lang="en-US" sz="900" b="1" dirty="0">
-                <a:latin typeface="Courier New" panose="02070309020205020404" pitchFamily="49" charset="0"/>
-                <a:ea typeface="Times New Roman" panose="02020603050405020304" pitchFamily="18" charset="0"/>
-              </a:rPr>
-              <a:t>			</a:t>
-            </a:r>
-            <a:r>
-              <a:rPr lang="en-US" dirty="0">
-                <a:latin typeface="Times New Roman" panose="02020603050405020304" pitchFamily="18" charset="0"/>
-                <a:ea typeface="Times New Roman" panose="02020603050405020304" pitchFamily="18" charset="0"/>
-              </a:rPr>
-              <a:t>Maps to the Product/Add action.</a:t>
-            </a:r>
-          </a:p>
-          <a:p>
-            <a:pPr marL="3086100" marR="0" indent="-3086100">
-              <a:spcBef>
-                <a:spcPts val="300"/>
-              </a:spcBef>
-              <a:spcAft>
-                <a:spcPts val="600"/>
-              </a:spcAft>
-              <a:tabLst>
-                <a:tab pos="800100" algn="l"/>
-                <a:tab pos="2514600" algn="l"/>
-                <a:tab pos="800100" algn="l"/>
-              </a:tabLst>
-            </a:pPr>
-            <a:r>
-              <a:rPr lang="en-US" sz="1600" b="1" dirty="0">
-                <a:latin typeface="Courier New" panose="02070309020205020404" pitchFamily="49" charset="0"/>
-                <a:ea typeface="Times New Roman" panose="02020603050405020304" pitchFamily="18" charset="0"/>
-              </a:rPr>
-              <a:t>/Admin/Product/Update/3</a:t>
-            </a:r>
-            <a:r>
-              <a:rPr lang="en-US" sz="900" b="1" dirty="0">
-                <a:latin typeface="Courier New" panose="02070309020205020404" pitchFamily="49" charset="0"/>
-                <a:ea typeface="Times New Roman" panose="02020603050405020304" pitchFamily="18" charset="0"/>
-              </a:rPr>
-              <a:t>	</a:t>
-            </a:r>
-            <a:r>
-              <a:rPr lang="en-US" dirty="0">
-                <a:latin typeface="Times New Roman" panose="02020603050405020304" pitchFamily="18" charset="0"/>
-                <a:ea typeface="Times New Roman" panose="02020603050405020304" pitchFamily="18" charset="0"/>
-              </a:rPr>
-              <a:t>Maps to the Product/Detail action and passes an id argument of 3.</a:t>
-            </a:r>
-          </a:p>
-          <a:p>
-            <a:endParaRPr lang="en-US" dirty="0"/>
-          </a:p>
-        </p:txBody>
-      </p:sp>
-      <p:sp>
-        <p:nvSpPr>
-          <p:cNvPr id="4" name="Date Placeholder 3">
-            <a:extLst>
-              <a:ext uri="{FF2B5EF4-FFF2-40B4-BE49-F238E27FC236}">
-                <a16:creationId xmlns:a16="http://schemas.microsoft.com/office/drawing/2014/main" id="{DE24C220-69DF-487F-A913-9B7E6838ACA4}"/>
-              </a:ext>
-            </a:extLst>
-          </p:cNvPr>
-          <p:cNvSpPr>
-            <a:spLocks noGrp="1"/>
-          </p:cNvSpPr>
-          <p:nvPr>
-            <p:ph type="dt" sz="half" idx="10"/>
-          </p:nvPr>
-        </p:nvSpPr>
-        <p:spPr/>
-        <p:txBody>
-          <a:bodyPr/>
-          <a:lstStyle/>
-          <a:p>
-            <a:pPr>
-              <a:defRPr/>
-            </a:pPr>
-            <a:r>
-              <a:rPr lang="en-US"/>
-              <a:t>Murach's ASP.NET Core MVC</a:t>
-            </a:r>
-            <a:endParaRPr lang="en-US" dirty="0"/>
-          </a:p>
-        </p:txBody>
-      </p:sp>
-      <p:sp>
-        <p:nvSpPr>
-          <p:cNvPr id="5" name="Footer Placeholder 4">
-            <a:extLst>
-              <a:ext uri="{FF2B5EF4-FFF2-40B4-BE49-F238E27FC236}">
-                <a16:creationId xmlns:a16="http://schemas.microsoft.com/office/drawing/2014/main" id="{5A690D6E-F6C3-402E-B18E-511F4EC5F50F}"/>
-              </a:ext>
-            </a:extLst>
-          </p:cNvPr>
-          <p:cNvSpPr>
-            <a:spLocks noGrp="1"/>
-          </p:cNvSpPr>
-          <p:nvPr>
-            <p:ph type="ftr" sz="quarter" idx="11"/>
-          </p:nvPr>
-        </p:nvSpPr>
-        <p:spPr/>
-        <p:txBody>
-          <a:bodyPr/>
-          <a:lstStyle/>
-          <a:p>
-            <a:pPr>
-              <a:defRPr/>
-            </a:pPr>
-            <a:r>
-              <a:rPr lang="en-US"/>
-              <a:t>© 2020, Mike Murach &amp; Associates, Inc.</a:t>
-            </a:r>
-            <a:endParaRPr lang="en-US" dirty="0"/>
-          </a:p>
-        </p:txBody>
-      </p:sp>
-      <p:sp>
-        <p:nvSpPr>
-          <p:cNvPr id="6" name="Slide Number Placeholder 5">
-            <a:extLst>
-              <a:ext uri="{FF2B5EF4-FFF2-40B4-BE49-F238E27FC236}">
-                <a16:creationId xmlns:a16="http://schemas.microsoft.com/office/drawing/2014/main" id="{778456A1-2F8D-4224-81D5-40B25AB78281}"/>
-              </a:ext>
-            </a:extLst>
-          </p:cNvPr>
-          <p:cNvSpPr>
-            <a:spLocks noGrp="1"/>
-          </p:cNvSpPr>
-          <p:nvPr>
-            <p:ph type="sldNum" sz="quarter" idx="12"/>
-          </p:nvPr>
-        </p:nvSpPr>
-        <p:spPr/>
-        <p:txBody>
-          <a:bodyPr/>
-          <a:lstStyle/>
-          <a:p>
-            <a:pPr algn="l">
-              <a:defRPr/>
-            </a:pPr>
-            <a:endParaRPr lang="en-US" sz="1400">
-              <a:latin typeface="Times New Roman"/>
-            </a:endParaRPr>
-          </a:p>
-          <a:p>
-            <a:pPr>
-              <a:defRPr/>
-            </a:pPr>
-            <a:r>
-              <a:rPr lang="en-US">
-                <a:solidFill>
-                  <a:schemeClr val="bg1"/>
-                </a:solidFill>
-              </a:rPr>
-              <a:t>C6, Slide </a:t>
-            </a:r>
-            <a:fld id="{BF5C1183-B085-4070-A402-C03A3F977D3D}" type="slidenum">
-              <a:rPr lang="en-US" smtClean="0">
-                <a:solidFill>
-                  <a:schemeClr val="bg1"/>
-                </a:solidFill>
-              </a:rPr>
-              <a:pPr>
-                <a:defRPr/>
-              </a:pPr>
-              <a:t>15</a:t>
-            </a:fld>
-            <a:endParaRPr lang="en-US" dirty="0">
-              <a:solidFill>
-                <a:schemeClr val="bg1"/>
-              </a:solidFill>
-            </a:endParaRPr>
-          </a:p>
-        </p:txBody>
-      </p:sp>
-    </p:spTree>
-    <p:extLst>
-      <p:ext uri="{BB962C8B-B14F-4D97-AF65-F5344CB8AC3E}">
-        <p14:creationId xmlns:p14="http://schemas.microsoft.com/office/powerpoint/2010/main" val="1391615536"/>
       </p:ext>
     </p:extLst>
   </p:cSld>
